--- a/advancing-into-analytics-lagos.pptx
+++ b/advancing-into-analytics-lagos.pptx
@@ -1855,7 +1855,7 @@
           <a:p>
             <a:fld id="{503F064B-41F2-4661-BDF0-BFD135E9A557}" type="datetimeFigureOut">
               <a:rPr lang="en-US" smtClean="0"/>
-              <a:t>6/8/2021</a:t>
+              <a:t>6/10/2021</a:t>
             </a:fld>
             <a:endParaRPr lang="en-US"/>
           </a:p>
@@ -3889,7 +3889,7 @@
           <a:p>
             <a:fld id="{0138B082-EFC2-46C1-B47C-51736C670379}" type="datetimeFigureOut">
               <a:rPr lang="en-US" smtClean="0"/>
-              <a:t>6/8/2021</a:t>
+              <a:t>6/10/2021</a:t>
             </a:fld>
             <a:endParaRPr lang="en-US"/>
           </a:p>
@@ -4057,7 +4057,7 @@
           <a:p>
             <a:fld id="{0138B082-EFC2-46C1-B47C-51736C670379}" type="datetimeFigureOut">
               <a:rPr lang="en-US" smtClean="0"/>
-              <a:t>6/8/2021</a:t>
+              <a:t>6/10/2021</a:t>
             </a:fld>
             <a:endParaRPr lang="en-US"/>
           </a:p>
@@ -4235,7 +4235,7 @@
           <a:p>
             <a:fld id="{0138B082-EFC2-46C1-B47C-51736C670379}" type="datetimeFigureOut">
               <a:rPr lang="en-US" smtClean="0"/>
-              <a:t>6/8/2021</a:t>
+              <a:t>6/10/2021</a:t>
             </a:fld>
             <a:endParaRPr lang="en-US"/>
           </a:p>
@@ -4403,7 +4403,7 @@
           <a:p>
             <a:fld id="{0138B082-EFC2-46C1-B47C-51736C670379}" type="datetimeFigureOut">
               <a:rPr lang="en-US" smtClean="0"/>
-              <a:t>6/8/2021</a:t>
+              <a:t>6/10/2021</a:t>
             </a:fld>
             <a:endParaRPr lang="en-US"/>
           </a:p>
@@ -4648,7 +4648,7 @@
           <a:p>
             <a:fld id="{0138B082-EFC2-46C1-B47C-51736C670379}" type="datetimeFigureOut">
               <a:rPr lang="en-US" smtClean="0"/>
-              <a:t>6/8/2021</a:t>
+              <a:t>6/10/2021</a:t>
             </a:fld>
             <a:endParaRPr lang="en-US"/>
           </a:p>
@@ -4877,7 +4877,7 @@
           <a:p>
             <a:fld id="{0138B082-EFC2-46C1-B47C-51736C670379}" type="datetimeFigureOut">
               <a:rPr lang="en-US" smtClean="0"/>
-              <a:t>6/8/2021</a:t>
+              <a:t>6/10/2021</a:t>
             </a:fld>
             <a:endParaRPr lang="en-US"/>
           </a:p>
@@ -5241,7 +5241,7 @@
           <a:p>
             <a:fld id="{0138B082-EFC2-46C1-B47C-51736C670379}" type="datetimeFigureOut">
               <a:rPr lang="en-US" smtClean="0"/>
-              <a:t>6/8/2021</a:t>
+              <a:t>6/10/2021</a:t>
             </a:fld>
             <a:endParaRPr lang="en-US"/>
           </a:p>
@@ -5358,7 +5358,7 @@
           <a:p>
             <a:fld id="{0138B082-EFC2-46C1-B47C-51736C670379}" type="datetimeFigureOut">
               <a:rPr lang="en-US" smtClean="0"/>
-              <a:t>6/8/2021</a:t>
+              <a:t>6/10/2021</a:t>
             </a:fld>
             <a:endParaRPr lang="en-US"/>
           </a:p>
@@ -5453,7 +5453,7 @@
           <a:p>
             <a:fld id="{0138B082-EFC2-46C1-B47C-51736C670379}" type="datetimeFigureOut">
               <a:rPr lang="en-US" smtClean="0"/>
-              <a:t>6/8/2021</a:t>
+              <a:t>6/10/2021</a:t>
             </a:fld>
             <a:endParaRPr lang="en-US"/>
           </a:p>
@@ -5728,7 +5728,7 @@
           <a:p>
             <a:fld id="{0138B082-EFC2-46C1-B47C-51736C670379}" type="datetimeFigureOut">
               <a:rPr lang="en-US" smtClean="0"/>
-              <a:t>6/8/2021</a:t>
+              <a:t>6/10/2021</a:t>
             </a:fld>
             <a:endParaRPr lang="en-US"/>
           </a:p>
@@ -5980,7 +5980,7 @@
           <a:p>
             <a:fld id="{0138B082-EFC2-46C1-B47C-51736C670379}" type="datetimeFigureOut">
               <a:rPr lang="en-US" smtClean="0"/>
-              <a:t>6/8/2021</a:t>
+              <a:t>6/10/2021</a:t>
             </a:fld>
             <a:endParaRPr lang="en-US"/>
           </a:p>
@@ -6191,7 +6191,7 @@
           <a:p>
             <a:fld id="{0138B082-EFC2-46C1-B47C-51736C670379}" type="datetimeFigureOut">
               <a:rPr lang="en-US" smtClean="0"/>
-              <a:t>6/8/2021</a:t>
+              <a:t>6/10/2021</a:t>
             </a:fld>
             <a:endParaRPr lang="en-US"/>
           </a:p>
@@ -9153,53 +9153,6 @@
       </p:pic>
       <p:sp>
         <p:nvSpPr>
-          <p:cNvPr id="12" name="TextBox 11">
-            <a:extLst>
-              <a:ext uri="{FF2B5EF4-FFF2-40B4-BE49-F238E27FC236}">
-                <a16:creationId xmlns:a16="http://schemas.microsoft.com/office/drawing/2014/main" id="{1F343DE5-C90A-486A-8D20-55C935580E3E}"/>
-              </a:ext>
-            </a:extLst>
-          </p:cNvPr>
-          <p:cNvSpPr txBox="1"/>
-          <p:nvPr/>
-        </p:nvSpPr>
-        <p:spPr>
-          <a:xfrm>
-            <a:off x="516150" y="2979319"/>
-            <a:ext cx="7695520" cy="400110"/>
-          </a:xfrm>
-          <a:prstGeom prst="rect">
-            <a:avLst/>
-          </a:prstGeom>
-          <a:noFill/>
-        </p:spPr>
-        <p:txBody>
-          <a:bodyPr wrap="square" rtlCol="0">
-            <a:spAutoFit/>
-          </a:bodyPr>
-          <a:lstStyle/>
-          <a:p>
-            <a:r>
-              <a:rPr lang="en-US" sz="2000" dirty="0">
-                <a:solidFill>
-                  <a:srgbClr val="707070"/>
-                </a:solidFill>
-                <a:latin typeface="Pragmatica" panose="020B0403040502020204" pitchFamily="34" charset="0"/>
-                <a:hlinkClick r:id="rId6"/>
-              </a:rPr>
-              <a:t>https://github.com/stringfestdata/london-excel</a:t>
-            </a:r>
-            <a:endParaRPr lang="en-US" sz="2000" dirty="0">
-              <a:solidFill>
-                <a:srgbClr val="707070"/>
-              </a:solidFill>
-              <a:latin typeface="Pragmatica" panose="020B0403040502020204" pitchFamily="34" charset="0"/>
-            </a:endParaRPr>
-          </a:p>
-        </p:txBody>
-      </p:sp>
-      <p:sp>
-        <p:nvSpPr>
           <p:cNvPr id="13" name="TextBox 12">
             <a:extLst>
               <a:ext uri="{FF2B5EF4-FFF2-40B4-BE49-F238E27FC236}">
@@ -10827,8 +10780,8 @@
         </p:nvSpPr>
         <p:spPr>
           <a:xfrm>
-            <a:off x="347240" y="1465093"/>
-            <a:ext cx="8255987" cy="954107"/>
+            <a:off x="347241" y="1465093"/>
+            <a:ext cx="7891152" cy="1815882"/>
           </a:xfrm>
           <a:prstGeom prst="rect">
             <a:avLst/>
@@ -10855,17 +10808,14 @@
                 </a:solidFill>
                 <a:latin typeface="Pragmatica" panose="020B0403040502020204" pitchFamily="34" charset="0"/>
               </a:rPr>
-              <a:t>Advancing into Analytics </a:t>
-            </a:r>
-            <a:r>
-              <a:rPr lang="en-US" sz="2800" dirty="0">
-                <a:solidFill>
-                  <a:srgbClr val="707070"/>
-                </a:solidFill>
-                <a:latin typeface="Pragmatica" panose="020B0403040502020204" pitchFamily="34" charset="0"/>
-              </a:rPr>
-              <a:t>by George Mount</a:t>
-            </a:r>
+              <a:t>Advancing into Analytics</a:t>
+            </a:r>
+            <a:endParaRPr lang="en-US" sz="2800" dirty="0">
+              <a:solidFill>
+                <a:srgbClr val="707070"/>
+              </a:solidFill>
+              <a:latin typeface="Pragmatica" panose="020B0403040502020204" pitchFamily="34" charset="0"/>
+            </a:endParaRPr>
           </a:p>
           <a:p>
             <a:pPr marL="914400" lvl="1" indent="-457200">
@@ -10892,7 +10842,25 @@
                 </a:solidFill>
                 <a:latin typeface="Pragmatica" panose="020B0403040502020204" pitchFamily="34" charset="0"/>
               </a:rPr>
-              <a:t>    </a:t>
+              <a:t>  </a:t>
+            </a:r>
+          </a:p>
+          <a:p>
+            <a:pPr marL="914400" lvl="1" indent="-457200">
+              <a:buClr>
+                <a:srgbClr val="CF3338"/>
+              </a:buClr>
+              <a:buFont typeface="Arial" panose="020B0604020202020204" pitchFamily="34" charset="0"/>
+              <a:buChar char="•"/>
+            </a:pPr>
+            <a:r>
+              <a:rPr lang="en-US" sz="2800" dirty="0">
+                <a:solidFill>
+                  <a:srgbClr val="707070"/>
+                </a:solidFill>
+                <a:latin typeface="Pragmatica" panose="020B0403040502020204" pitchFamily="34" charset="0"/>
+              </a:rPr>
+              <a:t>Read for FREE with a 30-day free trial to O’Reilly</a:t>
             </a:r>
           </a:p>
         </p:txBody>
@@ -10958,7 +10926,7 @@
         </p:nvSpPr>
         <p:spPr>
           <a:xfrm>
-            <a:off x="400424" y="3162573"/>
+            <a:off x="255351" y="3887938"/>
             <a:ext cx="7697694" cy="2062103"/>
           </a:xfrm>
           <a:prstGeom prst="rect">
@@ -11442,7 +11410,7 @@
 </file>
 
 <file path=ppt/slides/slide28.xml><?xml version="1.0" encoding="utf-8"?>
-<p:sld xmlns:a="http://schemas.openxmlformats.org/drawingml/2006/main" xmlns:r="http://schemas.openxmlformats.org/officeDocument/2006/relationships" xmlns:p="http://schemas.openxmlformats.org/presentationml/2006/main">
+<p:sld xmlns:a="http://schemas.openxmlformats.org/drawingml/2006/main" xmlns:r="http://schemas.openxmlformats.org/officeDocument/2006/relationships" xmlns:p="http://schemas.openxmlformats.org/presentationml/2006/main" show="0">
   <p:cSld>
     <p:spTree>
       <p:nvGrpSpPr>
@@ -11549,7 +11517,7 @@
 </file>
 
 <file path=ppt/slides/slide29.xml><?xml version="1.0" encoding="utf-8"?>
-<p:sld xmlns:a="http://schemas.openxmlformats.org/drawingml/2006/main" xmlns:r="http://schemas.openxmlformats.org/officeDocument/2006/relationships" xmlns:p="http://schemas.openxmlformats.org/presentationml/2006/main">
+<p:sld xmlns:a="http://schemas.openxmlformats.org/drawingml/2006/main" xmlns:r="http://schemas.openxmlformats.org/officeDocument/2006/relationships" xmlns:p="http://schemas.openxmlformats.org/presentationml/2006/main" show="0">
   <p:cSld>
     <p:spTree>
       <p:nvGrpSpPr>

--- a/advancing-into-analytics-lagos.pptx
+++ b/advancing-into-analytics-lagos.pptx
@@ -5,38 +5,40 @@
     <p:sldMasterId id="2147483648" r:id="rId1"/>
   </p:sldMasterIdLst>
   <p:notesMasterIdLst>
-    <p:notesMasterId r:id="rId31"/>
+    <p:notesMasterId r:id="rId33"/>
   </p:notesMasterIdLst>
   <p:sldIdLst>
     <p:sldId id="391" r:id="rId2"/>
     <p:sldId id="392" r:id="rId3"/>
     <p:sldId id="258" r:id="rId4"/>
     <p:sldId id="266" r:id="rId5"/>
-    <p:sldId id="267" r:id="rId6"/>
-    <p:sldId id="332" r:id="rId7"/>
-    <p:sldId id="393" r:id="rId8"/>
-    <p:sldId id="394" r:id="rId9"/>
-    <p:sldId id="390" r:id="rId10"/>
-    <p:sldId id="273" r:id="rId11"/>
-    <p:sldId id="395" r:id="rId12"/>
-    <p:sldId id="331" r:id="rId13"/>
-    <p:sldId id="396" r:id="rId14"/>
-    <p:sldId id="397" r:id="rId15"/>
-    <p:sldId id="398" r:id="rId16"/>
-    <p:sldId id="399" r:id="rId17"/>
-    <p:sldId id="317" r:id="rId18"/>
-    <p:sldId id="400" r:id="rId19"/>
-    <p:sldId id="401" r:id="rId20"/>
-    <p:sldId id="402" r:id="rId21"/>
-    <p:sldId id="403" r:id="rId22"/>
-    <p:sldId id="337" r:id="rId23"/>
-    <p:sldId id="261" r:id="rId24"/>
-    <p:sldId id="404" r:id="rId25"/>
-    <p:sldId id="335" r:id="rId26"/>
-    <p:sldId id="315" r:id="rId27"/>
-    <p:sldId id="316" r:id="rId28"/>
-    <p:sldId id="318" r:id="rId29"/>
-    <p:sldId id="319" r:id="rId30"/>
+    <p:sldId id="413" r:id="rId6"/>
+    <p:sldId id="428" r:id="rId7"/>
+    <p:sldId id="267" r:id="rId8"/>
+    <p:sldId id="332" r:id="rId9"/>
+    <p:sldId id="393" r:id="rId10"/>
+    <p:sldId id="394" r:id="rId11"/>
+    <p:sldId id="390" r:id="rId12"/>
+    <p:sldId id="273" r:id="rId13"/>
+    <p:sldId id="395" r:id="rId14"/>
+    <p:sldId id="331" r:id="rId15"/>
+    <p:sldId id="396" r:id="rId16"/>
+    <p:sldId id="397" r:id="rId17"/>
+    <p:sldId id="398" r:id="rId18"/>
+    <p:sldId id="399" r:id="rId19"/>
+    <p:sldId id="317" r:id="rId20"/>
+    <p:sldId id="400" r:id="rId21"/>
+    <p:sldId id="401" r:id="rId22"/>
+    <p:sldId id="402" r:id="rId23"/>
+    <p:sldId id="403" r:id="rId24"/>
+    <p:sldId id="337" r:id="rId25"/>
+    <p:sldId id="261" r:id="rId26"/>
+    <p:sldId id="404" r:id="rId27"/>
+    <p:sldId id="335" r:id="rId28"/>
+    <p:sldId id="315" r:id="rId29"/>
+    <p:sldId id="316" r:id="rId30"/>
+    <p:sldId id="318" r:id="rId31"/>
+    <p:sldId id="319" r:id="rId32"/>
   </p:sldIdLst>
   <p:sldSz cx="12192000" cy="6858000"/>
   <p:notesSz cx="6858000" cy="9144000"/>
@@ -1855,7 +1857,7 @@
           <a:p>
             <a:fld id="{503F064B-41F2-4661-BDF0-BFD135E9A557}" type="datetimeFigureOut">
               <a:rPr lang="en-US" smtClean="0"/>
-              <a:t>6/10/2021</a:t>
+              <a:t>7/5/2021</a:t>
             </a:fld>
             <a:endParaRPr lang="en-US"/>
           </a:p>
@@ -2285,7 +2287,7 @@
           <a:p>
             <a:fld id="{3BB66621-ADCC-4EF8-8003-B9D3E881DCD2}" type="slidenum">
               <a:rPr lang="en-US" smtClean="0"/>
-              <a:t>15</a:t>
+              <a:t>17</a:t>
             </a:fld>
             <a:endParaRPr lang="en-US"/>
           </a:p>
@@ -2387,7 +2389,7 @@
           <a:p>
             <a:fld id="{3BB66621-ADCC-4EF8-8003-B9D3E881DCD2}" type="slidenum">
               <a:rPr lang="en-US" smtClean="0"/>
-              <a:t>16</a:t>
+              <a:t>18</a:t>
             </a:fld>
             <a:endParaRPr lang="en-US"/>
           </a:p>
@@ -2482,7 +2484,7 @@
           <a:p>
             <a:fld id="{3BB66621-ADCC-4EF8-8003-B9D3E881DCD2}" type="slidenum">
               <a:rPr lang="en-US" smtClean="0"/>
-              <a:t>18</a:t>
+              <a:t>20</a:t>
             </a:fld>
             <a:endParaRPr lang="en-US"/>
           </a:p>
@@ -2578,7 +2580,7 @@
           <a:p>
             <a:fld id="{3BB66621-ADCC-4EF8-8003-B9D3E881DCD2}" type="slidenum">
               <a:rPr lang="en-US" smtClean="0"/>
-              <a:t>19</a:t>
+              <a:t>21</a:t>
             </a:fld>
             <a:endParaRPr lang="en-US"/>
           </a:p>
@@ -2665,7 +2667,7 @@
           <a:p>
             <a:fld id="{3BB66621-ADCC-4EF8-8003-B9D3E881DCD2}" type="slidenum">
               <a:rPr lang="en-US" smtClean="0"/>
-              <a:t>20</a:t>
+              <a:t>22</a:t>
             </a:fld>
             <a:endParaRPr lang="en-US"/>
           </a:p>
@@ -2761,7 +2763,7 @@
           <a:p>
             <a:fld id="{3BB66621-ADCC-4EF8-8003-B9D3E881DCD2}" type="slidenum">
               <a:rPr lang="en-US" smtClean="0"/>
-              <a:t>21</a:t>
+              <a:t>23</a:t>
             </a:fld>
             <a:endParaRPr lang="en-US"/>
           </a:p>
@@ -2848,7 +2850,7 @@
           <a:p>
             <a:fld id="{3BB66621-ADCC-4EF8-8003-B9D3E881DCD2}" type="slidenum">
               <a:rPr lang="en-US" smtClean="0"/>
-              <a:t>22</a:t>
+              <a:t>24</a:t>
             </a:fld>
             <a:endParaRPr lang="en-US"/>
           </a:p>
@@ -2964,7 +2966,7 @@
           <a:p>
             <a:fld id="{3BB66621-ADCC-4EF8-8003-B9D3E881DCD2}" type="slidenum">
               <a:rPr lang="en-US" smtClean="0"/>
-              <a:t>25</a:t>
+              <a:t>27</a:t>
             </a:fld>
             <a:endParaRPr lang="en-US"/>
           </a:p>
@@ -3153,7 +3155,7 @@
           <a:p>
             <a:fld id="{3BB66621-ADCC-4EF8-8003-B9D3E881DCD2}" type="slidenum">
               <a:rPr lang="en-US" smtClean="0"/>
-              <a:t>6</a:t>
+              <a:t>8</a:t>
             </a:fld>
             <a:endParaRPr lang="en-US"/>
           </a:p>
@@ -3240,7 +3242,7 @@
           <a:p>
             <a:fld id="{3BB66621-ADCC-4EF8-8003-B9D3E881DCD2}" type="slidenum">
               <a:rPr lang="en-US" smtClean="0"/>
-              <a:t>7</a:t>
+              <a:t>9</a:t>
             </a:fld>
             <a:endParaRPr lang="en-US"/>
           </a:p>
@@ -3336,7 +3338,7 @@
           <a:p>
             <a:fld id="{3BB66621-ADCC-4EF8-8003-B9D3E881DCD2}" type="slidenum">
               <a:rPr lang="en-US" smtClean="0"/>
-              <a:t>8</a:t>
+              <a:t>10</a:t>
             </a:fld>
             <a:endParaRPr lang="en-US"/>
           </a:p>
@@ -3432,7 +3434,7 @@
           <a:p>
             <a:fld id="{3BB66621-ADCC-4EF8-8003-B9D3E881DCD2}" type="slidenum">
               <a:rPr lang="en-US" smtClean="0"/>
-              <a:t>11</a:t>
+              <a:t>13</a:t>
             </a:fld>
             <a:endParaRPr lang="en-US"/>
           </a:p>
@@ -3534,7 +3536,7 @@
           <a:p>
             <a:fld id="{3BB66621-ADCC-4EF8-8003-B9D3E881DCD2}" type="slidenum">
               <a:rPr lang="en-US" smtClean="0"/>
-              <a:t>12</a:t>
+              <a:t>14</a:t>
             </a:fld>
             <a:endParaRPr lang="en-US"/>
           </a:p>
@@ -3654,7 +3656,7 @@
           <a:p>
             <a:fld id="{3BB66621-ADCC-4EF8-8003-B9D3E881DCD2}" type="slidenum">
               <a:rPr lang="en-US" smtClean="0"/>
-              <a:t>13</a:t>
+              <a:t>15</a:t>
             </a:fld>
             <a:endParaRPr lang="en-US"/>
           </a:p>
@@ -3741,7 +3743,7 @@
           <a:p>
             <a:fld id="{3BB66621-ADCC-4EF8-8003-B9D3E881DCD2}" type="slidenum">
               <a:rPr lang="en-US" smtClean="0"/>
-              <a:t>14</a:t>
+              <a:t>16</a:t>
             </a:fld>
             <a:endParaRPr lang="en-US"/>
           </a:p>
@@ -3889,7 +3891,7 @@
           <a:p>
             <a:fld id="{0138B082-EFC2-46C1-B47C-51736C670379}" type="datetimeFigureOut">
               <a:rPr lang="en-US" smtClean="0"/>
-              <a:t>6/10/2021</a:t>
+              <a:t>7/5/2021</a:t>
             </a:fld>
             <a:endParaRPr lang="en-US"/>
           </a:p>
@@ -4057,7 +4059,7 @@
           <a:p>
             <a:fld id="{0138B082-EFC2-46C1-B47C-51736C670379}" type="datetimeFigureOut">
               <a:rPr lang="en-US" smtClean="0"/>
-              <a:t>6/10/2021</a:t>
+              <a:t>7/5/2021</a:t>
             </a:fld>
             <a:endParaRPr lang="en-US"/>
           </a:p>
@@ -4235,7 +4237,7 @@
           <a:p>
             <a:fld id="{0138B082-EFC2-46C1-B47C-51736C670379}" type="datetimeFigureOut">
               <a:rPr lang="en-US" smtClean="0"/>
-              <a:t>6/10/2021</a:t>
+              <a:t>7/5/2021</a:t>
             </a:fld>
             <a:endParaRPr lang="en-US"/>
           </a:p>
@@ -4403,7 +4405,7 @@
           <a:p>
             <a:fld id="{0138B082-EFC2-46C1-B47C-51736C670379}" type="datetimeFigureOut">
               <a:rPr lang="en-US" smtClean="0"/>
-              <a:t>6/10/2021</a:t>
+              <a:t>7/5/2021</a:t>
             </a:fld>
             <a:endParaRPr lang="en-US"/>
           </a:p>
@@ -4648,7 +4650,7 @@
           <a:p>
             <a:fld id="{0138B082-EFC2-46C1-B47C-51736C670379}" type="datetimeFigureOut">
               <a:rPr lang="en-US" smtClean="0"/>
-              <a:t>6/10/2021</a:t>
+              <a:t>7/5/2021</a:t>
             </a:fld>
             <a:endParaRPr lang="en-US"/>
           </a:p>
@@ -4877,7 +4879,7 @@
           <a:p>
             <a:fld id="{0138B082-EFC2-46C1-B47C-51736C670379}" type="datetimeFigureOut">
               <a:rPr lang="en-US" smtClean="0"/>
-              <a:t>6/10/2021</a:t>
+              <a:t>7/5/2021</a:t>
             </a:fld>
             <a:endParaRPr lang="en-US"/>
           </a:p>
@@ -5241,7 +5243,7 @@
           <a:p>
             <a:fld id="{0138B082-EFC2-46C1-B47C-51736C670379}" type="datetimeFigureOut">
               <a:rPr lang="en-US" smtClean="0"/>
-              <a:t>6/10/2021</a:t>
+              <a:t>7/5/2021</a:t>
             </a:fld>
             <a:endParaRPr lang="en-US"/>
           </a:p>
@@ -5358,7 +5360,7 @@
           <a:p>
             <a:fld id="{0138B082-EFC2-46C1-B47C-51736C670379}" type="datetimeFigureOut">
               <a:rPr lang="en-US" smtClean="0"/>
-              <a:t>6/10/2021</a:t>
+              <a:t>7/5/2021</a:t>
             </a:fld>
             <a:endParaRPr lang="en-US"/>
           </a:p>
@@ -5453,7 +5455,7 @@
           <a:p>
             <a:fld id="{0138B082-EFC2-46C1-B47C-51736C670379}" type="datetimeFigureOut">
               <a:rPr lang="en-US" smtClean="0"/>
-              <a:t>6/10/2021</a:t>
+              <a:t>7/5/2021</a:t>
             </a:fld>
             <a:endParaRPr lang="en-US"/>
           </a:p>
@@ -5728,7 +5730,7 @@
           <a:p>
             <a:fld id="{0138B082-EFC2-46C1-B47C-51736C670379}" type="datetimeFigureOut">
               <a:rPr lang="en-US" smtClean="0"/>
-              <a:t>6/10/2021</a:t>
+              <a:t>7/5/2021</a:t>
             </a:fld>
             <a:endParaRPr lang="en-US"/>
           </a:p>
@@ -5980,7 +5982,7 @@
           <a:p>
             <a:fld id="{0138B082-EFC2-46C1-B47C-51736C670379}" type="datetimeFigureOut">
               <a:rPr lang="en-US" smtClean="0"/>
-              <a:t>6/10/2021</a:t>
+              <a:t>7/5/2021</a:t>
             </a:fld>
             <a:endParaRPr lang="en-US"/>
           </a:p>
@@ -6191,7 +6193,7 @@
           <a:p>
             <a:fld id="{0138B082-EFC2-46C1-B47C-51736C670379}" type="datetimeFigureOut">
               <a:rPr lang="en-US" smtClean="0"/>
-              <a:t>6/10/2021</a:t>
+              <a:t>7/5/2021</a:t>
             </a:fld>
             <a:endParaRPr lang="en-US"/>
           </a:p>
@@ -6755,6 +6757,206 @@
           <a:chExt cx="0" cy="0"/>
         </a:xfrm>
       </p:grpSpPr>
+      <p:pic>
+        <p:nvPicPr>
+          <p:cNvPr id="10" name="Picture 9"/>
+          <p:cNvPicPr>
+            <a:picLocks noChangeAspect="1"/>
+          </p:cNvPicPr>
+          <p:nvPr/>
+        </p:nvPicPr>
+        <p:blipFill rotWithShape="1">
+          <a:blip r:embed="rId3">
+            <a:extLst>
+              <a:ext uri="{28A0092B-C50C-407E-A947-70E740481C1C}">
+                <a14:useLocalDpi xmlns:a14="http://schemas.microsoft.com/office/drawing/2010/main" val="0"/>
+              </a:ext>
+            </a:extLst>
+          </a:blip>
+          <a:srcRect l="50728" t="56371"/>
+          <a:stretch/>
+        </p:blipFill>
+        <p:spPr>
+          <a:xfrm>
+            <a:off x="10894024" y="5370653"/>
+            <a:ext cx="1297975" cy="1487348"/>
+          </a:xfrm>
+          <a:prstGeom prst="rect">
+            <a:avLst/>
+          </a:prstGeom>
+        </p:spPr>
+      </p:pic>
+      <p:sp>
+        <p:nvSpPr>
+          <p:cNvPr id="11" name="TextBox 10"/>
+          <p:cNvSpPr txBox="1"/>
+          <p:nvPr/>
+        </p:nvSpPr>
+        <p:spPr>
+          <a:xfrm>
+            <a:off x="347240" y="113388"/>
+            <a:ext cx="9799937" cy="1015663"/>
+          </a:xfrm>
+          <a:prstGeom prst="rect">
+            <a:avLst/>
+          </a:prstGeom>
+          <a:noFill/>
+        </p:spPr>
+        <p:txBody>
+          <a:bodyPr wrap="square" rtlCol="0">
+            <a:spAutoFit/>
+          </a:bodyPr>
+          <a:lstStyle/>
+          <a:p>
+            <a:r>
+              <a:rPr lang="en-US" sz="6000" dirty="0">
+                <a:latin typeface="Aliens &amp; cows" panose="00000500000000000000" pitchFamily="2" charset="0"/>
+              </a:rPr>
+              <a:t>The dialects of data</a:t>
+            </a:r>
+          </a:p>
+        </p:txBody>
+      </p:sp>
+      <p:sp>
+        <p:nvSpPr>
+          <p:cNvPr id="3" name="TextBox 2"/>
+          <p:cNvSpPr txBox="1"/>
+          <p:nvPr/>
+        </p:nvSpPr>
+        <p:spPr>
+          <a:xfrm>
+            <a:off x="449501" y="1377924"/>
+            <a:ext cx="9595413" cy="2677656"/>
+          </a:xfrm>
+          <a:prstGeom prst="rect">
+            <a:avLst/>
+          </a:prstGeom>
+          <a:noFill/>
+        </p:spPr>
+        <p:txBody>
+          <a:bodyPr wrap="square" rtlCol="0">
+            <a:spAutoFit/>
+          </a:bodyPr>
+          <a:lstStyle/>
+          <a:p>
+            <a:pPr marL="457200" indent="-457200">
+              <a:buFont typeface="Arial" panose="020B0604020202020204" pitchFamily="34" charset="0"/>
+              <a:buChar char="•"/>
+            </a:pPr>
+            <a:r>
+              <a:rPr lang="en-US" sz="2800" dirty="0">
+                <a:solidFill>
+                  <a:srgbClr val="707070"/>
+                </a:solidFill>
+                <a:latin typeface="Pragmatica" panose="020B0403040502020204" pitchFamily="34" charset="0"/>
+              </a:rPr>
+              <a:t>Column-wise operations (Adding, dropping, calculating fields)</a:t>
+            </a:r>
+          </a:p>
+          <a:p>
+            <a:pPr marL="457200" indent="-457200">
+              <a:buFont typeface="Arial" panose="020B0604020202020204" pitchFamily="34" charset="0"/>
+              <a:buChar char="•"/>
+            </a:pPr>
+            <a:r>
+              <a:rPr lang="en-US" sz="2800" dirty="0">
+                <a:solidFill>
+                  <a:srgbClr val="707070"/>
+                </a:solidFill>
+                <a:latin typeface="Pragmatica" panose="020B0403040502020204" pitchFamily="34" charset="0"/>
+              </a:rPr>
+              <a:t>Row-wise operations (Sorting, filtering)</a:t>
+            </a:r>
+          </a:p>
+          <a:p>
+            <a:pPr marL="457200" indent="-457200">
+              <a:buFont typeface="Arial" panose="020B0604020202020204" pitchFamily="34" charset="0"/>
+              <a:buChar char="•"/>
+            </a:pPr>
+            <a:r>
+              <a:rPr lang="en-US" sz="2800" dirty="0">
+                <a:solidFill>
+                  <a:srgbClr val="707070"/>
+                </a:solidFill>
+                <a:latin typeface="Pragmatica" panose="020B0403040502020204" pitchFamily="34" charset="0"/>
+              </a:rPr>
+              <a:t>Aggregations (Grouping by, summarizing by)</a:t>
+            </a:r>
+          </a:p>
+          <a:p>
+            <a:pPr marL="457200" indent="-457200">
+              <a:buFont typeface="Arial" panose="020B0604020202020204" pitchFamily="34" charset="0"/>
+              <a:buChar char="•"/>
+            </a:pPr>
+            <a:r>
+              <a:rPr lang="en-US" sz="2800" dirty="0">
+                <a:solidFill>
+                  <a:srgbClr val="707070"/>
+                </a:solidFill>
+                <a:latin typeface="Pragmatica" panose="020B0403040502020204" pitchFamily="34" charset="0"/>
+              </a:rPr>
+              <a:t>Joining and merging</a:t>
+            </a:r>
+          </a:p>
+          <a:p>
+            <a:pPr marL="457200" indent="-457200">
+              <a:buFont typeface="Arial" panose="020B0604020202020204" pitchFamily="34" charset="0"/>
+              <a:buChar char="•"/>
+            </a:pPr>
+            <a:r>
+              <a:rPr lang="en-US" sz="2800" dirty="0">
+                <a:solidFill>
+                  <a:srgbClr val="707070"/>
+                </a:solidFill>
+                <a:latin typeface="Pragmatica" panose="020B0403040502020204" pitchFamily="34" charset="0"/>
+              </a:rPr>
+              <a:t>Re-shaping (pivoting and unpivoting)  </a:t>
+            </a:r>
+          </a:p>
+          <a:p>
+            <a:pPr marL="457200" indent="-457200">
+              <a:buFont typeface="Arial" panose="020B0604020202020204" pitchFamily="34" charset="0"/>
+              <a:buChar char="•"/>
+            </a:pPr>
+            <a:endParaRPr lang="en-US" sz="2800" dirty="0">
+              <a:solidFill>
+                <a:srgbClr val="707070"/>
+              </a:solidFill>
+              <a:latin typeface="Pragmatica" panose="020B0403040502020204" pitchFamily="34" charset="0"/>
+            </a:endParaRPr>
+          </a:p>
+        </p:txBody>
+      </p:sp>
+    </p:spTree>
+    <p:extLst>
+      <p:ext uri="{BB962C8B-B14F-4D97-AF65-F5344CB8AC3E}">
+        <p14:creationId xmlns:p14="http://schemas.microsoft.com/office/powerpoint/2010/main" val="3641797094"/>
+      </p:ext>
+    </p:extLst>
+  </p:cSld>
+  <p:clrMapOvr>
+    <a:masterClrMapping/>
+  </p:clrMapOvr>
+</p:sld>
+</file>
+
+<file path=ppt/slides/slide11.xml><?xml version="1.0" encoding="utf-8"?>
+<p:sld xmlns:a="http://schemas.openxmlformats.org/drawingml/2006/main" xmlns:r="http://schemas.openxmlformats.org/officeDocument/2006/relationships" xmlns:p="http://schemas.openxmlformats.org/presentationml/2006/main">
+  <p:cSld>
+    <p:spTree>
+      <p:nvGrpSpPr>
+        <p:cNvPr id="1" name=""/>
+        <p:cNvGrpSpPr/>
+        <p:nvPr/>
+      </p:nvGrpSpPr>
+      <p:grpSpPr>
+        <a:xfrm>
+          <a:off x="0" y="0"/>
+          <a:ext cx="0" cy="0"/>
+          <a:chOff x="0" y="0"/>
+          <a:chExt cx="0" cy="0"/>
+        </a:xfrm>
+      </p:grpSpPr>
       <p:sp>
         <p:nvSpPr>
           <p:cNvPr id="4" name="Rectangle 3"/>
@@ -6763,8 +6965,8 @@
         </p:nvSpPr>
         <p:spPr>
           <a:xfrm>
-            <a:off x="0" y="0"/>
-            <a:ext cx="12192000" cy="6858000"/>
+            <a:off x="6574420" y="0"/>
+            <a:ext cx="5617580" cy="6858000"/>
           </a:xfrm>
           <a:prstGeom prst="rect">
             <a:avLst/>
@@ -6806,6 +7008,313 @@
         </p:nvSpPr>
         <p:spPr>
           <a:xfrm>
+            <a:off x="6817489" y="0"/>
+            <a:ext cx="4120587" cy="1446550"/>
+          </a:xfrm>
+          <a:prstGeom prst="rect">
+            <a:avLst/>
+          </a:prstGeom>
+          <a:noFill/>
+        </p:spPr>
+        <p:txBody>
+          <a:bodyPr wrap="square" rtlCol="0">
+            <a:spAutoFit/>
+          </a:bodyPr>
+          <a:lstStyle/>
+          <a:p>
+            <a:r>
+              <a:rPr lang="en-US" sz="8800" dirty="0">
+                <a:solidFill>
+                  <a:schemeClr val="bg1"/>
+                </a:solidFill>
+                <a:latin typeface="Aliens &amp; cows" panose="00000500000000000000" pitchFamily="2" charset="0"/>
+              </a:rPr>
+              <a:t>Demo</a:t>
+            </a:r>
+          </a:p>
+        </p:txBody>
+      </p:sp>
+      <p:pic>
+        <p:nvPicPr>
+          <p:cNvPr id="2" name="Picture 1"/>
+          <p:cNvPicPr>
+            <a:picLocks noChangeAspect="1"/>
+          </p:cNvPicPr>
+          <p:nvPr/>
+        </p:nvPicPr>
+        <p:blipFill rotWithShape="1">
+          <a:blip r:embed="rId2">
+            <a:extLst>
+              <a:ext uri="{28A0092B-C50C-407E-A947-70E740481C1C}">
+                <a14:useLocalDpi xmlns:a14="http://schemas.microsoft.com/office/drawing/2010/main" val="0"/>
+              </a:ext>
+            </a:extLst>
+          </a:blip>
+          <a:srcRect l="69227" t="33418" r="20112" b="50548"/>
+          <a:stretch/>
+        </p:blipFill>
+        <p:spPr>
+          <a:xfrm>
+            <a:off x="10386349" y="5029795"/>
+            <a:ext cx="1805651" cy="1991719"/>
+          </a:xfrm>
+          <a:prstGeom prst="rect">
+            <a:avLst/>
+          </a:prstGeom>
+        </p:spPr>
+      </p:pic>
+      <p:sp>
+        <p:nvSpPr>
+          <p:cNvPr id="3" name="TextBox 2"/>
+          <p:cNvSpPr txBox="1"/>
+          <p:nvPr/>
+        </p:nvSpPr>
+        <p:spPr>
+          <a:xfrm>
+            <a:off x="173620" y="219919"/>
+            <a:ext cx="5937813" cy="3970318"/>
+          </a:xfrm>
+          <a:prstGeom prst="rect">
+            <a:avLst/>
+          </a:prstGeom>
+          <a:noFill/>
+        </p:spPr>
+        <p:txBody>
+          <a:bodyPr wrap="square" rtlCol="0">
+            <a:spAutoFit/>
+          </a:bodyPr>
+          <a:lstStyle/>
+          <a:p>
+            <a:r>
+              <a:rPr lang="en-US" sz="2800" b="1" dirty="0">
+                <a:solidFill>
+                  <a:srgbClr val="CF3338"/>
+                </a:solidFill>
+                <a:latin typeface="Pragmatica" pitchFamily="2" charset="0"/>
+              </a:rPr>
+              <a:t>File: </a:t>
+            </a:r>
+            <a:r>
+              <a:rPr lang="en-US" sz="2800" b="1" dirty="0">
+                <a:solidFill>
+                  <a:srgbClr val="CF3338"/>
+                </a:solidFill>
+                <a:latin typeface="Consolas" panose="020B0609020204030204" pitchFamily="49" charset="0"/>
+              </a:rPr>
+              <a:t>monty-hall.xlsx</a:t>
+            </a:r>
+          </a:p>
+          <a:p>
+            <a:endParaRPr lang="en-US" sz="2800" b="1" dirty="0">
+              <a:solidFill>
+                <a:srgbClr val="CF3338"/>
+              </a:solidFill>
+              <a:latin typeface="Pragmatica" pitchFamily="2" charset="0"/>
+            </a:endParaRPr>
+          </a:p>
+          <a:p>
+            <a:pPr marL="514350" indent="-514350">
+              <a:buFont typeface="Arial" panose="020B0604020202020204" pitchFamily="34" charset="0"/>
+              <a:buChar char="•"/>
+            </a:pPr>
+            <a:r>
+              <a:rPr lang="en-US" sz="2800" b="1" dirty="0">
+                <a:solidFill>
+                  <a:srgbClr val="CF3338"/>
+                </a:solidFill>
+                <a:latin typeface="Pragmatica" pitchFamily="2" charset="0"/>
+              </a:rPr>
+              <a:t>Three doors: one car, two goats</a:t>
+            </a:r>
+          </a:p>
+          <a:p>
+            <a:pPr marL="514350" indent="-514350">
+              <a:buFont typeface="Arial" panose="020B0604020202020204" pitchFamily="34" charset="0"/>
+              <a:buChar char="•"/>
+            </a:pPr>
+            <a:r>
+              <a:rPr lang="en-US" sz="2800" b="1" dirty="0">
+                <a:solidFill>
+                  <a:srgbClr val="CF3338"/>
+                </a:solidFill>
+                <a:latin typeface="Pragmatica" pitchFamily="2" charset="0"/>
+              </a:rPr>
+              <a:t>You pick a door</a:t>
+            </a:r>
+          </a:p>
+          <a:p>
+            <a:pPr marL="514350" indent="-514350">
+              <a:buFont typeface="Arial" panose="020B0604020202020204" pitchFamily="34" charset="0"/>
+              <a:buChar char="•"/>
+            </a:pPr>
+            <a:r>
+              <a:rPr lang="en-US" sz="2800" b="1" dirty="0">
+                <a:solidFill>
+                  <a:srgbClr val="CF3338"/>
+                </a:solidFill>
+                <a:latin typeface="Pragmatica" pitchFamily="2" charset="0"/>
+              </a:rPr>
+              <a:t>Monty opens another door: it has a goat</a:t>
+            </a:r>
+          </a:p>
+          <a:p>
+            <a:pPr marL="514350" indent="-514350">
+              <a:buFont typeface="Arial" panose="020B0604020202020204" pitchFamily="34" charset="0"/>
+              <a:buChar char="•"/>
+            </a:pPr>
+            <a:r>
+              <a:rPr lang="en-US" sz="2800" b="1" dirty="0">
+                <a:solidFill>
+                  <a:srgbClr val="CF3338"/>
+                </a:solidFill>
+                <a:latin typeface="Pragmatica" pitchFamily="2" charset="0"/>
+              </a:rPr>
+              <a:t>Do you stick to your door, or switch doors? Does it matter? </a:t>
+            </a:r>
+          </a:p>
+          <a:p>
+            <a:pPr marL="514350" indent="-514350">
+              <a:buFont typeface="+mj-lt"/>
+              <a:buAutoNum type="arabicPeriod"/>
+            </a:pPr>
+            <a:endParaRPr lang="en-US" sz="2800" b="1" dirty="0">
+              <a:solidFill>
+                <a:srgbClr val="CF3338"/>
+              </a:solidFill>
+              <a:latin typeface="Pragmatica" pitchFamily="2" charset="0"/>
+            </a:endParaRPr>
+          </a:p>
+        </p:txBody>
+      </p:sp>
+      <p:sp>
+        <p:nvSpPr>
+          <p:cNvPr id="7" name="Rectangle 6">
+            <a:extLst>
+              <a:ext uri="{FF2B5EF4-FFF2-40B4-BE49-F238E27FC236}">
+                <a16:creationId xmlns:a16="http://schemas.microsoft.com/office/drawing/2014/main" id="{77BBEC85-7633-435D-A5B3-FFD4CC6C299B}"/>
+              </a:ext>
+            </a:extLst>
+          </p:cNvPr>
+          <p:cNvSpPr/>
+          <p:nvPr/>
+        </p:nvSpPr>
+        <p:spPr>
+          <a:xfrm>
+            <a:off x="6941527" y="4919008"/>
+            <a:ext cx="4120586" cy="1938992"/>
+          </a:xfrm>
+          <a:prstGeom prst="rect">
+            <a:avLst/>
+          </a:prstGeom>
+        </p:spPr>
+        <p:txBody>
+          <a:bodyPr wrap="square">
+            <a:spAutoFit/>
+          </a:bodyPr>
+          <a:lstStyle/>
+          <a:p>
+            <a:r>
+              <a:rPr lang="en-US" sz="6000" dirty="0">
+                <a:solidFill>
+                  <a:schemeClr val="bg1"/>
+                </a:solidFill>
+              </a:rPr>
+              <a:t>🚪🚪🚪</a:t>
+            </a:r>
+          </a:p>
+          <a:p>
+            <a:r>
+              <a:rPr lang="en-US" sz="6000" dirty="0">
+                <a:solidFill>
+                  <a:schemeClr val="bg1"/>
+                </a:solidFill>
+              </a:rPr>
+              <a:t>🐐🚗🐐 </a:t>
+            </a:r>
+          </a:p>
+        </p:txBody>
+      </p:sp>
+    </p:spTree>
+    <p:extLst>
+      <p:ext uri="{BB962C8B-B14F-4D97-AF65-F5344CB8AC3E}">
+        <p14:creationId xmlns:p14="http://schemas.microsoft.com/office/powerpoint/2010/main" val="1541719548"/>
+      </p:ext>
+    </p:extLst>
+  </p:cSld>
+  <p:clrMapOvr>
+    <a:masterClrMapping/>
+  </p:clrMapOvr>
+</p:sld>
+</file>
+
+<file path=ppt/slides/slide12.xml><?xml version="1.0" encoding="utf-8"?>
+<p:sld xmlns:a="http://schemas.openxmlformats.org/drawingml/2006/main" xmlns:r="http://schemas.openxmlformats.org/officeDocument/2006/relationships" xmlns:p="http://schemas.openxmlformats.org/presentationml/2006/main">
+  <p:cSld>
+    <p:spTree>
+      <p:nvGrpSpPr>
+        <p:cNvPr id="1" name=""/>
+        <p:cNvGrpSpPr/>
+        <p:nvPr/>
+      </p:nvGrpSpPr>
+      <p:grpSpPr>
+        <a:xfrm>
+          <a:off x="0" y="0"/>
+          <a:ext cx="0" cy="0"/>
+          <a:chOff x="0" y="0"/>
+          <a:chExt cx="0" cy="0"/>
+        </a:xfrm>
+      </p:grpSpPr>
+      <p:sp>
+        <p:nvSpPr>
+          <p:cNvPr id="4" name="Rectangle 3"/>
+          <p:cNvSpPr/>
+          <p:nvPr/>
+        </p:nvSpPr>
+        <p:spPr>
+          <a:xfrm>
+            <a:off x="0" y="0"/>
+            <a:ext cx="12192000" cy="6858000"/>
+          </a:xfrm>
+          <a:prstGeom prst="rect">
+            <a:avLst/>
+          </a:prstGeom>
+          <a:solidFill>
+            <a:srgbClr val="CF3338"/>
+          </a:solidFill>
+        </p:spPr>
+        <p:style>
+          <a:lnRef idx="2">
+            <a:schemeClr val="accent1">
+              <a:shade val="50000"/>
+            </a:schemeClr>
+          </a:lnRef>
+          <a:fillRef idx="1">
+            <a:schemeClr val="accent1"/>
+          </a:fillRef>
+          <a:effectRef idx="0">
+            <a:schemeClr val="accent1"/>
+          </a:effectRef>
+          <a:fontRef idx="minor">
+            <a:schemeClr val="lt1"/>
+          </a:fontRef>
+        </p:style>
+        <p:txBody>
+          <a:bodyPr rtlCol="0" anchor="ctr"/>
+          <a:lstStyle/>
+          <a:p>
+            <a:pPr algn="ctr"/>
+            <a:endParaRPr lang="en-US"/>
+          </a:p>
+        </p:txBody>
+      </p:sp>
+      <p:sp>
+        <p:nvSpPr>
+          <p:cNvPr id="5" name="TextBox 4"/>
+          <p:cNvSpPr txBox="1"/>
+          <p:nvPr/>
+        </p:nvSpPr>
+        <p:spPr>
+          <a:xfrm>
             <a:off x="520861" y="393539"/>
             <a:ext cx="10324617" cy="3139321"/>
           </a:xfrm>
@@ -6845,7 +7354,7 @@
 </p:sld>
 </file>
 
-<file path=ppt/slides/slide11.xml><?xml version="1.0" encoding="utf-8"?>
+<file path=ppt/slides/slide13.xml><?xml version="1.0" encoding="utf-8"?>
 <p:sld xmlns:a="http://schemas.openxmlformats.org/drawingml/2006/main" xmlns:r="http://schemas.openxmlformats.org/officeDocument/2006/relationships" xmlns:p="http://schemas.openxmlformats.org/presentationml/2006/main">
   <p:cSld>
     <p:spTree>
@@ -7175,510 +7684,6 @@
     <p:extLst>
       <p:ext uri="{BB962C8B-B14F-4D97-AF65-F5344CB8AC3E}">
         <p14:creationId xmlns:p14="http://schemas.microsoft.com/office/powerpoint/2010/main" val="213490654"/>
-      </p:ext>
-    </p:extLst>
-  </p:cSld>
-  <p:clrMapOvr>
-    <a:masterClrMapping/>
-  </p:clrMapOvr>
-</p:sld>
-</file>
-
-<file path=ppt/slides/slide12.xml><?xml version="1.0" encoding="utf-8"?>
-<p:sld xmlns:a="http://schemas.openxmlformats.org/drawingml/2006/main" xmlns:r="http://schemas.openxmlformats.org/officeDocument/2006/relationships" xmlns:p="http://schemas.openxmlformats.org/presentationml/2006/main">
-  <p:cSld>
-    <p:spTree>
-      <p:nvGrpSpPr>
-        <p:cNvPr id="1" name=""/>
-        <p:cNvGrpSpPr/>
-        <p:nvPr/>
-      </p:nvGrpSpPr>
-      <p:grpSpPr>
-        <a:xfrm>
-          <a:off x="0" y="0"/>
-          <a:ext cx="0" cy="0"/>
-          <a:chOff x="0" y="0"/>
-          <a:chExt cx="0" cy="0"/>
-        </a:xfrm>
-      </p:grpSpPr>
-      <p:pic>
-        <p:nvPicPr>
-          <p:cNvPr id="10" name="Picture 9"/>
-          <p:cNvPicPr>
-            <a:picLocks noChangeAspect="1"/>
-          </p:cNvPicPr>
-          <p:nvPr/>
-        </p:nvPicPr>
-        <p:blipFill rotWithShape="1">
-          <a:blip r:embed="rId3">
-            <a:extLst>
-              <a:ext uri="{28A0092B-C50C-407E-A947-70E740481C1C}">
-                <a14:useLocalDpi xmlns:a14="http://schemas.microsoft.com/office/drawing/2010/main" val="0"/>
-              </a:ext>
-            </a:extLst>
-          </a:blip>
-          <a:srcRect l="50728" t="56371"/>
-          <a:stretch/>
-        </p:blipFill>
-        <p:spPr>
-          <a:xfrm>
-            <a:off x="10894024" y="5370653"/>
-            <a:ext cx="1297975" cy="1487348"/>
-          </a:xfrm>
-          <a:prstGeom prst="rect">
-            <a:avLst/>
-          </a:prstGeom>
-        </p:spPr>
-      </p:pic>
-      <p:sp>
-        <p:nvSpPr>
-          <p:cNvPr id="11" name="TextBox 10"/>
-          <p:cNvSpPr txBox="1"/>
-          <p:nvPr/>
-        </p:nvSpPr>
-        <p:spPr>
-          <a:xfrm>
-            <a:off x="334451" y="81469"/>
-            <a:ext cx="9799937" cy="1015663"/>
-          </a:xfrm>
-          <a:prstGeom prst="rect">
-            <a:avLst/>
-          </a:prstGeom>
-          <a:noFill/>
-        </p:spPr>
-        <p:txBody>
-          <a:bodyPr wrap="square" rtlCol="0">
-            <a:spAutoFit/>
-          </a:bodyPr>
-          <a:lstStyle/>
-          <a:p>
-            <a:r>
-              <a:rPr lang="en-US" sz="6000" dirty="0">
-                <a:latin typeface="Aliens &amp; cows" panose="00000500000000000000" pitchFamily="2" charset="0"/>
-              </a:rPr>
-              <a:t>R + RStudio</a:t>
-            </a:r>
-          </a:p>
-        </p:txBody>
-      </p:sp>
-      <p:pic>
-        <p:nvPicPr>
-          <p:cNvPr id="2050" name="Picture 2" descr="R (programming language) - Wikipedia">
-            <a:extLst>
-              <a:ext uri="{FF2B5EF4-FFF2-40B4-BE49-F238E27FC236}">
-                <a16:creationId xmlns:a16="http://schemas.microsoft.com/office/drawing/2014/main" id="{0128CF47-2A1A-42EA-88FE-A6A4CE80EA2A}"/>
-              </a:ext>
-            </a:extLst>
-          </p:cNvPr>
-          <p:cNvPicPr>
-            <a:picLocks noChangeAspect="1" noChangeArrowheads="1"/>
-          </p:cNvPicPr>
-          <p:nvPr/>
-        </p:nvPicPr>
-        <p:blipFill>
-          <a:blip r:embed="rId4" cstate="print">
-            <a:extLst>
-              <a:ext uri="{28A0092B-C50C-407E-A947-70E740481C1C}">
-                <a14:useLocalDpi xmlns:a14="http://schemas.microsoft.com/office/drawing/2010/main" val="0"/>
-              </a:ext>
-            </a:extLst>
-          </a:blip>
-          <a:srcRect/>
-          <a:stretch>
-            <a:fillRect/>
-          </a:stretch>
-        </p:blipFill>
-        <p:spPr bwMode="auto">
-          <a:xfrm>
-            <a:off x="238766" y="1888627"/>
-            <a:ext cx="3975018" cy="3080746"/>
-          </a:xfrm>
-          <a:prstGeom prst="rect">
-            <a:avLst/>
-          </a:prstGeom>
-          <a:noFill/>
-          <a:extLst>
-            <a:ext uri="{909E8E84-426E-40DD-AFC4-6F175D3DCCD1}">
-              <a14:hiddenFill xmlns:a14="http://schemas.microsoft.com/office/drawing/2010/main">
-                <a:solidFill>
-                  <a:srgbClr val="FFFFFF"/>
-                </a:solidFill>
-              </a14:hiddenFill>
-            </a:ext>
-          </a:extLst>
-        </p:spPr>
-      </p:pic>
-      <p:pic>
-        <p:nvPicPr>
-          <p:cNvPr id="2052" name="Picture 4" descr="RStudio Partnership and Consultancy Services | Mango Solutions">
-            <a:extLst>
-              <a:ext uri="{FF2B5EF4-FFF2-40B4-BE49-F238E27FC236}">
-                <a16:creationId xmlns:a16="http://schemas.microsoft.com/office/drawing/2014/main" id="{EA0D657F-7250-41AF-AB4A-1E6E0E6D3D7F}"/>
-              </a:ext>
-            </a:extLst>
-          </p:cNvPr>
-          <p:cNvPicPr>
-            <a:picLocks noChangeAspect="1" noChangeArrowheads="1"/>
-          </p:cNvPicPr>
-          <p:nvPr/>
-        </p:nvPicPr>
-        <p:blipFill>
-          <a:blip r:embed="rId5">
-            <a:extLst>
-              <a:ext uri="{28A0092B-C50C-407E-A947-70E740481C1C}">
-                <a14:useLocalDpi xmlns:a14="http://schemas.microsoft.com/office/drawing/2010/main" val="0"/>
-              </a:ext>
-            </a:extLst>
-          </a:blip>
-          <a:srcRect/>
-          <a:stretch>
-            <a:fillRect/>
-          </a:stretch>
-        </p:blipFill>
-        <p:spPr bwMode="auto">
-          <a:xfrm>
-            <a:off x="4820642" y="1690187"/>
-            <a:ext cx="7371358" cy="3680466"/>
-          </a:xfrm>
-          <a:prstGeom prst="rect">
-            <a:avLst/>
-          </a:prstGeom>
-          <a:noFill/>
-          <a:extLst>
-            <a:ext uri="{909E8E84-426E-40DD-AFC4-6F175D3DCCD1}">
-              <a14:hiddenFill xmlns:a14="http://schemas.microsoft.com/office/drawing/2010/main">
-                <a:solidFill>
-                  <a:srgbClr val="FFFFFF"/>
-                </a:solidFill>
-              </a14:hiddenFill>
-            </a:ext>
-          </a:extLst>
-        </p:spPr>
-      </p:pic>
-      <p:sp>
-        <p:nvSpPr>
-          <p:cNvPr id="8" name="TextBox 7">
-            <a:extLst>
-              <a:ext uri="{FF2B5EF4-FFF2-40B4-BE49-F238E27FC236}">
-                <a16:creationId xmlns:a16="http://schemas.microsoft.com/office/drawing/2014/main" id="{11840D5C-3D15-43FA-828B-81755108AC4E}"/>
-              </a:ext>
-            </a:extLst>
-          </p:cNvPr>
-          <p:cNvSpPr txBox="1"/>
-          <p:nvPr/>
-        </p:nvSpPr>
-        <p:spPr>
-          <a:xfrm>
-            <a:off x="6168274" y="5139819"/>
-            <a:ext cx="3223967" cy="461665"/>
-          </a:xfrm>
-          <a:prstGeom prst="rect">
-            <a:avLst/>
-          </a:prstGeom>
-          <a:noFill/>
-        </p:spPr>
-        <p:txBody>
-          <a:bodyPr wrap="square" rtlCol="0">
-            <a:spAutoFit/>
-          </a:bodyPr>
-          <a:lstStyle/>
-          <a:p>
-            <a:r>
-              <a:rPr lang="en-US" sz="2400" dirty="0">
-                <a:latin typeface="Pragmatica" pitchFamily="2" charset="0"/>
-              </a:rPr>
-              <a:t>The interface</a:t>
-            </a:r>
-          </a:p>
-        </p:txBody>
-      </p:sp>
-      <p:sp>
-        <p:nvSpPr>
-          <p:cNvPr id="12" name="TextBox 11">
-            <a:extLst>
-              <a:ext uri="{FF2B5EF4-FFF2-40B4-BE49-F238E27FC236}">
-                <a16:creationId xmlns:a16="http://schemas.microsoft.com/office/drawing/2014/main" id="{58B22640-98BF-4B6B-939E-E50C08DEC28C}"/>
-              </a:ext>
-            </a:extLst>
-          </p:cNvPr>
-          <p:cNvSpPr txBox="1"/>
-          <p:nvPr/>
-        </p:nvSpPr>
-        <p:spPr>
-          <a:xfrm>
-            <a:off x="334451" y="5139820"/>
-            <a:ext cx="6103856" cy="461665"/>
-          </a:xfrm>
-          <a:prstGeom prst="rect">
-            <a:avLst/>
-          </a:prstGeom>
-          <a:noFill/>
-        </p:spPr>
-        <p:txBody>
-          <a:bodyPr wrap="square">
-            <a:spAutoFit/>
-          </a:bodyPr>
-          <a:lstStyle/>
-          <a:p>
-            <a:r>
-              <a:rPr lang="en-US" sz="2400" dirty="0">
-                <a:latin typeface="Pragmatica" pitchFamily="2" charset="0"/>
-              </a:rPr>
-              <a:t>The code base</a:t>
-            </a:r>
-          </a:p>
-        </p:txBody>
-      </p:sp>
-    </p:spTree>
-    <p:extLst>
-      <p:ext uri="{BB962C8B-B14F-4D97-AF65-F5344CB8AC3E}">
-        <p14:creationId xmlns:p14="http://schemas.microsoft.com/office/powerpoint/2010/main" val="4290185649"/>
-      </p:ext>
-    </p:extLst>
-  </p:cSld>
-  <p:clrMapOvr>
-    <a:masterClrMapping/>
-  </p:clrMapOvr>
-</p:sld>
-</file>
-
-<file path=ppt/slides/slide13.xml><?xml version="1.0" encoding="utf-8"?>
-<p:sld xmlns:a="http://schemas.openxmlformats.org/drawingml/2006/main" xmlns:r="http://schemas.openxmlformats.org/officeDocument/2006/relationships" xmlns:p="http://schemas.openxmlformats.org/presentationml/2006/main">
-  <p:cSld>
-    <p:spTree>
-      <p:nvGrpSpPr>
-        <p:cNvPr id="1" name=""/>
-        <p:cNvGrpSpPr/>
-        <p:nvPr/>
-      </p:nvGrpSpPr>
-      <p:grpSpPr>
-        <a:xfrm>
-          <a:off x="0" y="0"/>
-          <a:ext cx="0" cy="0"/>
-          <a:chOff x="0" y="0"/>
-          <a:chExt cx="0" cy="0"/>
-        </a:xfrm>
-      </p:grpSpPr>
-      <p:sp>
-        <p:nvSpPr>
-          <p:cNvPr id="4" name="Rectangle 3"/>
-          <p:cNvSpPr/>
-          <p:nvPr/>
-        </p:nvSpPr>
-        <p:spPr>
-          <a:xfrm>
-            <a:off x="6574420" y="0"/>
-            <a:ext cx="5617580" cy="6858000"/>
-          </a:xfrm>
-          <a:prstGeom prst="rect">
-            <a:avLst/>
-          </a:prstGeom>
-          <a:solidFill>
-            <a:srgbClr val="CF3338"/>
-          </a:solidFill>
-        </p:spPr>
-        <p:style>
-          <a:lnRef idx="2">
-            <a:schemeClr val="accent1">
-              <a:shade val="50000"/>
-            </a:schemeClr>
-          </a:lnRef>
-          <a:fillRef idx="1">
-            <a:schemeClr val="accent1"/>
-          </a:fillRef>
-          <a:effectRef idx="0">
-            <a:schemeClr val="accent1"/>
-          </a:effectRef>
-          <a:fontRef idx="minor">
-            <a:schemeClr val="lt1"/>
-          </a:fontRef>
-        </p:style>
-        <p:txBody>
-          <a:bodyPr rtlCol="0" anchor="ctr"/>
-          <a:lstStyle/>
-          <a:p>
-            <a:pPr algn="ctr"/>
-            <a:endParaRPr lang="en-US"/>
-          </a:p>
-        </p:txBody>
-      </p:sp>
-      <p:sp>
-        <p:nvSpPr>
-          <p:cNvPr id="5" name="TextBox 4"/>
-          <p:cNvSpPr txBox="1"/>
-          <p:nvPr/>
-        </p:nvSpPr>
-        <p:spPr>
-          <a:xfrm>
-            <a:off x="6817489" y="0"/>
-            <a:ext cx="4120587" cy="1446550"/>
-          </a:xfrm>
-          <a:prstGeom prst="rect">
-            <a:avLst/>
-          </a:prstGeom>
-          <a:noFill/>
-        </p:spPr>
-        <p:txBody>
-          <a:bodyPr wrap="square" rtlCol="0">
-            <a:spAutoFit/>
-          </a:bodyPr>
-          <a:lstStyle/>
-          <a:p>
-            <a:r>
-              <a:rPr lang="en-US" sz="8800" dirty="0">
-                <a:solidFill>
-                  <a:schemeClr val="bg1"/>
-                </a:solidFill>
-                <a:latin typeface="Aliens &amp; cows" panose="00000500000000000000" pitchFamily="2" charset="0"/>
-              </a:rPr>
-              <a:t>Demo</a:t>
-            </a:r>
-          </a:p>
-        </p:txBody>
-      </p:sp>
-      <p:pic>
-        <p:nvPicPr>
-          <p:cNvPr id="2" name="Picture 1"/>
-          <p:cNvPicPr>
-            <a:picLocks noChangeAspect="1"/>
-          </p:cNvPicPr>
-          <p:nvPr/>
-        </p:nvPicPr>
-        <p:blipFill rotWithShape="1">
-          <a:blip r:embed="rId3">
-            <a:extLst>
-              <a:ext uri="{28A0092B-C50C-407E-A947-70E740481C1C}">
-                <a14:useLocalDpi xmlns:a14="http://schemas.microsoft.com/office/drawing/2010/main" val="0"/>
-              </a:ext>
-            </a:extLst>
-          </a:blip>
-          <a:srcRect l="69227" t="33418" r="20112" b="50548"/>
-          <a:stretch/>
-        </p:blipFill>
-        <p:spPr>
-          <a:xfrm>
-            <a:off x="10386349" y="5029795"/>
-            <a:ext cx="1805651" cy="1991719"/>
-          </a:xfrm>
-          <a:prstGeom prst="rect">
-            <a:avLst/>
-          </a:prstGeom>
-        </p:spPr>
-      </p:pic>
-      <p:sp>
-        <p:nvSpPr>
-          <p:cNvPr id="3" name="TextBox 2"/>
-          <p:cNvSpPr txBox="1"/>
-          <p:nvPr/>
-        </p:nvSpPr>
-        <p:spPr>
-          <a:xfrm>
-            <a:off x="173620" y="219919"/>
-            <a:ext cx="5937813" cy="523220"/>
-          </a:xfrm>
-          <a:prstGeom prst="rect">
-            <a:avLst/>
-          </a:prstGeom>
-          <a:noFill/>
-        </p:spPr>
-        <p:txBody>
-          <a:bodyPr wrap="square" rtlCol="0">
-            <a:spAutoFit/>
-          </a:bodyPr>
-          <a:lstStyle/>
-          <a:p>
-            <a:r>
-              <a:rPr lang="en-US" sz="2800" b="1" dirty="0">
-                <a:solidFill>
-                  <a:srgbClr val="CF3338"/>
-                </a:solidFill>
-                <a:latin typeface="Pragmatica" pitchFamily="2" charset="0"/>
-              </a:rPr>
-              <a:t>Navigate RStudio, beginning with 1+1</a:t>
-            </a:r>
-          </a:p>
-        </p:txBody>
-      </p:sp>
-      <p:pic>
-        <p:nvPicPr>
-          <p:cNvPr id="7" name="Picture 2">
-            <a:extLst>
-              <a:ext uri="{FF2B5EF4-FFF2-40B4-BE49-F238E27FC236}">
-                <a16:creationId xmlns:a16="http://schemas.microsoft.com/office/drawing/2014/main" id="{6AA3752F-7DE4-42EF-930F-41F529023B4D}"/>
-              </a:ext>
-            </a:extLst>
-          </p:cNvPr>
-          <p:cNvPicPr>
-            <a:picLocks noChangeAspect="1" noChangeArrowheads="1"/>
-          </p:cNvPicPr>
-          <p:nvPr/>
-        </p:nvPicPr>
-        <p:blipFill>
-          <a:blip r:embed="rId4">
-            <a:extLst>
-              <a:ext uri="{28A0092B-C50C-407E-A947-70E740481C1C}">
-                <a14:useLocalDpi xmlns:a14="http://schemas.microsoft.com/office/drawing/2010/main" val="0"/>
-              </a:ext>
-            </a:extLst>
-          </a:blip>
-          <a:srcRect/>
-          <a:stretch>
-            <a:fillRect/>
-          </a:stretch>
-        </p:blipFill>
-        <p:spPr bwMode="auto">
-          <a:xfrm>
-            <a:off x="817355" y="2489120"/>
-            <a:ext cx="7995854" cy="4285278"/>
-          </a:xfrm>
-          <a:prstGeom prst="rect">
-            <a:avLst/>
-          </a:prstGeom>
-          <a:noFill/>
-          <a:extLst>
-            <a:ext uri="{909E8E84-426E-40DD-AFC4-6F175D3DCCD1}">
-              <a14:hiddenFill xmlns:a14="http://schemas.microsoft.com/office/drawing/2010/main">
-                <a:solidFill>
-                  <a:srgbClr val="FFFFFF"/>
-                </a:solidFill>
-              </a14:hiddenFill>
-            </a:ext>
-          </a:extLst>
-        </p:spPr>
-      </p:pic>
-      <p:pic>
-        <p:nvPicPr>
-          <p:cNvPr id="8" name="Picture 7">
-            <a:extLst>
-              <a:ext uri="{FF2B5EF4-FFF2-40B4-BE49-F238E27FC236}">
-                <a16:creationId xmlns:a16="http://schemas.microsoft.com/office/drawing/2014/main" id="{7A16F770-8038-495F-AA22-4602F7510F9D}"/>
-              </a:ext>
-            </a:extLst>
-          </p:cNvPr>
-          <p:cNvPicPr>
-            <a:picLocks noChangeAspect="1"/>
-          </p:cNvPicPr>
-          <p:nvPr/>
-        </p:nvPicPr>
-        <p:blipFill rotWithShape="1">
-          <a:blip r:embed="rId5"/>
-          <a:srcRect b="47338"/>
-          <a:stretch/>
-        </p:blipFill>
-        <p:spPr>
-          <a:xfrm>
-            <a:off x="1198861" y="1273896"/>
-            <a:ext cx="3993611" cy="613266"/>
-          </a:xfrm>
-          <a:prstGeom prst="rect">
-            <a:avLst/>
-          </a:prstGeom>
-        </p:spPr>
-      </p:pic>
-    </p:spTree>
-    <p:extLst>
-      <p:ext uri="{BB962C8B-B14F-4D97-AF65-F5344CB8AC3E}">
-        <p14:creationId xmlns:p14="http://schemas.microsoft.com/office/powerpoint/2010/main" val="1886959323"/>
       </p:ext>
     </p:extLst>
   </p:cSld>
@@ -7742,8 +7747,8 @@
         </p:nvSpPr>
         <p:spPr>
           <a:xfrm>
-            <a:off x="347240" y="113388"/>
-            <a:ext cx="9799937" cy="1938992"/>
+            <a:off x="334451" y="81469"/>
+            <a:ext cx="9799937" cy="1015663"/>
           </a:xfrm>
           <a:prstGeom prst="rect">
             <a:avLst/>
@@ -7760,68 +7765,17 @@
               <a:rPr lang="en-US" sz="6000" dirty="0">
                 <a:latin typeface="Aliens &amp; cows" panose="00000500000000000000" pitchFamily="2" charset="0"/>
               </a:rPr>
-              <a:t>Packages: “There’s an App for that!”</a:t>
-            </a:r>
-          </a:p>
-        </p:txBody>
-      </p:sp>
-      <p:sp>
-        <p:nvSpPr>
-          <p:cNvPr id="3" name="TextBox 2"/>
-          <p:cNvSpPr txBox="1"/>
-          <p:nvPr/>
-        </p:nvSpPr>
-        <p:spPr>
-          <a:xfrm>
-            <a:off x="454109" y="2297968"/>
-            <a:ext cx="5414785" cy="1384995"/>
-          </a:xfrm>
-          <a:prstGeom prst="rect">
-            <a:avLst/>
-          </a:prstGeom>
-          <a:noFill/>
-        </p:spPr>
-        <p:txBody>
-          <a:bodyPr wrap="square" rtlCol="0">
-            <a:spAutoFit/>
-          </a:bodyPr>
-          <a:lstStyle/>
-          <a:p>
-            <a:pPr marL="514350" indent="-514350">
-              <a:buAutoNum type="arabicPeriod"/>
-            </a:pPr>
-            <a:r>
-              <a:rPr lang="en-US" sz="2800" dirty="0">
-                <a:solidFill>
-                  <a:srgbClr val="707070"/>
-                </a:solidFill>
-                <a:latin typeface="Pragmatica" panose="020B0403040502020204" pitchFamily="34" charset="0"/>
-              </a:rPr>
-              <a:t>Install the package (usually from CRAN)</a:t>
-            </a:r>
-          </a:p>
-          <a:p>
-            <a:pPr marL="514350" indent="-514350">
-              <a:buAutoNum type="arabicPeriod"/>
-            </a:pPr>
-            <a:r>
-              <a:rPr lang="en-US" sz="2800" dirty="0">
-                <a:solidFill>
-                  <a:srgbClr val="707070"/>
-                </a:solidFill>
-                <a:latin typeface="Pragmatica" panose="020B0403040502020204" pitchFamily="34" charset="0"/>
-              </a:rPr>
-              <a:t>Open the package</a:t>
+              <a:t>R + RStudio</a:t>
             </a:r>
           </a:p>
         </p:txBody>
       </p:sp>
       <p:pic>
         <p:nvPicPr>
-          <p:cNvPr id="8194" name="Picture 2">
+          <p:cNvPr id="2050" name="Picture 2" descr="R (programming language) - Wikipedia">
             <a:extLst>
               <a:ext uri="{FF2B5EF4-FFF2-40B4-BE49-F238E27FC236}">
-                <a16:creationId xmlns:a16="http://schemas.microsoft.com/office/drawing/2014/main" id="{93A3D79E-EFB5-4C74-925C-52E65CFB9662}"/>
+                <a16:creationId xmlns:a16="http://schemas.microsoft.com/office/drawing/2014/main" id="{0128CF47-2A1A-42EA-88FE-A6A4CE80EA2A}"/>
               </a:ext>
             </a:extLst>
           </p:cNvPr>
@@ -7844,9 +7798,9 @@
           </a:stretch>
         </p:blipFill>
         <p:spPr bwMode="auto">
-          <a:xfrm rot="16200000">
-            <a:off x="4795276" y="1137677"/>
-            <a:ext cx="5720323" cy="5720323"/>
+          <a:xfrm>
+            <a:off x="238766" y="1888627"/>
+            <a:ext cx="3975018" cy="3080746"/>
           </a:xfrm>
           <a:prstGeom prst="rect">
             <a:avLst/>
@@ -7863,10 +7817,131 @@
           </a:extLst>
         </p:spPr>
       </p:pic>
+      <p:pic>
+        <p:nvPicPr>
+          <p:cNvPr id="2052" name="Picture 4" descr="RStudio Partnership and Consultancy Services | Mango Solutions">
+            <a:extLst>
+              <a:ext uri="{FF2B5EF4-FFF2-40B4-BE49-F238E27FC236}">
+                <a16:creationId xmlns:a16="http://schemas.microsoft.com/office/drawing/2014/main" id="{EA0D657F-7250-41AF-AB4A-1E6E0E6D3D7F}"/>
+              </a:ext>
+            </a:extLst>
+          </p:cNvPr>
+          <p:cNvPicPr>
+            <a:picLocks noChangeAspect="1" noChangeArrowheads="1"/>
+          </p:cNvPicPr>
+          <p:nvPr/>
+        </p:nvPicPr>
+        <p:blipFill>
+          <a:blip r:embed="rId5">
+            <a:extLst>
+              <a:ext uri="{28A0092B-C50C-407E-A947-70E740481C1C}">
+                <a14:useLocalDpi xmlns:a14="http://schemas.microsoft.com/office/drawing/2010/main" val="0"/>
+              </a:ext>
+            </a:extLst>
+          </a:blip>
+          <a:srcRect/>
+          <a:stretch>
+            <a:fillRect/>
+          </a:stretch>
+        </p:blipFill>
+        <p:spPr bwMode="auto">
+          <a:xfrm>
+            <a:off x="4820642" y="1690187"/>
+            <a:ext cx="7371358" cy="3680466"/>
+          </a:xfrm>
+          <a:prstGeom prst="rect">
+            <a:avLst/>
+          </a:prstGeom>
+          <a:noFill/>
+          <a:extLst>
+            <a:ext uri="{909E8E84-426E-40DD-AFC4-6F175D3DCCD1}">
+              <a14:hiddenFill xmlns:a14="http://schemas.microsoft.com/office/drawing/2010/main">
+                <a:solidFill>
+                  <a:srgbClr val="FFFFFF"/>
+                </a:solidFill>
+              </a14:hiddenFill>
+            </a:ext>
+          </a:extLst>
+        </p:spPr>
+      </p:pic>
+      <p:sp>
+        <p:nvSpPr>
+          <p:cNvPr id="8" name="TextBox 7">
+            <a:extLst>
+              <a:ext uri="{FF2B5EF4-FFF2-40B4-BE49-F238E27FC236}">
+                <a16:creationId xmlns:a16="http://schemas.microsoft.com/office/drawing/2014/main" id="{11840D5C-3D15-43FA-828B-81755108AC4E}"/>
+              </a:ext>
+            </a:extLst>
+          </p:cNvPr>
+          <p:cNvSpPr txBox="1"/>
+          <p:nvPr/>
+        </p:nvSpPr>
+        <p:spPr>
+          <a:xfrm>
+            <a:off x="6168274" y="5139819"/>
+            <a:ext cx="3223967" cy="461665"/>
+          </a:xfrm>
+          <a:prstGeom prst="rect">
+            <a:avLst/>
+          </a:prstGeom>
+          <a:noFill/>
+        </p:spPr>
+        <p:txBody>
+          <a:bodyPr wrap="square" rtlCol="0">
+            <a:spAutoFit/>
+          </a:bodyPr>
+          <a:lstStyle/>
+          <a:p>
+            <a:r>
+              <a:rPr lang="en-US" sz="2400" dirty="0">
+                <a:latin typeface="Pragmatica" pitchFamily="2" charset="0"/>
+              </a:rPr>
+              <a:t>The interface</a:t>
+            </a:r>
+          </a:p>
+        </p:txBody>
+      </p:sp>
+      <p:sp>
+        <p:nvSpPr>
+          <p:cNvPr id="12" name="TextBox 11">
+            <a:extLst>
+              <a:ext uri="{FF2B5EF4-FFF2-40B4-BE49-F238E27FC236}">
+                <a16:creationId xmlns:a16="http://schemas.microsoft.com/office/drawing/2014/main" id="{58B22640-98BF-4B6B-939E-E50C08DEC28C}"/>
+              </a:ext>
+            </a:extLst>
+          </p:cNvPr>
+          <p:cNvSpPr txBox="1"/>
+          <p:nvPr/>
+        </p:nvSpPr>
+        <p:spPr>
+          <a:xfrm>
+            <a:off x="334451" y="5139820"/>
+            <a:ext cx="6103856" cy="461665"/>
+          </a:xfrm>
+          <a:prstGeom prst="rect">
+            <a:avLst/>
+          </a:prstGeom>
+          <a:noFill/>
+        </p:spPr>
+        <p:txBody>
+          <a:bodyPr wrap="square">
+            <a:spAutoFit/>
+          </a:bodyPr>
+          <a:lstStyle/>
+          <a:p>
+            <a:r>
+              <a:rPr lang="en-US" sz="2400" dirty="0">
+                <a:latin typeface="Pragmatica" pitchFamily="2" charset="0"/>
+              </a:rPr>
+              <a:t>The code base</a:t>
+            </a:r>
+          </a:p>
+        </p:txBody>
+      </p:sp>
     </p:spTree>
     <p:extLst>
       <p:ext uri="{BB962C8B-B14F-4D97-AF65-F5344CB8AC3E}">
-        <p14:creationId xmlns:p14="http://schemas.microsoft.com/office/powerpoint/2010/main" val="4229063964"/>
+        <p14:creationId xmlns:p14="http://schemas.microsoft.com/office/powerpoint/2010/main" val="4290185649"/>
       </p:ext>
     </p:extLst>
   </p:cSld>
@@ -8008,7 +8083,7 @@
         <p:spPr>
           <a:xfrm>
             <a:off x="173620" y="219919"/>
-            <a:ext cx="5937813" cy="954107"/>
+            <a:ext cx="5937813" cy="523220"/>
           </a:xfrm>
           <a:prstGeom prst="rect">
             <a:avLst/>
@@ -8028,256 +8103,91 @@
                 </a:solidFill>
                 <a:latin typeface="Pragmatica" pitchFamily="2" charset="0"/>
               </a:rPr>
-              <a:t>Speaking the language of data with the </a:t>
-            </a:r>
-            <a:r>
-              <a:rPr lang="en-US" sz="2800" b="1" dirty="0" err="1">
-                <a:solidFill>
-                  <a:srgbClr val="CF3338"/>
-                </a:solidFill>
-                <a:latin typeface="Consolas" panose="020B0609020204030204" pitchFamily="49" charset="0"/>
-              </a:rPr>
-              <a:t>tidyverse</a:t>
-            </a:r>
-            <a:endParaRPr lang="en-US" sz="2800" b="1" dirty="0">
-              <a:solidFill>
-                <a:srgbClr val="CF3338"/>
-              </a:solidFill>
-              <a:latin typeface="Consolas" panose="020B0609020204030204" pitchFamily="49" charset="0"/>
-            </a:endParaRPr>
-          </a:p>
-        </p:txBody>
-      </p:sp>
-      <p:sp>
-        <p:nvSpPr>
-          <p:cNvPr id="7" name="TextBox 6">
+              <a:t>Navigate RStudio, beginning with 1+1</a:t>
+            </a:r>
+          </a:p>
+        </p:txBody>
+      </p:sp>
+      <p:pic>
+        <p:nvPicPr>
+          <p:cNvPr id="7" name="Picture 2">
             <a:extLst>
               <a:ext uri="{FF2B5EF4-FFF2-40B4-BE49-F238E27FC236}">
-                <a16:creationId xmlns:a16="http://schemas.microsoft.com/office/drawing/2014/main" id="{855BC584-A237-4C91-9DAB-ADA80256CAC8}"/>
+                <a16:creationId xmlns:a16="http://schemas.microsoft.com/office/drawing/2014/main" id="{6AA3752F-7DE4-42EF-930F-41F529023B4D}"/>
               </a:ext>
             </a:extLst>
           </p:cNvPr>
-          <p:cNvSpPr txBox="1"/>
+          <p:cNvPicPr>
+            <a:picLocks noChangeAspect="1" noChangeArrowheads="1"/>
+          </p:cNvPicPr>
           <p:nvPr/>
-        </p:nvSpPr>
-        <p:spPr>
-          <a:xfrm>
-            <a:off x="158187" y="1446550"/>
-            <a:ext cx="5937813" cy="5693866"/>
+        </p:nvPicPr>
+        <p:blipFill>
+          <a:blip r:embed="rId4">
+            <a:extLst>
+              <a:ext uri="{28A0092B-C50C-407E-A947-70E740481C1C}">
+                <a14:useLocalDpi xmlns:a14="http://schemas.microsoft.com/office/drawing/2010/main" val="0"/>
+              </a:ext>
+            </a:extLst>
+          </a:blip>
+          <a:srcRect/>
+          <a:stretch>
+            <a:fillRect/>
+          </a:stretch>
+        </p:blipFill>
+        <p:spPr bwMode="auto">
+          <a:xfrm>
+            <a:off x="817355" y="2489120"/>
+            <a:ext cx="7995854" cy="4285278"/>
           </a:xfrm>
           <a:prstGeom prst="rect">
             <a:avLst/>
           </a:prstGeom>
           <a:noFill/>
-        </p:spPr>
-        <p:txBody>
-          <a:bodyPr wrap="square" rtlCol="0">
-            <a:spAutoFit/>
-          </a:bodyPr>
-          <a:lstStyle/>
-          <a:p>
-            <a:pPr marL="514350" indent="-514350">
-              <a:buFont typeface="+mj-lt"/>
-              <a:buAutoNum type="arabicPeriod"/>
-            </a:pPr>
-            <a:r>
-              <a:rPr lang="en-US" sz="2800" b="1" dirty="0">
-                <a:solidFill>
-                  <a:srgbClr val="CF3338"/>
-                </a:solidFill>
-                <a:latin typeface="Pragmatica" pitchFamily="2" charset="0"/>
-              </a:rPr>
-              <a:t>Load and explore </a:t>
-            </a:r>
-            <a:r>
-              <a:rPr lang="en-US" sz="2800" b="1" dirty="0">
-                <a:solidFill>
-                  <a:srgbClr val="CF3338"/>
-                </a:solidFill>
-                <a:latin typeface="Consolas" panose="020B0609020204030204" pitchFamily="49" charset="0"/>
-              </a:rPr>
-              <a:t>diamonds</a:t>
-            </a:r>
-            <a:r>
-              <a:rPr lang="en-US" sz="2800" b="1" dirty="0">
-                <a:solidFill>
-                  <a:srgbClr val="CF3338"/>
-                </a:solidFill>
-                <a:latin typeface="Pragmatica" pitchFamily="2" charset="0"/>
-              </a:rPr>
-              <a:t> dataset</a:t>
-            </a:r>
-            <a:endParaRPr lang="en-US" sz="2800" b="1" dirty="0">
-              <a:solidFill>
-                <a:srgbClr val="CF3338"/>
-              </a:solidFill>
-              <a:latin typeface="Consolas" panose="020B0609020204030204" pitchFamily="49" charset="0"/>
-            </a:endParaRPr>
-          </a:p>
-          <a:p>
-            <a:pPr marL="514350" indent="-514350">
-              <a:buFont typeface="+mj-lt"/>
-              <a:buAutoNum type="arabicPeriod"/>
-            </a:pPr>
-            <a:r>
-              <a:rPr lang="en-US" sz="2800" b="1" dirty="0">
-                <a:solidFill>
-                  <a:srgbClr val="CF3338"/>
-                </a:solidFill>
-                <a:latin typeface="Pragmatica" pitchFamily="2" charset="0"/>
-              </a:rPr>
-              <a:t>Write a “sentence” in </a:t>
-            </a:r>
-            <a:r>
-              <a:rPr lang="en-US" sz="2800" b="1" dirty="0" err="1">
-                <a:solidFill>
-                  <a:srgbClr val="CF3338"/>
-                </a:solidFill>
-                <a:latin typeface="Consolas" panose="020B0609020204030204" pitchFamily="49" charset="0"/>
-              </a:rPr>
-              <a:t>dplyr</a:t>
-            </a:r>
-            <a:r>
-              <a:rPr lang="en-US" sz="2800" b="1" dirty="0">
-                <a:solidFill>
-                  <a:srgbClr val="CF3338"/>
-                </a:solidFill>
-                <a:latin typeface="Pragmatica" pitchFamily="2" charset="0"/>
-              </a:rPr>
-              <a:t>:</a:t>
-            </a:r>
-          </a:p>
-          <a:p>
-            <a:pPr lvl="1"/>
-            <a:r>
-              <a:rPr lang="en-US" sz="2800" i="1" dirty="0">
-                <a:solidFill>
-                  <a:srgbClr val="CF3338"/>
-                </a:solidFill>
-                <a:latin typeface="Pragmatica" panose="020B0403040502020204" pitchFamily="34" charset="0"/>
-              </a:rPr>
-              <a:t>“Get me the average price for each cut, sorted from high to low.”</a:t>
-            </a:r>
-          </a:p>
-          <a:p>
-            <a:pPr lvl="1"/>
-            <a:endParaRPr lang="en-US" sz="2800" i="1" dirty="0">
-              <a:solidFill>
-                <a:srgbClr val="CF3338"/>
-              </a:solidFill>
-              <a:latin typeface="Pragmatica" panose="020B0403040502020204" pitchFamily="34" charset="0"/>
-            </a:endParaRPr>
-          </a:p>
-          <a:p>
-            <a:pPr lvl="1"/>
-            <a:r>
-              <a:rPr lang="en-US" sz="2800" dirty="0">
-                <a:solidFill>
-                  <a:srgbClr val="CF3338"/>
-                </a:solidFill>
-                <a:latin typeface="Pragmatica" panose="020B0403040502020204" pitchFamily="34" charset="0"/>
-              </a:rPr>
-              <a:t>How would you pseudo-code this?</a:t>
-            </a:r>
-          </a:p>
-          <a:p>
-            <a:pPr marL="914400" lvl="1" indent="-457200">
-              <a:buFont typeface="Arial" panose="020B0604020202020204" pitchFamily="34" charset="0"/>
-              <a:buChar char="•"/>
-            </a:pPr>
-            <a:r>
-              <a:rPr lang="en-US" sz="2800" dirty="0">
-                <a:solidFill>
-                  <a:srgbClr val="CF3338"/>
-                </a:solidFill>
-                <a:latin typeface="Pragmatica" panose="020B0403040502020204" pitchFamily="34" charset="0"/>
-              </a:rPr>
-              <a:t>Group by cut</a:t>
-            </a:r>
-          </a:p>
-          <a:p>
-            <a:pPr marL="914400" lvl="1" indent="-457200">
-              <a:buFont typeface="Arial" panose="020B0604020202020204" pitchFamily="34" charset="0"/>
-              <a:buChar char="•"/>
-            </a:pPr>
-            <a:r>
-              <a:rPr lang="en-US" sz="2800" dirty="0">
-                <a:solidFill>
-                  <a:srgbClr val="CF3338"/>
-                </a:solidFill>
-                <a:latin typeface="Pragmatica" panose="020B0403040502020204" pitchFamily="34" charset="0"/>
-              </a:rPr>
-              <a:t>Find average for each group</a:t>
-            </a:r>
-          </a:p>
-          <a:p>
-            <a:pPr marL="914400" lvl="1" indent="-457200">
-              <a:buFont typeface="Arial" panose="020B0604020202020204" pitchFamily="34" charset="0"/>
-              <a:buChar char="•"/>
-            </a:pPr>
-            <a:r>
-              <a:rPr lang="en-US" sz="2800" dirty="0">
-                <a:solidFill>
-                  <a:srgbClr val="CF3338"/>
-                </a:solidFill>
-                <a:latin typeface="Pragmatica" panose="020B0403040502020204" pitchFamily="34" charset="0"/>
-              </a:rPr>
-              <a:t>Sort the results</a:t>
-            </a:r>
-          </a:p>
-          <a:p>
-            <a:pPr lvl="1"/>
-            <a:endParaRPr lang="en-US" sz="2800" i="1" dirty="0">
-              <a:solidFill>
-                <a:srgbClr val="CF3338"/>
-              </a:solidFill>
-              <a:latin typeface="Pragmatica" panose="020B0403040502020204" pitchFamily="34" charset="0"/>
-            </a:endParaRPr>
-          </a:p>
-          <a:p>
-            <a:r>
-              <a:rPr lang="en-US" sz="2800" b="1" dirty="0">
-                <a:solidFill>
-                  <a:srgbClr val="CF3338"/>
-                </a:solidFill>
-                <a:latin typeface="Pragmatica" pitchFamily="2" charset="0"/>
-              </a:rPr>
-              <a:t>File: </a:t>
-            </a:r>
-            <a:r>
-              <a:rPr lang="en-US" sz="2800" b="1" dirty="0" err="1">
-                <a:solidFill>
-                  <a:srgbClr val="CF3338"/>
-                </a:solidFill>
-                <a:latin typeface="Consolas" panose="020B0609020204030204" pitchFamily="49" charset="0"/>
-              </a:rPr>
-              <a:t>diamonds.r</a:t>
-            </a:r>
-            <a:endParaRPr lang="en-US" sz="2800" b="1" dirty="0">
-              <a:solidFill>
-                <a:srgbClr val="CF3338"/>
-              </a:solidFill>
-              <a:latin typeface="Consolas" panose="020B0609020204030204" pitchFamily="49" charset="0"/>
-            </a:endParaRPr>
-          </a:p>
-          <a:p>
-            <a:pPr marL="514350" indent="-514350">
-              <a:buFont typeface="+mj-lt"/>
-              <a:buAutoNum type="arabicPeriod"/>
-            </a:pPr>
-            <a:endParaRPr lang="en-US" sz="2800" b="1" dirty="0">
-              <a:solidFill>
-                <a:srgbClr val="CF3338"/>
-              </a:solidFill>
-              <a:latin typeface="Pragmatica" pitchFamily="2" charset="0"/>
-            </a:endParaRPr>
-          </a:p>
-        </p:txBody>
-      </p:sp>
+          <a:extLst>
+            <a:ext uri="{909E8E84-426E-40DD-AFC4-6F175D3DCCD1}">
+              <a14:hiddenFill xmlns:a14="http://schemas.microsoft.com/office/drawing/2010/main">
+                <a:solidFill>
+                  <a:srgbClr val="FFFFFF"/>
+                </a:solidFill>
+              </a14:hiddenFill>
+            </a:ext>
+          </a:extLst>
+        </p:spPr>
+      </p:pic>
+      <p:pic>
+        <p:nvPicPr>
+          <p:cNvPr id="8" name="Picture 7">
+            <a:extLst>
+              <a:ext uri="{FF2B5EF4-FFF2-40B4-BE49-F238E27FC236}">
+                <a16:creationId xmlns:a16="http://schemas.microsoft.com/office/drawing/2014/main" id="{7A16F770-8038-495F-AA22-4602F7510F9D}"/>
+              </a:ext>
+            </a:extLst>
+          </p:cNvPr>
+          <p:cNvPicPr>
+            <a:picLocks noChangeAspect="1"/>
+          </p:cNvPicPr>
+          <p:nvPr/>
+        </p:nvPicPr>
+        <p:blipFill rotWithShape="1">
+          <a:blip r:embed="rId5"/>
+          <a:srcRect b="47338"/>
+          <a:stretch/>
+        </p:blipFill>
+        <p:spPr>
+          <a:xfrm>
+            <a:off x="1198861" y="1273896"/>
+            <a:ext cx="3993611" cy="613266"/>
+          </a:xfrm>
+          <a:prstGeom prst="rect">
+            <a:avLst/>
+          </a:prstGeom>
+        </p:spPr>
+      </p:pic>
     </p:spTree>
     <p:extLst>
       <p:ext uri="{BB962C8B-B14F-4D97-AF65-F5344CB8AC3E}">
-        <p14:creationId xmlns:p14="http://schemas.microsoft.com/office/powerpoint/2010/main" val="3201178055"/>
+        <p14:creationId xmlns:p14="http://schemas.microsoft.com/office/powerpoint/2010/main" val="1886959323"/>
       </p:ext>
     </p:extLst>
   </p:cSld>
@@ -8325,82 +8235,147 @@
         </p:blipFill>
         <p:spPr>
           <a:xfrm>
-            <a:off x="8136460" y="2210765"/>
-            <a:ext cx="4055539" cy="4647236"/>
+            <a:off x="10894024" y="5370653"/>
+            <a:ext cx="1297975" cy="1487348"/>
           </a:xfrm>
           <a:prstGeom prst="rect">
             <a:avLst/>
           </a:prstGeom>
         </p:spPr>
       </p:pic>
+      <p:sp>
+        <p:nvSpPr>
+          <p:cNvPr id="11" name="TextBox 10"/>
+          <p:cNvSpPr txBox="1"/>
+          <p:nvPr/>
+        </p:nvSpPr>
+        <p:spPr>
+          <a:xfrm>
+            <a:off x="347240" y="113388"/>
+            <a:ext cx="9799937" cy="1938992"/>
+          </a:xfrm>
+          <a:prstGeom prst="rect">
+            <a:avLst/>
+          </a:prstGeom>
+          <a:noFill/>
+        </p:spPr>
+        <p:txBody>
+          <a:bodyPr wrap="square" rtlCol="0">
+            <a:spAutoFit/>
+          </a:bodyPr>
+          <a:lstStyle/>
+          <a:p>
+            <a:r>
+              <a:rPr lang="en-US" sz="6000" dirty="0">
+                <a:latin typeface="Aliens &amp; cows" panose="00000500000000000000" pitchFamily="2" charset="0"/>
+              </a:rPr>
+              <a:t>Packages: “There’s an App for that!”</a:t>
+            </a:r>
+          </a:p>
+        </p:txBody>
+      </p:sp>
+      <p:sp>
+        <p:nvSpPr>
+          <p:cNvPr id="3" name="TextBox 2"/>
+          <p:cNvSpPr txBox="1"/>
+          <p:nvPr/>
+        </p:nvSpPr>
+        <p:spPr>
+          <a:xfrm>
+            <a:off x="454109" y="2297968"/>
+            <a:ext cx="5414785" cy="1384995"/>
+          </a:xfrm>
+          <a:prstGeom prst="rect">
+            <a:avLst/>
+          </a:prstGeom>
+          <a:noFill/>
+        </p:spPr>
+        <p:txBody>
+          <a:bodyPr wrap="square" rtlCol="0">
+            <a:spAutoFit/>
+          </a:bodyPr>
+          <a:lstStyle/>
+          <a:p>
+            <a:pPr marL="514350" indent="-514350">
+              <a:buAutoNum type="arabicPeriod"/>
+            </a:pPr>
+            <a:r>
+              <a:rPr lang="en-US" sz="2800" dirty="0">
+                <a:solidFill>
+                  <a:srgbClr val="707070"/>
+                </a:solidFill>
+                <a:latin typeface="Pragmatica" panose="020B0403040502020204" pitchFamily="34" charset="0"/>
+              </a:rPr>
+              <a:t>Install the package (usually from CRAN)</a:t>
+            </a:r>
+          </a:p>
+          <a:p>
+            <a:pPr marL="514350" indent="-514350">
+              <a:buAutoNum type="arabicPeriod"/>
+            </a:pPr>
+            <a:r>
+              <a:rPr lang="en-US" sz="2800" dirty="0">
+                <a:solidFill>
+                  <a:srgbClr val="707070"/>
+                </a:solidFill>
+                <a:latin typeface="Pragmatica" panose="020B0403040502020204" pitchFamily="34" charset="0"/>
+              </a:rPr>
+              <a:t>Open the package</a:t>
+            </a:r>
+          </a:p>
+        </p:txBody>
+      </p:sp>
       <p:pic>
         <p:nvPicPr>
-          <p:cNvPr id="4" name="Picture 3"/>
+          <p:cNvPr id="8194" name="Picture 2">
+            <a:extLst>
+              <a:ext uri="{FF2B5EF4-FFF2-40B4-BE49-F238E27FC236}">
+                <a16:creationId xmlns:a16="http://schemas.microsoft.com/office/drawing/2014/main" id="{93A3D79E-EFB5-4C74-925C-52E65CFB9662}"/>
+              </a:ext>
+            </a:extLst>
+          </p:cNvPr>
           <p:cNvPicPr>
-            <a:picLocks noChangeAspect="1"/>
+            <a:picLocks noChangeAspect="1" noChangeArrowheads="1"/>
           </p:cNvPicPr>
           <p:nvPr/>
         </p:nvPicPr>
         <p:blipFill>
-          <a:blip r:embed="rId4">
+          <a:blip r:embed="rId4" cstate="print">
             <a:extLst>
               <a:ext uri="{28A0092B-C50C-407E-A947-70E740481C1C}">
                 <a14:useLocalDpi xmlns:a14="http://schemas.microsoft.com/office/drawing/2010/main" val="0"/>
               </a:ext>
             </a:extLst>
           </a:blip>
+          <a:srcRect/>
           <a:stretch>
             <a:fillRect/>
           </a:stretch>
         </p:blipFill>
-        <p:spPr>
-          <a:xfrm>
-            <a:off x="-538496" y="-2482770"/>
-            <a:ext cx="10171472" cy="7459883"/>
-          </a:xfrm>
-          <a:prstGeom prst="rect">
-            <a:avLst/>
-          </a:prstGeom>
+        <p:spPr bwMode="auto">
+          <a:xfrm rot="16200000">
+            <a:off x="4795276" y="1137677"/>
+            <a:ext cx="5720323" cy="5720323"/>
+          </a:xfrm>
+          <a:prstGeom prst="rect">
+            <a:avLst/>
+          </a:prstGeom>
+          <a:noFill/>
+          <a:extLst>
+            <a:ext uri="{909E8E84-426E-40DD-AFC4-6F175D3DCCD1}">
+              <a14:hiddenFill xmlns:a14="http://schemas.microsoft.com/office/drawing/2010/main">
+                <a:solidFill>
+                  <a:srgbClr val="FFFFFF"/>
+                </a:solidFill>
+              </a14:hiddenFill>
+            </a:ext>
+          </a:extLst>
         </p:spPr>
       </p:pic>
-      <p:sp>
-        <p:nvSpPr>
-          <p:cNvPr id="11" name="TextBox 10"/>
-          <p:cNvSpPr txBox="1"/>
-          <p:nvPr/>
-        </p:nvSpPr>
-        <p:spPr>
-          <a:xfrm>
-            <a:off x="324091" y="1687545"/>
-            <a:ext cx="7986531" cy="523220"/>
-          </a:xfrm>
-          <a:prstGeom prst="rect">
-            <a:avLst/>
-          </a:prstGeom>
-          <a:noFill/>
-        </p:spPr>
-        <p:txBody>
-          <a:bodyPr wrap="square" rtlCol="0">
-            <a:spAutoFit/>
-          </a:bodyPr>
-          <a:lstStyle/>
-          <a:p>
-            <a:r>
-              <a:rPr lang="en-US" sz="2800" b="1" dirty="0">
-                <a:solidFill>
-                  <a:srgbClr val="707070"/>
-                </a:solidFill>
-                <a:latin typeface="Pragmatica" panose="020B0403040502020204" pitchFamily="34" charset="0"/>
-              </a:rPr>
-              <a:t>Questions?</a:t>
-            </a:r>
-          </a:p>
-        </p:txBody>
-      </p:sp>
     </p:spTree>
     <p:extLst>
       <p:ext uri="{BB962C8B-B14F-4D97-AF65-F5344CB8AC3E}">
-        <p14:creationId xmlns:p14="http://schemas.microsoft.com/office/powerpoint/2010/main" val="513475310"/>
+        <p14:creationId xmlns:p14="http://schemas.microsoft.com/office/powerpoint/2010/main" val="4229063964"/>
       </p:ext>
     </p:extLst>
   </p:cSld>
@@ -8435,8 +8410,8 @@
         </p:nvSpPr>
         <p:spPr>
           <a:xfrm>
-            <a:off x="0" y="0"/>
-            <a:ext cx="12192000" cy="6858000"/>
+            <a:off x="6574420" y="0"/>
+            <a:ext cx="5617580" cy="6858000"/>
           </a:xfrm>
           <a:prstGeom prst="rect">
             <a:avLst/>
@@ -8478,8 +8453,8 @@
         </p:nvSpPr>
         <p:spPr>
           <a:xfrm>
-            <a:off x="520861" y="393539"/>
-            <a:ext cx="10324617" cy="1107996"/>
+            <a:off x="6817489" y="0"/>
+            <a:ext cx="4120587" cy="1446550"/>
           </a:xfrm>
           <a:prstGeom prst="rect">
             <a:avLst/>
@@ -8493,21 +8468,325 @@
           <a:lstStyle/>
           <a:p>
             <a:r>
-              <a:rPr lang="en-US" sz="6600" b="1" dirty="0">
+              <a:rPr lang="en-US" sz="8800" dirty="0">
                 <a:solidFill>
                   <a:schemeClr val="bg1"/>
                 </a:solidFill>
+                <a:latin typeface="Aliens &amp; cows" panose="00000500000000000000" pitchFamily="2" charset="0"/>
+              </a:rPr>
+              <a:t>Demo</a:t>
+            </a:r>
+          </a:p>
+        </p:txBody>
+      </p:sp>
+      <p:pic>
+        <p:nvPicPr>
+          <p:cNvPr id="2" name="Picture 1"/>
+          <p:cNvPicPr>
+            <a:picLocks noChangeAspect="1"/>
+          </p:cNvPicPr>
+          <p:nvPr/>
+        </p:nvPicPr>
+        <p:blipFill rotWithShape="1">
+          <a:blip r:embed="rId3">
+            <a:extLst>
+              <a:ext uri="{28A0092B-C50C-407E-A947-70E740481C1C}">
+                <a14:useLocalDpi xmlns:a14="http://schemas.microsoft.com/office/drawing/2010/main" val="0"/>
+              </a:ext>
+            </a:extLst>
+          </a:blip>
+          <a:srcRect l="69227" t="33418" r="20112" b="50548"/>
+          <a:stretch/>
+        </p:blipFill>
+        <p:spPr>
+          <a:xfrm>
+            <a:off x="10386349" y="5029795"/>
+            <a:ext cx="1805651" cy="1991719"/>
+          </a:xfrm>
+          <a:prstGeom prst="rect">
+            <a:avLst/>
+          </a:prstGeom>
+        </p:spPr>
+      </p:pic>
+      <p:sp>
+        <p:nvSpPr>
+          <p:cNvPr id="3" name="TextBox 2"/>
+          <p:cNvSpPr txBox="1"/>
+          <p:nvPr/>
+        </p:nvSpPr>
+        <p:spPr>
+          <a:xfrm>
+            <a:off x="173620" y="219919"/>
+            <a:ext cx="5937813" cy="954107"/>
+          </a:xfrm>
+          <a:prstGeom prst="rect">
+            <a:avLst/>
+          </a:prstGeom>
+          <a:noFill/>
+        </p:spPr>
+        <p:txBody>
+          <a:bodyPr wrap="square" rtlCol="0">
+            <a:spAutoFit/>
+          </a:bodyPr>
+          <a:lstStyle/>
+          <a:p>
+            <a:r>
+              <a:rPr lang="en-US" sz="2800" b="1" dirty="0">
+                <a:solidFill>
+                  <a:srgbClr val="CF3338"/>
+                </a:solidFill>
                 <a:latin typeface="Pragmatica" pitchFamily="2" charset="0"/>
               </a:rPr>
-              <a:t>Prancing into Python</a:t>
-            </a:r>
+              <a:t>Speaking the language of data with the </a:t>
+            </a:r>
+            <a:r>
+              <a:rPr lang="en-US" sz="2800" b="1" dirty="0" err="1">
+                <a:solidFill>
+                  <a:srgbClr val="CF3338"/>
+                </a:solidFill>
+                <a:latin typeface="Consolas" panose="020B0609020204030204" pitchFamily="49" charset="0"/>
+              </a:rPr>
+              <a:t>tidyverse</a:t>
+            </a:r>
+            <a:endParaRPr lang="en-US" sz="2800" b="1" dirty="0">
+              <a:solidFill>
+                <a:srgbClr val="CF3338"/>
+              </a:solidFill>
+              <a:latin typeface="Consolas" panose="020B0609020204030204" pitchFamily="49" charset="0"/>
+            </a:endParaRPr>
+          </a:p>
+        </p:txBody>
+      </p:sp>
+      <p:sp>
+        <p:nvSpPr>
+          <p:cNvPr id="7" name="TextBox 6">
+            <a:extLst>
+              <a:ext uri="{FF2B5EF4-FFF2-40B4-BE49-F238E27FC236}">
+                <a16:creationId xmlns:a16="http://schemas.microsoft.com/office/drawing/2014/main" id="{855BC584-A237-4C91-9DAB-ADA80256CAC8}"/>
+              </a:ext>
+            </a:extLst>
+          </p:cNvPr>
+          <p:cNvSpPr txBox="1"/>
+          <p:nvPr/>
+        </p:nvSpPr>
+        <p:spPr>
+          <a:xfrm>
+            <a:off x="158187" y="1446550"/>
+            <a:ext cx="5937813" cy="5693866"/>
+          </a:xfrm>
+          <a:prstGeom prst="rect">
+            <a:avLst/>
+          </a:prstGeom>
+          <a:noFill/>
+        </p:spPr>
+        <p:txBody>
+          <a:bodyPr wrap="square" rtlCol="0">
+            <a:spAutoFit/>
+          </a:bodyPr>
+          <a:lstStyle/>
+          <a:p>
+            <a:pPr marL="514350" indent="-514350">
+              <a:buFont typeface="+mj-lt"/>
+              <a:buAutoNum type="arabicPeriod"/>
+            </a:pPr>
+            <a:r>
+              <a:rPr lang="en-US" sz="2800" b="1" dirty="0">
+                <a:solidFill>
+                  <a:srgbClr val="CF3338"/>
+                </a:solidFill>
+                <a:latin typeface="Pragmatica" pitchFamily="2" charset="0"/>
+              </a:rPr>
+              <a:t>Load and explore </a:t>
+            </a:r>
+            <a:r>
+              <a:rPr lang="en-US" sz="2800" b="1" dirty="0">
+                <a:solidFill>
+                  <a:srgbClr val="CF3338"/>
+                </a:solidFill>
+                <a:latin typeface="Consolas" panose="020B0609020204030204" pitchFamily="49" charset="0"/>
+              </a:rPr>
+              <a:t>diamonds</a:t>
+            </a:r>
+            <a:r>
+              <a:rPr lang="en-US" sz="2800" b="1" dirty="0">
+                <a:solidFill>
+                  <a:srgbClr val="CF3338"/>
+                </a:solidFill>
+                <a:latin typeface="Pragmatica" pitchFamily="2" charset="0"/>
+              </a:rPr>
+              <a:t> dataset</a:t>
+            </a:r>
+            <a:endParaRPr lang="en-US" sz="2800" b="1" dirty="0">
+              <a:solidFill>
+                <a:srgbClr val="CF3338"/>
+              </a:solidFill>
+              <a:latin typeface="Consolas" panose="020B0609020204030204" pitchFamily="49" charset="0"/>
+            </a:endParaRPr>
+          </a:p>
+          <a:p>
+            <a:pPr marL="514350" indent="-514350">
+              <a:buFont typeface="+mj-lt"/>
+              <a:buAutoNum type="arabicPeriod"/>
+            </a:pPr>
+            <a:r>
+              <a:rPr lang="en-US" sz="2800" b="1" dirty="0">
+                <a:solidFill>
+                  <a:srgbClr val="CF3338"/>
+                </a:solidFill>
+                <a:latin typeface="Pragmatica" pitchFamily="2" charset="0"/>
+              </a:rPr>
+              <a:t>Write a “sentence” in </a:t>
+            </a:r>
+            <a:r>
+              <a:rPr lang="en-US" sz="2800" b="1" dirty="0" err="1">
+                <a:solidFill>
+                  <a:srgbClr val="CF3338"/>
+                </a:solidFill>
+                <a:latin typeface="Consolas" panose="020B0609020204030204" pitchFamily="49" charset="0"/>
+              </a:rPr>
+              <a:t>dplyr</a:t>
+            </a:r>
+            <a:r>
+              <a:rPr lang="en-US" sz="2800" b="1" dirty="0">
+                <a:solidFill>
+                  <a:srgbClr val="CF3338"/>
+                </a:solidFill>
+                <a:latin typeface="Pragmatica" pitchFamily="2" charset="0"/>
+              </a:rPr>
+              <a:t>:</a:t>
+            </a:r>
+          </a:p>
+          <a:p>
+            <a:pPr lvl="1"/>
+            <a:r>
+              <a:rPr lang="en-US" sz="2800" i="1" dirty="0">
+                <a:solidFill>
+                  <a:srgbClr val="CF3338"/>
+                </a:solidFill>
+                <a:latin typeface="Pragmatica" panose="020B0403040502020204" pitchFamily="34" charset="0"/>
+              </a:rPr>
+              <a:t>“Get me the average price for each cut, sorted from high to low.”</a:t>
+            </a:r>
+          </a:p>
+          <a:p>
+            <a:pPr lvl="1"/>
+            <a:endParaRPr lang="en-US" sz="2800" i="1" dirty="0">
+              <a:solidFill>
+                <a:srgbClr val="CF3338"/>
+              </a:solidFill>
+              <a:latin typeface="Pragmatica" panose="020B0403040502020204" pitchFamily="34" charset="0"/>
+            </a:endParaRPr>
+          </a:p>
+          <a:p>
+            <a:pPr lvl="1"/>
+            <a:r>
+              <a:rPr lang="en-US" sz="2800" dirty="0">
+                <a:solidFill>
+                  <a:srgbClr val="CF3338"/>
+                </a:solidFill>
+                <a:latin typeface="Pragmatica" panose="020B0403040502020204" pitchFamily="34" charset="0"/>
+              </a:rPr>
+              <a:t>How would you pseudo-code this?</a:t>
+            </a:r>
+          </a:p>
+          <a:p>
+            <a:pPr marL="914400" lvl="1" indent="-457200">
+              <a:buFont typeface="Arial" panose="020B0604020202020204" pitchFamily="34" charset="0"/>
+              <a:buChar char="•"/>
+            </a:pPr>
+            <a:r>
+              <a:rPr lang="en-US" sz="2800" dirty="0">
+                <a:solidFill>
+                  <a:srgbClr val="CF3338"/>
+                </a:solidFill>
+                <a:latin typeface="Pragmatica" panose="020B0403040502020204" pitchFamily="34" charset="0"/>
+              </a:rPr>
+              <a:t>Group by cut</a:t>
+            </a:r>
+          </a:p>
+          <a:p>
+            <a:pPr marL="914400" lvl="1" indent="-457200">
+              <a:buFont typeface="Arial" panose="020B0604020202020204" pitchFamily="34" charset="0"/>
+              <a:buChar char="•"/>
+            </a:pPr>
+            <a:r>
+              <a:rPr lang="en-US" sz="2800" dirty="0">
+                <a:solidFill>
+                  <a:srgbClr val="CF3338"/>
+                </a:solidFill>
+                <a:latin typeface="Pragmatica" panose="020B0403040502020204" pitchFamily="34" charset="0"/>
+              </a:rPr>
+              <a:t>Find average for each group</a:t>
+            </a:r>
+          </a:p>
+          <a:p>
+            <a:pPr marL="914400" lvl="1" indent="-457200">
+              <a:buFont typeface="Arial" panose="020B0604020202020204" pitchFamily="34" charset="0"/>
+              <a:buChar char="•"/>
+            </a:pPr>
+            <a:r>
+              <a:rPr lang="en-US" sz="2800" dirty="0">
+                <a:solidFill>
+                  <a:srgbClr val="CF3338"/>
+                </a:solidFill>
+                <a:latin typeface="Pragmatica" panose="020B0403040502020204" pitchFamily="34" charset="0"/>
+              </a:rPr>
+              <a:t>Sort the results</a:t>
+            </a:r>
+          </a:p>
+          <a:p>
+            <a:pPr lvl="1"/>
+            <a:endParaRPr lang="en-US" sz="2800" i="1" dirty="0">
+              <a:solidFill>
+                <a:srgbClr val="CF3338"/>
+              </a:solidFill>
+              <a:latin typeface="Pragmatica" panose="020B0403040502020204" pitchFamily="34" charset="0"/>
+            </a:endParaRPr>
+          </a:p>
+          <a:p>
+            <a:r>
+              <a:rPr lang="en-US" sz="2800" b="1" dirty="0">
+                <a:solidFill>
+                  <a:srgbClr val="CF3338"/>
+                </a:solidFill>
+                <a:latin typeface="Pragmatica" pitchFamily="2" charset="0"/>
+              </a:rPr>
+              <a:t>File: </a:t>
+            </a:r>
+            <a:r>
+              <a:rPr lang="en-US" sz="2800" b="1" dirty="0" err="1">
+                <a:solidFill>
+                  <a:srgbClr val="CF3338"/>
+                </a:solidFill>
+                <a:latin typeface="Consolas" panose="020B0609020204030204" pitchFamily="49" charset="0"/>
+              </a:rPr>
+              <a:t>diamonds.r</a:t>
+            </a:r>
+            <a:endParaRPr lang="en-US" sz="2800" b="1" dirty="0">
+              <a:solidFill>
+                <a:srgbClr val="CF3338"/>
+              </a:solidFill>
+              <a:latin typeface="Consolas" panose="020B0609020204030204" pitchFamily="49" charset="0"/>
+            </a:endParaRPr>
+          </a:p>
+          <a:p>
+            <a:pPr marL="514350" indent="-514350">
+              <a:buFont typeface="+mj-lt"/>
+              <a:buAutoNum type="arabicPeriod"/>
+            </a:pPr>
+            <a:endParaRPr lang="en-US" sz="2800" b="1" dirty="0">
+              <a:solidFill>
+                <a:srgbClr val="CF3338"/>
+              </a:solidFill>
+              <a:latin typeface="Pragmatica" pitchFamily="2" charset="0"/>
+            </a:endParaRPr>
           </a:p>
         </p:txBody>
       </p:sp>
     </p:spTree>
     <p:extLst>
       <p:ext uri="{BB962C8B-B14F-4D97-AF65-F5344CB8AC3E}">
-        <p14:creationId xmlns:p14="http://schemas.microsoft.com/office/powerpoint/2010/main" val="1362530689"/>
+        <p14:creationId xmlns:p14="http://schemas.microsoft.com/office/powerpoint/2010/main" val="3201178055"/>
       </p:ext>
     </p:extLst>
   </p:cSld>
@@ -8555,286 +8834,54 @@
         </p:blipFill>
         <p:spPr>
           <a:xfrm>
-            <a:off x="10894024" y="5370653"/>
-            <a:ext cx="1297975" cy="1487348"/>
+            <a:off x="8136460" y="2210765"/>
+            <a:ext cx="4055539" cy="4647236"/>
           </a:xfrm>
           <a:prstGeom prst="rect">
             <a:avLst/>
           </a:prstGeom>
         </p:spPr>
       </p:pic>
-      <p:sp>
-        <p:nvSpPr>
-          <p:cNvPr id="11" name="TextBox 10"/>
-          <p:cNvSpPr txBox="1"/>
-          <p:nvPr/>
-        </p:nvSpPr>
-        <p:spPr>
-          <a:xfrm>
-            <a:off x="347240" y="113388"/>
-            <a:ext cx="9799937" cy="1015663"/>
-          </a:xfrm>
-          <a:prstGeom prst="rect">
-            <a:avLst/>
-          </a:prstGeom>
-          <a:noFill/>
-        </p:spPr>
-        <p:txBody>
-          <a:bodyPr wrap="square" rtlCol="0">
-            <a:spAutoFit/>
-          </a:bodyPr>
-          <a:lstStyle/>
-          <a:p>
-            <a:r>
-              <a:rPr lang="en-US" sz="6000" dirty="0">
-                <a:latin typeface="Aliens &amp; cows" panose="00000500000000000000" pitchFamily="2" charset="0"/>
-              </a:rPr>
-              <a:t>Python+ Anaconda + </a:t>
-            </a:r>
-            <a:r>
-              <a:rPr lang="en-US" sz="6000" dirty="0" err="1">
-                <a:latin typeface="Aliens &amp; cows" panose="00000500000000000000" pitchFamily="2" charset="0"/>
-              </a:rPr>
-              <a:t>Jupyter</a:t>
-            </a:r>
-            <a:endParaRPr lang="en-US" sz="6000" dirty="0">
-              <a:latin typeface="Aliens &amp; cows" panose="00000500000000000000" pitchFamily="2" charset="0"/>
-            </a:endParaRPr>
-          </a:p>
-        </p:txBody>
-      </p:sp>
-      <p:sp>
-        <p:nvSpPr>
-          <p:cNvPr id="8" name="TextBox 7">
-            <a:extLst>
-              <a:ext uri="{FF2B5EF4-FFF2-40B4-BE49-F238E27FC236}">
-                <a16:creationId xmlns:a16="http://schemas.microsoft.com/office/drawing/2014/main" id="{11840D5C-3D15-43FA-828B-81755108AC4E}"/>
-              </a:ext>
-            </a:extLst>
-          </p:cNvPr>
-          <p:cNvSpPr txBox="1"/>
-          <p:nvPr/>
-        </p:nvSpPr>
-        <p:spPr>
-          <a:xfrm>
-            <a:off x="4211235" y="5048028"/>
-            <a:ext cx="3223967" cy="830997"/>
-          </a:xfrm>
-          <a:prstGeom prst="rect">
-            <a:avLst/>
-          </a:prstGeom>
-          <a:noFill/>
-        </p:spPr>
-        <p:txBody>
-          <a:bodyPr wrap="square" rtlCol="0">
-            <a:spAutoFit/>
-          </a:bodyPr>
-          <a:lstStyle/>
-          <a:p>
-            <a:pPr algn="ctr"/>
-            <a:r>
-              <a:rPr lang="en-US" sz="2400" dirty="0">
-                <a:latin typeface="Pragmatica" pitchFamily="2" charset="0"/>
-              </a:rPr>
-              <a:t>The distribution of code &amp; apps</a:t>
-            </a:r>
-          </a:p>
-        </p:txBody>
-      </p:sp>
-      <p:sp>
-        <p:nvSpPr>
-          <p:cNvPr id="12" name="TextBox 11">
-            <a:extLst>
-              <a:ext uri="{FF2B5EF4-FFF2-40B4-BE49-F238E27FC236}">
-                <a16:creationId xmlns:a16="http://schemas.microsoft.com/office/drawing/2014/main" id="{58B22640-98BF-4B6B-939E-E50C08DEC28C}"/>
-              </a:ext>
-            </a:extLst>
-          </p:cNvPr>
-          <p:cNvSpPr txBox="1"/>
-          <p:nvPr/>
-        </p:nvSpPr>
-        <p:spPr>
-          <a:xfrm>
-            <a:off x="334451" y="5139820"/>
-            <a:ext cx="3641931" cy="830997"/>
-          </a:xfrm>
-          <a:prstGeom prst="rect">
-            <a:avLst/>
-          </a:prstGeom>
-          <a:noFill/>
-        </p:spPr>
-        <p:txBody>
-          <a:bodyPr wrap="square">
-            <a:spAutoFit/>
-          </a:bodyPr>
-          <a:lstStyle/>
-          <a:p>
-            <a:r>
-              <a:rPr lang="en-US" sz="2400" dirty="0">
-                <a:latin typeface="Pragmatica" pitchFamily="2" charset="0"/>
-              </a:rPr>
-              <a:t>The (open) source code</a:t>
-            </a:r>
-          </a:p>
-        </p:txBody>
-      </p:sp>
       <p:pic>
         <p:nvPicPr>
-          <p:cNvPr id="3074" name="Picture 2">
-            <a:extLst>
-              <a:ext uri="{FF2B5EF4-FFF2-40B4-BE49-F238E27FC236}">
-                <a16:creationId xmlns:a16="http://schemas.microsoft.com/office/drawing/2014/main" id="{E3988C34-2EF3-4BC5-A72A-3F7595D4F9CB}"/>
-              </a:ext>
-            </a:extLst>
-          </p:cNvPr>
+          <p:cNvPr id="4" name="Picture 3"/>
           <p:cNvPicPr>
-            <a:picLocks noChangeAspect="1" noChangeArrowheads="1"/>
+            <a:picLocks noChangeAspect="1"/>
           </p:cNvPicPr>
           <p:nvPr/>
         </p:nvPicPr>
         <p:blipFill>
-          <a:blip r:embed="rId4" cstate="print">
+          <a:blip r:embed="rId4">
             <a:extLst>
               <a:ext uri="{28A0092B-C50C-407E-A947-70E740481C1C}">
                 <a14:useLocalDpi xmlns:a14="http://schemas.microsoft.com/office/drawing/2010/main" val="0"/>
               </a:ext>
             </a:extLst>
           </a:blip>
-          <a:srcRect/>
           <a:stretch>
             <a:fillRect/>
           </a:stretch>
         </p:blipFill>
-        <p:spPr bwMode="auto">
-          <a:xfrm>
-            <a:off x="418750" y="2407641"/>
-            <a:ext cx="2608976" cy="2608976"/>
-          </a:xfrm>
-          <a:prstGeom prst="rect">
-            <a:avLst/>
-          </a:prstGeom>
-          <a:noFill/>
-          <a:extLst>
-            <a:ext uri="{909E8E84-426E-40DD-AFC4-6F175D3DCCD1}">
-              <a14:hiddenFill xmlns:a14="http://schemas.microsoft.com/office/drawing/2010/main">
-                <a:solidFill>
-                  <a:srgbClr val="FFFFFF"/>
-                </a:solidFill>
-              </a14:hiddenFill>
-            </a:ext>
-          </a:extLst>
+        <p:spPr>
+          <a:xfrm>
+            <a:off x="-538496" y="-2482770"/>
+            <a:ext cx="10171472" cy="7459883"/>
+          </a:xfrm>
+          <a:prstGeom prst="rect">
+            <a:avLst/>
+          </a:prstGeom>
         </p:spPr>
       </p:pic>
-      <p:pic>
-        <p:nvPicPr>
-          <p:cNvPr id="3076" name="Picture 4" descr="Anaconda (Python distribution) - Wikipedia">
-            <a:extLst>
-              <a:ext uri="{FF2B5EF4-FFF2-40B4-BE49-F238E27FC236}">
-                <a16:creationId xmlns:a16="http://schemas.microsoft.com/office/drawing/2014/main" id="{68DA0063-7FE8-4DF8-994B-B10B1C977495}"/>
-              </a:ext>
-            </a:extLst>
-          </p:cNvPr>
-          <p:cNvPicPr>
-            <a:picLocks noChangeAspect="1" noChangeArrowheads="1"/>
-          </p:cNvPicPr>
-          <p:nvPr/>
-        </p:nvPicPr>
-        <p:blipFill>
-          <a:blip r:embed="rId5">
-            <a:extLst>
-              <a:ext uri="{28A0092B-C50C-407E-A947-70E740481C1C}">
-                <a14:useLocalDpi xmlns:a14="http://schemas.microsoft.com/office/drawing/2010/main" val="0"/>
-              </a:ext>
-            </a:extLst>
-          </a:blip>
-          <a:srcRect/>
-          <a:stretch>
-            <a:fillRect/>
-          </a:stretch>
-        </p:blipFill>
-        <p:spPr bwMode="auto">
-          <a:xfrm>
-            <a:off x="3698716" y="2576686"/>
-            <a:ext cx="4257675" cy="2124075"/>
-          </a:xfrm>
-          <a:prstGeom prst="rect">
-            <a:avLst/>
-          </a:prstGeom>
-          <a:noFill/>
-          <a:extLst>
-            <a:ext uri="{909E8E84-426E-40DD-AFC4-6F175D3DCCD1}">
-              <a14:hiddenFill xmlns:a14="http://schemas.microsoft.com/office/drawing/2010/main">
-                <a:solidFill>
-                  <a:srgbClr val="FFFFFF"/>
-                </a:solidFill>
-              </a14:hiddenFill>
-            </a:ext>
-          </a:extLst>
-        </p:spPr>
-      </p:pic>
-      <p:pic>
-        <p:nvPicPr>
-          <p:cNvPr id="3078" name="Picture 6" descr="Project Jupyter - Wikipedia">
-            <a:extLst>
-              <a:ext uri="{FF2B5EF4-FFF2-40B4-BE49-F238E27FC236}">
-                <a16:creationId xmlns:a16="http://schemas.microsoft.com/office/drawing/2014/main" id="{CD5F432D-C909-4287-9AEF-76EB923DE370}"/>
-              </a:ext>
-            </a:extLst>
-          </p:cNvPr>
-          <p:cNvPicPr>
-            <a:picLocks noChangeAspect="1" noChangeArrowheads="1"/>
-          </p:cNvPicPr>
-          <p:nvPr/>
-        </p:nvPicPr>
-        <p:blipFill>
-          <a:blip r:embed="rId6" cstate="print">
-            <a:extLst>
-              <a:ext uri="{28A0092B-C50C-407E-A947-70E740481C1C}">
-                <a14:useLocalDpi xmlns:a14="http://schemas.microsoft.com/office/drawing/2010/main" val="0"/>
-              </a:ext>
-            </a:extLst>
-          </a:blip>
-          <a:srcRect/>
-          <a:stretch>
-            <a:fillRect/>
-          </a:stretch>
-        </p:blipFill>
-        <p:spPr bwMode="auto">
-          <a:xfrm>
-            <a:off x="8967904" y="1882550"/>
-            <a:ext cx="2730958" cy="3165478"/>
-          </a:xfrm>
-          <a:prstGeom prst="rect">
-            <a:avLst/>
-          </a:prstGeom>
-          <a:noFill/>
-          <a:extLst>
-            <a:ext uri="{909E8E84-426E-40DD-AFC4-6F175D3DCCD1}">
-              <a14:hiddenFill xmlns:a14="http://schemas.microsoft.com/office/drawing/2010/main">
-                <a:solidFill>
-                  <a:srgbClr val="FFFFFF"/>
-                </a:solidFill>
-              </a14:hiddenFill>
-            </a:ext>
-          </a:extLst>
-        </p:spPr>
-      </p:pic>
-      <p:sp>
-        <p:nvSpPr>
-          <p:cNvPr id="13" name="TextBox 12">
-            <a:extLst>
-              <a:ext uri="{FF2B5EF4-FFF2-40B4-BE49-F238E27FC236}">
-                <a16:creationId xmlns:a16="http://schemas.microsoft.com/office/drawing/2014/main" id="{6DEA6594-3D2D-47D7-A4AB-E3B31A6DA3E8}"/>
-              </a:ext>
-            </a:extLst>
-          </p:cNvPr>
+      <p:sp>
+        <p:nvSpPr>
+          <p:cNvPr id="11" name="TextBox 10"/>
           <p:cNvSpPr txBox="1"/>
           <p:nvPr/>
         </p:nvSpPr>
         <p:spPr>
           <a:xfrm>
-            <a:off x="8721400" y="5139819"/>
-            <a:ext cx="3223967" cy="830997"/>
+            <a:off x="324091" y="1687545"/>
+            <a:ext cx="7986531" cy="523220"/>
           </a:xfrm>
           <a:prstGeom prst="rect">
             <a:avLst/>
@@ -8847,12 +8894,14 @@
           </a:bodyPr>
           <a:lstStyle/>
           <a:p>
-            <a:pPr algn="ctr"/>
-            <a:r>
-              <a:rPr lang="en-US" sz="2400" dirty="0">
-                <a:latin typeface="Pragmatica" pitchFamily="2" charset="0"/>
-              </a:rPr>
-              <a:t>The browser-based app</a:t>
+            <a:r>
+              <a:rPr lang="en-US" sz="2800" b="1" dirty="0">
+                <a:solidFill>
+                  <a:srgbClr val="707070"/>
+                </a:solidFill>
+                <a:latin typeface="Pragmatica" panose="020B0403040502020204" pitchFamily="34" charset="0"/>
+              </a:rPr>
+              <a:t>Questions?</a:t>
             </a:r>
           </a:p>
         </p:txBody>
@@ -8860,7 +8909,7 @@
     </p:spTree>
     <p:extLst>
       <p:ext uri="{BB962C8B-B14F-4D97-AF65-F5344CB8AC3E}">
-        <p14:creationId xmlns:p14="http://schemas.microsoft.com/office/powerpoint/2010/main" val="2683574786"/>
+        <p14:creationId xmlns:p14="http://schemas.microsoft.com/office/powerpoint/2010/main" val="513475310"/>
       </p:ext>
     </p:extLst>
   </p:cSld>
@@ -8895,8 +8944,8 @@
         </p:nvSpPr>
         <p:spPr>
           <a:xfrm>
-            <a:off x="6574420" y="0"/>
-            <a:ext cx="5617580" cy="6858000"/>
+            <a:off x="0" y="0"/>
+            <a:ext cx="12192000" cy="6858000"/>
           </a:xfrm>
           <a:prstGeom prst="rect">
             <a:avLst/>
@@ -8938,8 +8987,8 @@
         </p:nvSpPr>
         <p:spPr>
           <a:xfrm>
-            <a:off x="6817489" y="0"/>
-            <a:ext cx="4120587" cy="1446550"/>
+            <a:off x="520861" y="393539"/>
+            <a:ext cx="10324617" cy="1107996"/>
           </a:xfrm>
           <a:prstGeom prst="rect">
             <a:avLst/>
@@ -8953,320 +9002,13 @@
           <a:lstStyle/>
           <a:p>
             <a:r>
-              <a:rPr lang="en-US" sz="8800" dirty="0">
+              <a:rPr lang="en-US" sz="6600" b="1" dirty="0">
                 <a:solidFill>
                   <a:schemeClr val="bg1"/>
                 </a:solidFill>
-                <a:latin typeface="Aliens &amp; cows" panose="00000500000000000000" pitchFamily="2" charset="0"/>
-              </a:rPr>
-              <a:t>Demo</a:t>
-            </a:r>
-          </a:p>
-        </p:txBody>
-      </p:sp>
-      <p:pic>
-        <p:nvPicPr>
-          <p:cNvPr id="2" name="Picture 1"/>
-          <p:cNvPicPr>
-            <a:picLocks noChangeAspect="1"/>
-          </p:cNvPicPr>
-          <p:nvPr/>
-        </p:nvPicPr>
-        <p:blipFill rotWithShape="1">
-          <a:blip r:embed="rId3">
-            <a:extLst>
-              <a:ext uri="{28A0092B-C50C-407E-A947-70E740481C1C}">
-                <a14:useLocalDpi xmlns:a14="http://schemas.microsoft.com/office/drawing/2010/main" val="0"/>
-              </a:ext>
-            </a:extLst>
-          </a:blip>
-          <a:srcRect l="69227" t="33418" r="20112" b="50548"/>
-          <a:stretch/>
-        </p:blipFill>
-        <p:spPr>
-          <a:xfrm>
-            <a:off x="10386349" y="5029795"/>
-            <a:ext cx="1805651" cy="1991719"/>
-          </a:xfrm>
-          <a:prstGeom prst="rect">
-            <a:avLst/>
-          </a:prstGeom>
-        </p:spPr>
-      </p:pic>
-      <p:sp>
-        <p:nvSpPr>
-          <p:cNvPr id="3" name="TextBox 2"/>
-          <p:cNvSpPr txBox="1"/>
-          <p:nvPr/>
-        </p:nvSpPr>
-        <p:spPr>
-          <a:xfrm>
-            <a:off x="173620" y="219919"/>
-            <a:ext cx="6285903" cy="1815882"/>
-          </a:xfrm>
-          <a:prstGeom prst="rect">
-            <a:avLst/>
-          </a:prstGeom>
-          <a:noFill/>
-        </p:spPr>
-        <p:txBody>
-          <a:bodyPr wrap="square" rtlCol="0">
-            <a:spAutoFit/>
-          </a:bodyPr>
-          <a:lstStyle/>
-          <a:p>
-            <a:r>
-              <a:rPr lang="en-US" sz="2800" b="1" dirty="0">
-                <a:solidFill>
-                  <a:srgbClr val="CF3338"/>
-                </a:solidFill>
                 <a:latin typeface="Pragmatica" pitchFamily="2" charset="0"/>
               </a:rPr>
-              <a:t>Navigate </a:t>
-            </a:r>
-            <a:r>
-              <a:rPr lang="en-US" sz="2800" b="1" dirty="0" err="1">
-                <a:solidFill>
-                  <a:srgbClr val="CF3338"/>
-                </a:solidFill>
-                <a:latin typeface="Pragmatica" pitchFamily="2" charset="0"/>
-              </a:rPr>
-              <a:t>Jupyter</a:t>
-            </a:r>
-            <a:r>
-              <a:rPr lang="en-US" sz="2800" b="1" dirty="0">
-                <a:solidFill>
-                  <a:srgbClr val="CF3338"/>
-                </a:solidFill>
-                <a:latin typeface="Pragmatica" pitchFamily="2" charset="0"/>
-              </a:rPr>
-              <a:t>, starting with 1 + 1</a:t>
-            </a:r>
-          </a:p>
-          <a:p>
-            <a:endParaRPr lang="en-US" sz="2800" b="1" dirty="0">
-              <a:solidFill>
-                <a:srgbClr val="CF3338"/>
-              </a:solidFill>
-              <a:latin typeface="Pragmatica" pitchFamily="2" charset="0"/>
-            </a:endParaRPr>
-          </a:p>
-          <a:p>
-            <a:r>
-              <a:rPr lang="en-US" sz="2800" b="1" dirty="0">
-                <a:solidFill>
-                  <a:srgbClr val="CF3338"/>
-                </a:solidFill>
-                <a:latin typeface="Pragmatica" pitchFamily="2" charset="0"/>
-              </a:rPr>
-              <a:t>File: Open a new </a:t>
-            </a:r>
-            <a:r>
-              <a:rPr lang="en-US" sz="2800" b="1" dirty="0">
-                <a:solidFill>
-                  <a:srgbClr val="CF3338"/>
-                </a:solidFill>
-                <a:latin typeface="Consolas" panose="020B0609020204030204" pitchFamily="49" charset="0"/>
-              </a:rPr>
-              <a:t>.</a:t>
-            </a:r>
-            <a:r>
-              <a:rPr lang="en-US" sz="2800" b="1" dirty="0" err="1">
-                <a:solidFill>
-                  <a:srgbClr val="CF3338"/>
-                </a:solidFill>
-                <a:latin typeface="Consolas" panose="020B0609020204030204" pitchFamily="49" charset="0"/>
-              </a:rPr>
-              <a:t>ipynb</a:t>
-            </a:r>
-            <a:r>
-              <a:rPr lang="en-US" sz="2800" b="1" dirty="0">
-                <a:solidFill>
-                  <a:srgbClr val="CF3338"/>
-                </a:solidFill>
-                <a:latin typeface="Pragmatica" pitchFamily="2" charset="0"/>
-              </a:rPr>
-              <a:t> notebook</a:t>
-            </a:r>
-          </a:p>
-        </p:txBody>
-      </p:sp>
-      <p:pic>
-        <p:nvPicPr>
-          <p:cNvPr id="9" name="Picture 8">
-            <a:extLst>
-              <a:ext uri="{FF2B5EF4-FFF2-40B4-BE49-F238E27FC236}">
-                <a16:creationId xmlns:a16="http://schemas.microsoft.com/office/drawing/2014/main" id="{54086B7D-6DA5-45E4-BFAC-565935D853D4}"/>
-              </a:ext>
-            </a:extLst>
-          </p:cNvPr>
-          <p:cNvPicPr>
-            <a:picLocks noChangeAspect="1"/>
-          </p:cNvPicPr>
-          <p:nvPr/>
-        </p:nvPicPr>
-        <p:blipFill>
-          <a:blip r:embed="rId4"/>
-          <a:stretch>
-            <a:fillRect/>
-          </a:stretch>
-        </p:blipFill>
-        <p:spPr>
-          <a:xfrm>
-            <a:off x="392397" y="3923670"/>
-            <a:ext cx="9856197" cy="2646866"/>
-          </a:xfrm>
-          <a:prstGeom prst="rect">
-            <a:avLst/>
-          </a:prstGeom>
-        </p:spPr>
-      </p:pic>
-      <p:pic>
-        <p:nvPicPr>
-          <p:cNvPr id="11" name="Picture 10">
-            <a:extLst>
-              <a:ext uri="{FF2B5EF4-FFF2-40B4-BE49-F238E27FC236}">
-                <a16:creationId xmlns:a16="http://schemas.microsoft.com/office/drawing/2014/main" id="{3CD83BF2-3603-4E70-91DF-99EE1A9BEFA8}"/>
-              </a:ext>
-            </a:extLst>
-          </p:cNvPr>
-          <p:cNvPicPr>
-            <a:picLocks noChangeAspect="1"/>
-          </p:cNvPicPr>
-          <p:nvPr/>
-        </p:nvPicPr>
-        <p:blipFill>
-          <a:blip r:embed="rId5"/>
-          <a:stretch>
-            <a:fillRect/>
-          </a:stretch>
-        </p:blipFill>
-        <p:spPr>
-          <a:xfrm>
-            <a:off x="579832" y="2099074"/>
-            <a:ext cx="4844484" cy="835256"/>
-          </a:xfrm>
-          <a:prstGeom prst="rect">
-            <a:avLst/>
-          </a:prstGeom>
-        </p:spPr>
-      </p:pic>
-      <p:sp>
-        <p:nvSpPr>
-          <p:cNvPr id="13" name="TextBox 12">
-            <a:extLst>
-              <a:ext uri="{FF2B5EF4-FFF2-40B4-BE49-F238E27FC236}">
-                <a16:creationId xmlns:a16="http://schemas.microsoft.com/office/drawing/2014/main" id="{15039CAE-3A25-441F-86F2-FB512EB8851E}"/>
-              </a:ext>
-            </a:extLst>
-          </p:cNvPr>
-          <p:cNvSpPr txBox="1"/>
-          <p:nvPr/>
-        </p:nvSpPr>
-        <p:spPr>
-          <a:xfrm>
-            <a:off x="5429963" y="4120693"/>
-            <a:ext cx="1963024" cy="523220"/>
-          </a:xfrm>
-          <a:prstGeom prst="rect">
-            <a:avLst/>
-          </a:prstGeom>
-          <a:noFill/>
-        </p:spPr>
-        <p:txBody>
-          <a:bodyPr wrap="square" rtlCol="0">
-            <a:spAutoFit/>
-          </a:bodyPr>
-          <a:lstStyle/>
-          <a:p>
-            <a:r>
-              <a:rPr lang="en-US" sz="2800" dirty="0">
-                <a:solidFill>
-                  <a:srgbClr val="CF3338"/>
-                </a:solidFill>
-                <a:latin typeface="Aliens &amp; cows" panose="00000500000000000000" pitchFamily="2" charset="0"/>
-              </a:rPr>
-              <a:t>Menu bar</a:t>
-            </a:r>
-          </a:p>
-        </p:txBody>
-      </p:sp>
-      <p:sp>
-        <p:nvSpPr>
-          <p:cNvPr id="14" name="TextBox 13">
-            <a:extLst>
-              <a:ext uri="{FF2B5EF4-FFF2-40B4-BE49-F238E27FC236}">
-                <a16:creationId xmlns:a16="http://schemas.microsoft.com/office/drawing/2014/main" id="{B4BC673B-ED2C-4075-A2A9-AF56F43DCED5}"/>
-              </a:ext>
-            </a:extLst>
-          </p:cNvPr>
-          <p:cNvSpPr txBox="1"/>
-          <p:nvPr/>
-        </p:nvSpPr>
-        <p:spPr>
-          <a:xfrm>
-            <a:off x="6091171" y="4522932"/>
-            <a:ext cx="1963024" cy="523220"/>
-          </a:xfrm>
-          <a:prstGeom prst="rect">
-            <a:avLst/>
-          </a:prstGeom>
-          <a:noFill/>
-        </p:spPr>
-        <p:txBody>
-          <a:bodyPr wrap="square" rtlCol="0">
-            <a:spAutoFit/>
-          </a:bodyPr>
-          <a:lstStyle/>
-          <a:p>
-            <a:r>
-              <a:rPr lang="en-US" sz="2800" dirty="0">
-                <a:solidFill>
-                  <a:srgbClr val="CF3338"/>
-                </a:solidFill>
-                <a:latin typeface="Aliens &amp; cows" panose="00000500000000000000" pitchFamily="2" charset="0"/>
-              </a:rPr>
-              <a:t>Toolbar</a:t>
-            </a:r>
-          </a:p>
-        </p:txBody>
-      </p:sp>
-      <p:sp>
-        <p:nvSpPr>
-          <p:cNvPr id="15" name="TextBox 14">
-            <a:extLst>
-              <a:ext uri="{FF2B5EF4-FFF2-40B4-BE49-F238E27FC236}">
-                <a16:creationId xmlns:a16="http://schemas.microsoft.com/office/drawing/2014/main" id="{65490B59-D9B7-4C84-BA19-C822A1B450EF}"/>
-              </a:ext>
-            </a:extLst>
-          </p:cNvPr>
-          <p:cNvSpPr txBox="1"/>
-          <p:nvPr/>
-        </p:nvSpPr>
-        <p:spPr>
-          <a:xfrm>
-            <a:off x="1933748" y="5247103"/>
-            <a:ext cx="1963024" cy="523220"/>
-          </a:xfrm>
-          <a:prstGeom prst="rect">
-            <a:avLst/>
-          </a:prstGeom>
-          <a:noFill/>
-        </p:spPr>
-        <p:txBody>
-          <a:bodyPr wrap="square" rtlCol="0">
-            <a:spAutoFit/>
-          </a:bodyPr>
-          <a:lstStyle/>
-          <a:p>
-            <a:r>
-              <a:rPr lang="en-US" sz="2800" dirty="0">
-                <a:solidFill>
-                  <a:srgbClr val="CF3338"/>
-                </a:solidFill>
-                <a:latin typeface="Aliens &amp; cows" panose="00000500000000000000" pitchFamily="2" charset="0"/>
-              </a:rPr>
-              <a:t>Code cell</a:t>
+              <a:t>Prancing into Python</a:t>
             </a:r>
           </a:p>
         </p:txBody>
@@ -9274,7 +9016,7 @@
     </p:spTree>
     <p:extLst>
       <p:ext uri="{BB962C8B-B14F-4D97-AF65-F5344CB8AC3E}">
-        <p14:creationId xmlns:p14="http://schemas.microsoft.com/office/powerpoint/2010/main" val="2286829880"/>
+        <p14:creationId xmlns:p14="http://schemas.microsoft.com/office/powerpoint/2010/main" val="1362530689"/>
       </p:ext>
     </p:extLst>
   </p:cSld>
@@ -9557,6 +9299,359 @@
           <a:chExt cx="0" cy="0"/>
         </a:xfrm>
       </p:grpSpPr>
+      <p:pic>
+        <p:nvPicPr>
+          <p:cNvPr id="10" name="Picture 9"/>
+          <p:cNvPicPr>
+            <a:picLocks noChangeAspect="1"/>
+          </p:cNvPicPr>
+          <p:nvPr/>
+        </p:nvPicPr>
+        <p:blipFill rotWithShape="1">
+          <a:blip r:embed="rId3">
+            <a:extLst>
+              <a:ext uri="{28A0092B-C50C-407E-A947-70E740481C1C}">
+                <a14:useLocalDpi xmlns:a14="http://schemas.microsoft.com/office/drawing/2010/main" val="0"/>
+              </a:ext>
+            </a:extLst>
+          </a:blip>
+          <a:srcRect l="50728" t="56371"/>
+          <a:stretch/>
+        </p:blipFill>
+        <p:spPr>
+          <a:xfrm>
+            <a:off x="10894024" y="5370653"/>
+            <a:ext cx="1297975" cy="1487348"/>
+          </a:xfrm>
+          <a:prstGeom prst="rect">
+            <a:avLst/>
+          </a:prstGeom>
+        </p:spPr>
+      </p:pic>
+      <p:sp>
+        <p:nvSpPr>
+          <p:cNvPr id="11" name="TextBox 10"/>
+          <p:cNvSpPr txBox="1"/>
+          <p:nvPr/>
+        </p:nvSpPr>
+        <p:spPr>
+          <a:xfrm>
+            <a:off x="347240" y="113388"/>
+            <a:ext cx="9799937" cy="1015663"/>
+          </a:xfrm>
+          <a:prstGeom prst="rect">
+            <a:avLst/>
+          </a:prstGeom>
+          <a:noFill/>
+        </p:spPr>
+        <p:txBody>
+          <a:bodyPr wrap="square" rtlCol="0">
+            <a:spAutoFit/>
+          </a:bodyPr>
+          <a:lstStyle/>
+          <a:p>
+            <a:r>
+              <a:rPr lang="en-US" sz="6000" dirty="0">
+                <a:latin typeface="Aliens &amp; cows" panose="00000500000000000000" pitchFamily="2" charset="0"/>
+              </a:rPr>
+              <a:t>Python+ Anaconda + </a:t>
+            </a:r>
+            <a:r>
+              <a:rPr lang="en-US" sz="6000" dirty="0" err="1">
+                <a:latin typeface="Aliens &amp; cows" panose="00000500000000000000" pitchFamily="2" charset="0"/>
+              </a:rPr>
+              <a:t>Jupyter</a:t>
+            </a:r>
+            <a:endParaRPr lang="en-US" sz="6000" dirty="0">
+              <a:latin typeface="Aliens &amp; cows" panose="00000500000000000000" pitchFamily="2" charset="0"/>
+            </a:endParaRPr>
+          </a:p>
+        </p:txBody>
+      </p:sp>
+      <p:sp>
+        <p:nvSpPr>
+          <p:cNvPr id="8" name="TextBox 7">
+            <a:extLst>
+              <a:ext uri="{FF2B5EF4-FFF2-40B4-BE49-F238E27FC236}">
+                <a16:creationId xmlns:a16="http://schemas.microsoft.com/office/drawing/2014/main" id="{11840D5C-3D15-43FA-828B-81755108AC4E}"/>
+              </a:ext>
+            </a:extLst>
+          </p:cNvPr>
+          <p:cNvSpPr txBox="1"/>
+          <p:nvPr/>
+        </p:nvSpPr>
+        <p:spPr>
+          <a:xfrm>
+            <a:off x="4211235" y="5048028"/>
+            <a:ext cx="3223967" cy="830997"/>
+          </a:xfrm>
+          <a:prstGeom prst="rect">
+            <a:avLst/>
+          </a:prstGeom>
+          <a:noFill/>
+        </p:spPr>
+        <p:txBody>
+          <a:bodyPr wrap="square" rtlCol="0">
+            <a:spAutoFit/>
+          </a:bodyPr>
+          <a:lstStyle/>
+          <a:p>
+            <a:pPr algn="ctr"/>
+            <a:r>
+              <a:rPr lang="en-US" sz="2400" dirty="0">
+                <a:latin typeface="Pragmatica" pitchFamily="2" charset="0"/>
+              </a:rPr>
+              <a:t>The distribution of code &amp; apps</a:t>
+            </a:r>
+          </a:p>
+        </p:txBody>
+      </p:sp>
+      <p:sp>
+        <p:nvSpPr>
+          <p:cNvPr id="12" name="TextBox 11">
+            <a:extLst>
+              <a:ext uri="{FF2B5EF4-FFF2-40B4-BE49-F238E27FC236}">
+                <a16:creationId xmlns:a16="http://schemas.microsoft.com/office/drawing/2014/main" id="{58B22640-98BF-4B6B-939E-E50C08DEC28C}"/>
+              </a:ext>
+            </a:extLst>
+          </p:cNvPr>
+          <p:cNvSpPr txBox="1"/>
+          <p:nvPr/>
+        </p:nvSpPr>
+        <p:spPr>
+          <a:xfrm>
+            <a:off x="334451" y="5139820"/>
+            <a:ext cx="3641931" cy="830997"/>
+          </a:xfrm>
+          <a:prstGeom prst="rect">
+            <a:avLst/>
+          </a:prstGeom>
+          <a:noFill/>
+        </p:spPr>
+        <p:txBody>
+          <a:bodyPr wrap="square">
+            <a:spAutoFit/>
+          </a:bodyPr>
+          <a:lstStyle/>
+          <a:p>
+            <a:r>
+              <a:rPr lang="en-US" sz="2400" dirty="0">
+                <a:latin typeface="Pragmatica" pitchFamily="2" charset="0"/>
+              </a:rPr>
+              <a:t>The (open) source code</a:t>
+            </a:r>
+          </a:p>
+        </p:txBody>
+      </p:sp>
+      <p:pic>
+        <p:nvPicPr>
+          <p:cNvPr id="3074" name="Picture 2">
+            <a:extLst>
+              <a:ext uri="{FF2B5EF4-FFF2-40B4-BE49-F238E27FC236}">
+                <a16:creationId xmlns:a16="http://schemas.microsoft.com/office/drawing/2014/main" id="{E3988C34-2EF3-4BC5-A72A-3F7595D4F9CB}"/>
+              </a:ext>
+            </a:extLst>
+          </p:cNvPr>
+          <p:cNvPicPr>
+            <a:picLocks noChangeAspect="1" noChangeArrowheads="1"/>
+          </p:cNvPicPr>
+          <p:nvPr/>
+        </p:nvPicPr>
+        <p:blipFill>
+          <a:blip r:embed="rId4" cstate="print">
+            <a:extLst>
+              <a:ext uri="{28A0092B-C50C-407E-A947-70E740481C1C}">
+                <a14:useLocalDpi xmlns:a14="http://schemas.microsoft.com/office/drawing/2010/main" val="0"/>
+              </a:ext>
+            </a:extLst>
+          </a:blip>
+          <a:srcRect/>
+          <a:stretch>
+            <a:fillRect/>
+          </a:stretch>
+        </p:blipFill>
+        <p:spPr bwMode="auto">
+          <a:xfrm>
+            <a:off x="418750" y="2407641"/>
+            <a:ext cx="2608976" cy="2608976"/>
+          </a:xfrm>
+          <a:prstGeom prst="rect">
+            <a:avLst/>
+          </a:prstGeom>
+          <a:noFill/>
+          <a:extLst>
+            <a:ext uri="{909E8E84-426E-40DD-AFC4-6F175D3DCCD1}">
+              <a14:hiddenFill xmlns:a14="http://schemas.microsoft.com/office/drawing/2010/main">
+                <a:solidFill>
+                  <a:srgbClr val="FFFFFF"/>
+                </a:solidFill>
+              </a14:hiddenFill>
+            </a:ext>
+          </a:extLst>
+        </p:spPr>
+      </p:pic>
+      <p:pic>
+        <p:nvPicPr>
+          <p:cNvPr id="3076" name="Picture 4" descr="Anaconda (Python distribution) - Wikipedia">
+            <a:extLst>
+              <a:ext uri="{FF2B5EF4-FFF2-40B4-BE49-F238E27FC236}">
+                <a16:creationId xmlns:a16="http://schemas.microsoft.com/office/drawing/2014/main" id="{68DA0063-7FE8-4DF8-994B-B10B1C977495}"/>
+              </a:ext>
+            </a:extLst>
+          </p:cNvPr>
+          <p:cNvPicPr>
+            <a:picLocks noChangeAspect="1" noChangeArrowheads="1"/>
+          </p:cNvPicPr>
+          <p:nvPr/>
+        </p:nvPicPr>
+        <p:blipFill>
+          <a:blip r:embed="rId5">
+            <a:extLst>
+              <a:ext uri="{28A0092B-C50C-407E-A947-70E740481C1C}">
+                <a14:useLocalDpi xmlns:a14="http://schemas.microsoft.com/office/drawing/2010/main" val="0"/>
+              </a:ext>
+            </a:extLst>
+          </a:blip>
+          <a:srcRect/>
+          <a:stretch>
+            <a:fillRect/>
+          </a:stretch>
+        </p:blipFill>
+        <p:spPr bwMode="auto">
+          <a:xfrm>
+            <a:off x="3698716" y="2576686"/>
+            <a:ext cx="4257675" cy="2124075"/>
+          </a:xfrm>
+          <a:prstGeom prst="rect">
+            <a:avLst/>
+          </a:prstGeom>
+          <a:noFill/>
+          <a:extLst>
+            <a:ext uri="{909E8E84-426E-40DD-AFC4-6F175D3DCCD1}">
+              <a14:hiddenFill xmlns:a14="http://schemas.microsoft.com/office/drawing/2010/main">
+                <a:solidFill>
+                  <a:srgbClr val="FFFFFF"/>
+                </a:solidFill>
+              </a14:hiddenFill>
+            </a:ext>
+          </a:extLst>
+        </p:spPr>
+      </p:pic>
+      <p:pic>
+        <p:nvPicPr>
+          <p:cNvPr id="3078" name="Picture 6" descr="Project Jupyter - Wikipedia">
+            <a:extLst>
+              <a:ext uri="{FF2B5EF4-FFF2-40B4-BE49-F238E27FC236}">
+                <a16:creationId xmlns:a16="http://schemas.microsoft.com/office/drawing/2014/main" id="{CD5F432D-C909-4287-9AEF-76EB923DE370}"/>
+              </a:ext>
+            </a:extLst>
+          </p:cNvPr>
+          <p:cNvPicPr>
+            <a:picLocks noChangeAspect="1" noChangeArrowheads="1"/>
+          </p:cNvPicPr>
+          <p:nvPr/>
+        </p:nvPicPr>
+        <p:blipFill>
+          <a:blip r:embed="rId6" cstate="print">
+            <a:extLst>
+              <a:ext uri="{28A0092B-C50C-407E-A947-70E740481C1C}">
+                <a14:useLocalDpi xmlns:a14="http://schemas.microsoft.com/office/drawing/2010/main" val="0"/>
+              </a:ext>
+            </a:extLst>
+          </a:blip>
+          <a:srcRect/>
+          <a:stretch>
+            <a:fillRect/>
+          </a:stretch>
+        </p:blipFill>
+        <p:spPr bwMode="auto">
+          <a:xfrm>
+            <a:off x="8967904" y="1882550"/>
+            <a:ext cx="2730958" cy="3165478"/>
+          </a:xfrm>
+          <a:prstGeom prst="rect">
+            <a:avLst/>
+          </a:prstGeom>
+          <a:noFill/>
+          <a:extLst>
+            <a:ext uri="{909E8E84-426E-40DD-AFC4-6F175D3DCCD1}">
+              <a14:hiddenFill xmlns:a14="http://schemas.microsoft.com/office/drawing/2010/main">
+                <a:solidFill>
+                  <a:srgbClr val="FFFFFF"/>
+                </a:solidFill>
+              </a14:hiddenFill>
+            </a:ext>
+          </a:extLst>
+        </p:spPr>
+      </p:pic>
+      <p:sp>
+        <p:nvSpPr>
+          <p:cNvPr id="13" name="TextBox 12">
+            <a:extLst>
+              <a:ext uri="{FF2B5EF4-FFF2-40B4-BE49-F238E27FC236}">
+                <a16:creationId xmlns:a16="http://schemas.microsoft.com/office/drawing/2014/main" id="{6DEA6594-3D2D-47D7-A4AB-E3B31A6DA3E8}"/>
+              </a:ext>
+            </a:extLst>
+          </p:cNvPr>
+          <p:cNvSpPr txBox="1"/>
+          <p:nvPr/>
+        </p:nvSpPr>
+        <p:spPr>
+          <a:xfrm>
+            <a:off x="8721400" y="5139819"/>
+            <a:ext cx="3223967" cy="830997"/>
+          </a:xfrm>
+          <a:prstGeom prst="rect">
+            <a:avLst/>
+          </a:prstGeom>
+          <a:noFill/>
+        </p:spPr>
+        <p:txBody>
+          <a:bodyPr wrap="square" rtlCol="0">
+            <a:spAutoFit/>
+          </a:bodyPr>
+          <a:lstStyle/>
+          <a:p>
+            <a:pPr algn="ctr"/>
+            <a:r>
+              <a:rPr lang="en-US" sz="2400" dirty="0">
+                <a:latin typeface="Pragmatica" pitchFamily="2" charset="0"/>
+              </a:rPr>
+              <a:t>The browser-based app</a:t>
+            </a:r>
+          </a:p>
+        </p:txBody>
+      </p:sp>
+    </p:spTree>
+    <p:extLst>
+      <p:ext uri="{BB962C8B-B14F-4D97-AF65-F5344CB8AC3E}">
+        <p14:creationId xmlns:p14="http://schemas.microsoft.com/office/powerpoint/2010/main" val="2683574786"/>
+      </p:ext>
+    </p:extLst>
+  </p:cSld>
+  <p:clrMapOvr>
+    <a:masterClrMapping/>
+  </p:clrMapOvr>
+</p:sld>
+</file>
+
+<file path=ppt/slides/slide21.xml><?xml version="1.0" encoding="utf-8"?>
+<p:sld xmlns:a="http://schemas.openxmlformats.org/drawingml/2006/main" xmlns:r="http://schemas.openxmlformats.org/officeDocument/2006/relationships" xmlns:p="http://schemas.openxmlformats.org/presentationml/2006/main">
+  <p:cSld>
+    <p:spTree>
+      <p:nvGrpSpPr>
+        <p:cNvPr id="1" name=""/>
+        <p:cNvGrpSpPr/>
+        <p:nvPr/>
+      </p:nvGrpSpPr>
+      <p:grpSpPr>
+        <a:xfrm>
+          <a:off x="0" y="0"/>
+          <a:ext cx="0" cy="0"/>
+          <a:chOff x="0" y="0"/>
+          <a:chExt cx="0" cy="0"/>
+        </a:xfrm>
+      </p:grpSpPr>
       <p:sp>
         <p:nvSpPr>
           <p:cNvPr id="4" name="Rectangle 3"/>
@@ -9672,6 +9767,420 @@
         <p:spPr>
           <a:xfrm>
             <a:off x="173620" y="219919"/>
+            <a:ext cx="6285903" cy="1815882"/>
+          </a:xfrm>
+          <a:prstGeom prst="rect">
+            <a:avLst/>
+          </a:prstGeom>
+          <a:noFill/>
+        </p:spPr>
+        <p:txBody>
+          <a:bodyPr wrap="square" rtlCol="0">
+            <a:spAutoFit/>
+          </a:bodyPr>
+          <a:lstStyle/>
+          <a:p>
+            <a:r>
+              <a:rPr lang="en-US" sz="2800" b="1" dirty="0">
+                <a:solidFill>
+                  <a:srgbClr val="CF3338"/>
+                </a:solidFill>
+                <a:latin typeface="Pragmatica" pitchFamily="2" charset="0"/>
+              </a:rPr>
+              <a:t>Navigate </a:t>
+            </a:r>
+            <a:r>
+              <a:rPr lang="en-US" sz="2800" b="1" dirty="0" err="1">
+                <a:solidFill>
+                  <a:srgbClr val="CF3338"/>
+                </a:solidFill>
+                <a:latin typeface="Pragmatica" pitchFamily="2" charset="0"/>
+              </a:rPr>
+              <a:t>Jupyter</a:t>
+            </a:r>
+            <a:r>
+              <a:rPr lang="en-US" sz="2800" b="1" dirty="0">
+                <a:solidFill>
+                  <a:srgbClr val="CF3338"/>
+                </a:solidFill>
+                <a:latin typeface="Pragmatica" pitchFamily="2" charset="0"/>
+              </a:rPr>
+              <a:t>, starting with 1 + 1</a:t>
+            </a:r>
+          </a:p>
+          <a:p>
+            <a:endParaRPr lang="en-US" sz="2800" b="1" dirty="0">
+              <a:solidFill>
+                <a:srgbClr val="CF3338"/>
+              </a:solidFill>
+              <a:latin typeface="Pragmatica" pitchFamily="2" charset="0"/>
+            </a:endParaRPr>
+          </a:p>
+          <a:p>
+            <a:r>
+              <a:rPr lang="en-US" sz="2800" b="1" dirty="0">
+                <a:solidFill>
+                  <a:srgbClr val="CF3338"/>
+                </a:solidFill>
+                <a:latin typeface="Pragmatica" pitchFamily="2" charset="0"/>
+              </a:rPr>
+              <a:t>File: Open a new </a:t>
+            </a:r>
+            <a:r>
+              <a:rPr lang="en-US" sz="2800" b="1" dirty="0">
+                <a:solidFill>
+                  <a:srgbClr val="CF3338"/>
+                </a:solidFill>
+                <a:latin typeface="Consolas" panose="020B0609020204030204" pitchFamily="49" charset="0"/>
+              </a:rPr>
+              <a:t>.</a:t>
+            </a:r>
+            <a:r>
+              <a:rPr lang="en-US" sz="2800" b="1" dirty="0" err="1">
+                <a:solidFill>
+                  <a:srgbClr val="CF3338"/>
+                </a:solidFill>
+                <a:latin typeface="Consolas" panose="020B0609020204030204" pitchFamily="49" charset="0"/>
+              </a:rPr>
+              <a:t>ipynb</a:t>
+            </a:r>
+            <a:r>
+              <a:rPr lang="en-US" sz="2800" b="1" dirty="0">
+                <a:solidFill>
+                  <a:srgbClr val="CF3338"/>
+                </a:solidFill>
+                <a:latin typeface="Pragmatica" pitchFamily="2" charset="0"/>
+              </a:rPr>
+              <a:t> notebook</a:t>
+            </a:r>
+          </a:p>
+        </p:txBody>
+      </p:sp>
+      <p:pic>
+        <p:nvPicPr>
+          <p:cNvPr id="9" name="Picture 8">
+            <a:extLst>
+              <a:ext uri="{FF2B5EF4-FFF2-40B4-BE49-F238E27FC236}">
+                <a16:creationId xmlns:a16="http://schemas.microsoft.com/office/drawing/2014/main" id="{54086B7D-6DA5-45E4-BFAC-565935D853D4}"/>
+              </a:ext>
+            </a:extLst>
+          </p:cNvPr>
+          <p:cNvPicPr>
+            <a:picLocks noChangeAspect="1"/>
+          </p:cNvPicPr>
+          <p:nvPr/>
+        </p:nvPicPr>
+        <p:blipFill>
+          <a:blip r:embed="rId4"/>
+          <a:stretch>
+            <a:fillRect/>
+          </a:stretch>
+        </p:blipFill>
+        <p:spPr>
+          <a:xfrm>
+            <a:off x="392397" y="3923670"/>
+            <a:ext cx="9856197" cy="2646866"/>
+          </a:xfrm>
+          <a:prstGeom prst="rect">
+            <a:avLst/>
+          </a:prstGeom>
+        </p:spPr>
+      </p:pic>
+      <p:pic>
+        <p:nvPicPr>
+          <p:cNvPr id="11" name="Picture 10">
+            <a:extLst>
+              <a:ext uri="{FF2B5EF4-FFF2-40B4-BE49-F238E27FC236}">
+                <a16:creationId xmlns:a16="http://schemas.microsoft.com/office/drawing/2014/main" id="{3CD83BF2-3603-4E70-91DF-99EE1A9BEFA8}"/>
+              </a:ext>
+            </a:extLst>
+          </p:cNvPr>
+          <p:cNvPicPr>
+            <a:picLocks noChangeAspect="1"/>
+          </p:cNvPicPr>
+          <p:nvPr/>
+        </p:nvPicPr>
+        <p:blipFill>
+          <a:blip r:embed="rId5"/>
+          <a:stretch>
+            <a:fillRect/>
+          </a:stretch>
+        </p:blipFill>
+        <p:spPr>
+          <a:xfrm>
+            <a:off x="579832" y="2099074"/>
+            <a:ext cx="4844484" cy="835256"/>
+          </a:xfrm>
+          <a:prstGeom prst="rect">
+            <a:avLst/>
+          </a:prstGeom>
+        </p:spPr>
+      </p:pic>
+      <p:sp>
+        <p:nvSpPr>
+          <p:cNvPr id="13" name="TextBox 12">
+            <a:extLst>
+              <a:ext uri="{FF2B5EF4-FFF2-40B4-BE49-F238E27FC236}">
+                <a16:creationId xmlns:a16="http://schemas.microsoft.com/office/drawing/2014/main" id="{15039CAE-3A25-441F-86F2-FB512EB8851E}"/>
+              </a:ext>
+            </a:extLst>
+          </p:cNvPr>
+          <p:cNvSpPr txBox="1"/>
+          <p:nvPr/>
+        </p:nvSpPr>
+        <p:spPr>
+          <a:xfrm>
+            <a:off x="5429963" y="4120693"/>
+            <a:ext cx="1963024" cy="523220"/>
+          </a:xfrm>
+          <a:prstGeom prst="rect">
+            <a:avLst/>
+          </a:prstGeom>
+          <a:noFill/>
+        </p:spPr>
+        <p:txBody>
+          <a:bodyPr wrap="square" rtlCol="0">
+            <a:spAutoFit/>
+          </a:bodyPr>
+          <a:lstStyle/>
+          <a:p>
+            <a:r>
+              <a:rPr lang="en-US" sz="2800" dirty="0">
+                <a:solidFill>
+                  <a:srgbClr val="CF3338"/>
+                </a:solidFill>
+                <a:latin typeface="Aliens &amp; cows" panose="00000500000000000000" pitchFamily="2" charset="0"/>
+              </a:rPr>
+              <a:t>Menu bar</a:t>
+            </a:r>
+          </a:p>
+        </p:txBody>
+      </p:sp>
+      <p:sp>
+        <p:nvSpPr>
+          <p:cNvPr id="14" name="TextBox 13">
+            <a:extLst>
+              <a:ext uri="{FF2B5EF4-FFF2-40B4-BE49-F238E27FC236}">
+                <a16:creationId xmlns:a16="http://schemas.microsoft.com/office/drawing/2014/main" id="{B4BC673B-ED2C-4075-A2A9-AF56F43DCED5}"/>
+              </a:ext>
+            </a:extLst>
+          </p:cNvPr>
+          <p:cNvSpPr txBox="1"/>
+          <p:nvPr/>
+        </p:nvSpPr>
+        <p:spPr>
+          <a:xfrm>
+            <a:off x="6091171" y="4522932"/>
+            <a:ext cx="1963024" cy="523220"/>
+          </a:xfrm>
+          <a:prstGeom prst="rect">
+            <a:avLst/>
+          </a:prstGeom>
+          <a:noFill/>
+        </p:spPr>
+        <p:txBody>
+          <a:bodyPr wrap="square" rtlCol="0">
+            <a:spAutoFit/>
+          </a:bodyPr>
+          <a:lstStyle/>
+          <a:p>
+            <a:r>
+              <a:rPr lang="en-US" sz="2800" dirty="0">
+                <a:solidFill>
+                  <a:srgbClr val="CF3338"/>
+                </a:solidFill>
+                <a:latin typeface="Aliens &amp; cows" panose="00000500000000000000" pitchFamily="2" charset="0"/>
+              </a:rPr>
+              <a:t>Toolbar</a:t>
+            </a:r>
+          </a:p>
+        </p:txBody>
+      </p:sp>
+      <p:sp>
+        <p:nvSpPr>
+          <p:cNvPr id="15" name="TextBox 14">
+            <a:extLst>
+              <a:ext uri="{FF2B5EF4-FFF2-40B4-BE49-F238E27FC236}">
+                <a16:creationId xmlns:a16="http://schemas.microsoft.com/office/drawing/2014/main" id="{65490B59-D9B7-4C84-BA19-C822A1B450EF}"/>
+              </a:ext>
+            </a:extLst>
+          </p:cNvPr>
+          <p:cNvSpPr txBox="1"/>
+          <p:nvPr/>
+        </p:nvSpPr>
+        <p:spPr>
+          <a:xfrm>
+            <a:off x="1933748" y="5247103"/>
+            <a:ext cx="1963024" cy="523220"/>
+          </a:xfrm>
+          <a:prstGeom prst="rect">
+            <a:avLst/>
+          </a:prstGeom>
+          <a:noFill/>
+        </p:spPr>
+        <p:txBody>
+          <a:bodyPr wrap="square" rtlCol="0">
+            <a:spAutoFit/>
+          </a:bodyPr>
+          <a:lstStyle/>
+          <a:p>
+            <a:r>
+              <a:rPr lang="en-US" sz="2800" dirty="0">
+                <a:solidFill>
+                  <a:srgbClr val="CF3338"/>
+                </a:solidFill>
+                <a:latin typeface="Aliens &amp; cows" panose="00000500000000000000" pitchFamily="2" charset="0"/>
+              </a:rPr>
+              <a:t>Code cell</a:t>
+            </a:r>
+          </a:p>
+        </p:txBody>
+      </p:sp>
+    </p:spTree>
+    <p:extLst>
+      <p:ext uri="{BB962C8B-B14F-4D97-AF65-F5344CB8AC3E}">
+        <p14:creationId xmlns:p14="http://schemas.microsoft.com/office/powerpoint/2010/main" val="2286829880"/>
+      </p:ext>
+    </p:extLst>
+  </p:cSld>
+  <p:clrMapOvr>
+    <a:masterClrMapping/>
+  </p:clrMapOvr>
+</p:sld>
+</file>
+
+<file path=ppt/slides/slide22.xml><?xml version="1.0" encoding="utf-8"?>
+<p:sld xmlns:a="http://schemas.openxmlformats.org/drawingml/2006/main" xmlns:r="http://schemas.openxmlformats.org/officeDocument/2006/relationships" xmlns:p="http://schemas.openxmlformats.org/presentationml/2006/main">
+  <p:cSld>
+    <p:spTree>
+      <p:nvGrpSpPr>
+        <p:cNvPr id="1" name=""/>
+        <p:cNvGrpSpPr/>
+        <p:nvPr/>
+      </p:nvGrpSpPr>
+      <p:grpSpPr>
+        <a:xfrm>
+          <a:off x="0" y="0"/>
+          <a:ext cx="0" cy="0"/>
+          <a:chOff x="0" y="0"/>
+          <a:chExt cx="0" cy="0"/>
+        </a:xfrm>
+      </p:grpSpPr>
+      <p:sp>
+        <p:nvSpPr>
+          <p:cNvPr id="4" name="Rectangle 3"/>
+          <p:cNvSpPr/>
+          <p:nvPr/>
+        </p:nvSpPr>
+        <p:spPr>
+          <a:xfrm>
+            <a:off x="6574420" y="0"/>
+            <a:ext cx="5617580" cy="6858000"/>
+          </a:xfrm>
+          <a:prstGeom prst="rect">
+            <a:avLst/>
+          </a:prstGeom>
+          <a:solidFill>
+            <a:srgbClr val="CF3338"/>
+          </a:solidFill>
+        </p:spPr>
+        <p:style>
+          <a:lnRef idx="2">
+            <a:schemeClr val="accent1">
+              <a:shade val="50000"/>
+            </a:schemeClr>
+          </a:lnRef>
+          <a:fillRef idx="1">
+            <a:schemeClr val="accent1"/>
+          </a:fillRef>
+          <a:effectRef idx="0">
+            <a:schemeClr val="accent1"/>
+          </a:effectRef>
+          <a:fontRef idx="minor">
+            <a:schemeClr val="lt1"/>
+          </a:fontRef>
+        </p:style>
+        <p:txBody>
+          <a:bodyPr rtlCol="0" anchor="ctr"/>
+          <a:lstStyle/>
+          <a:p>
+            <a:pPr algn="ctr"/>
+            <a:endParaRPr lang="en-US"/>
+          </a:p>
+        </p:txBody>
+      </p:sp>
+      <p:sp>
+        <p:nvSpPr>
+          <p:cNvPr id="5" name="TextBox 4"/>
+          <p:cNvSpPr txBox="1"/>
+          <p:nvPr/>
+        </p:nvSpPr>
+        <p:spPr>
+          <a:xfrm>
+            <a:off x="6817489" y="0"/>
+            <a:ext cx="4120587" cy="1446550"/>
+          </a:xfrm>
+          <a:prstGeom prst="rect">
+            <a:avLst/>
+          </a:prstGeom>
+          <a:noFill/>
+        </p:spPr>
+        <p:txBody>
+          <a:bodyPr wrap="square" rtlCol="0">
+            <a:spAutoFit/>
+          </a:bodyPr>
+          <a:lstStyle/>
+          <a:p>
+            <a:r>
+              <a:rPr lang="en-US" sz="8800" dirty="0">
+                <a:solidFill>
+                  <a:schemeClr val="bg1"/>
+                </a:solidFill>
+                <a:latin typeface="Aliens &amp; cows" panose="00000500000000000000" pitchFamily="2" charset="0"/>
+              </a:rPr>
+              <a:t>Demo</a:t>
+            </a:r>
+          </a:p>
+        </p:txBody>
+      </p:sp>
+      <p:pic>
+        <p:nvPicPr>
+          <p:cNvPr id="2" name="Picture 1"/>
+          <p:cNvPicPr>
+            <a:picLocks noChangeAspect="1"/>
+          </p:cNvPicPr>
+          <p:nvPr/>
+        </p:nvPicPr>
+        <p:blipFill rotWithShape="1">
+          <a:blip r:embed="rId3">
+            <a:extLst>
+              <a:ext uri="{28A0092B-C50C-407E-A947-70E740481C1C}">
+                <a14:useLocalDpi xmlns:a14="http://schemas.microsoft.com/office/drawing/2010/main" val="0"/>
+              </a:ext>
+            </a:extLst>
+          </a:blip>
+          <a:srcRect l="69227" t="33418" r="20112" b="50548"/>
+          <a:stretch/>
+        </p:blipFill>
+        <p:spPr>
+          <a:xfrm>
+            <a:off x="10386349" y="5029795"/>
+            <a:ext cx="1805651" cy="1991719"/>
+          </a:xfrm>
+          <a:prstGeom prst="rect">
+            <a:avLst/>
+          </a:prstGeom>
+        </p:spPr>
+      </p:pic>
+      <p:sp>
+        <p:nvSpPr>
+          <p:cNvPr id="3" name="TextBox 2"/>
+          <p:cNvSpPr txBox="1"/>
+          <p:nvPr/>
+        </p:nvSpPr>
+        <p:spPr>
+          <a:xfrm>
+            <a:off x="173620" y="219919"/>
             <a:ext cx="6084567" cy="5262979"/>
           </a:xfrm>
           <a:prstGeom prst="rect">
@@ -9823,7 +10332,7 @@
 </p:sld>
 </file>
 
-<file path=ppt/slides/slide21.xml><?xml version="1.0" encoding="utf-8"?>
+<file path=ppt/slides/slide23.xml><?xml version="1.0" encoding="utf-8"?>
 <p:sld xmlns:a="http://schemas.openxmlformats.org/drawingml/2006/main" xmlns:r="http://schemas.openxmlformats.org/officeDocument/2006/relationships" xmlns:p="http://schemas.openxmlformats.org/presentationml/2006/main">
   <p:cSld>
     <p:spTree>
@@ -10138,7 +10647,7 @@
 </p:sld>
 </file>
 
-<file path=ppt/slides/slide22.xml><?xml version="1.0" encoding="utf-8"?>
+<file path=ppt/slides/slide24.xml><?xml version="1.0" encoding="utf-8"?>
 <p:sld xmlns:a="http://schemas.openxmlformats.org/drawingml/2006/main" xmlns:r="http://schemas.openxmlformats.org/officeDocument/2006/relationships" xmlns:p="http://schemas.openxmlformats.org/presentationml/2006/main">
   <p:cSld>
     <p:spTree>
@@ -10459,7 +10968,7 @@
 </p:sld>
 </file>
 
-<file path=ppt/slides/slide23.xml><?xml version="1.0" encoding="utf-8"?>
+<file path=ppt/slides/slide25.xml><?xml version="1.0" encoding="utf-8"?>
 <p:sld xmlns:a="http://schemas.openxmlformats.org/drawingml/2006/main" xmlns:r="http://schemas.openxmlformats.org/officeDocument/2006/relationships" xmlns:p="http://schemas.openxmlformats.org/presentationml/2006/main">
   <p:cSld>
     <p:spTree>
@@ -10582,7 +11091,7 @@
 </p:sld>
 </file>
 
-<file path=ppt/slides/slide24.xml><?xml version="1.0" encoding="utf-8"?>
+<file path=ppt/slides/slide26.xml><?xml version="1.0" encoding="utf-8"?>
 <p:sld xmlns:a="http://schemas.openxmlformats.org/drawingml/2006/main" xmlns:r="http://schemas.openxmlformats.org/officeDocument/2006/relationships" xmlns:p="http://schemas.openxmlformats.org/presentationml/2006/main">
   <p:cSld>
     <p:spTree>
@@ -10689,7 +11198,7 @@
 </p:sld>
 </file>
 
-<file path=ppt/slides/slide25.xml><?xml version="1.0" encoding="utf-8"?>
+<file path=ppt/slides/slide27.xml><?xml version="1.0" encoding="utf-8"?>
 <p:sld xmlns:a="http://schemas.openxmlformats.org/drawingml/2006/main" xmlns:r="http://schemas.openxmlformats.org/officeDocument/2006/relationships" xmlns:p="http://schemas.openxmlformats.org/presentationml/2006/main">
   <p:cSld>
     <p:spTree>
@@ -10985,7 +11494,7 @@
 </p:sld>
 </file>
 
-<file path=ppt/slides/slide26.xml><?xml version="1.0" encoding="utf-8"?>
+<file path=ppt/slides/slide28.xml><?xml version="1.0" encoding="utf-8"?>
 <p:sld xmlns:a="http://schemas.openxmlformats.org/drawingml/2006/main" xmlns:r="http://schemas.openxmlformats.org/officeDocument/2006/relationships" xmlns:p="http://schemas.openxmlformats.org/presentationml/2006/main">
   <p:cSld>
     <p:spTree>
@@ -11236,7 +11745,7 @@
 </p:sld>
 </file>
 
-<file path=ppt/slides/slide27.xml><?xml version="1.0" encoding="utf-8"?>
+<file path=ppt/slides/slide29.xml><?xml version="1.0" encoding="utf-8"?>
 <p:sld xmlns:a="http://schemas.openxmlformats.org/drawingml/2006/main" xmlns:r="http://schemas.openxmlformats.org/officeDocument/2006/relationships" xmlns:p="http://schemas.openxmlformats.org/presentationml/2006/main">
   <p:cSld>
     <p:spTree>
@@ -11400,386 +11909,6 @@
     <p:extLst>
       <p:ext uri="{BB962C8B-B14F-4D97-AF65-F5344CB8AC3E}">
         <p14:creationId xmlns:p14="http://schemas.microsoft.com/office/powerpoint/2010/main" val="1370879176"/>
-      </p:ext>
-    </p:extLst>
-  </p:cSld>
-  <p:clrMapOvr>
-    <a:masterClrMapping/>
-  </p:clrMapOvr>
-</p:sld>
-</file>
-
-<file path=ppt/slides/slide28.xml><?xml version="1.0" encoding="utf-8"?>
-<p:sld xmlns:a="http://schemas.openxmlformats.org/drawingml/2006/main" xmlns:r="http://schemas.openxmlformats.org/officeDocument/2006/relationships" xmlns:p="http://schemas.openxmlformats.org/presentationml/2006/main" show="0">
-  <p:cSld>
-    <p:spTree>
-      <p:nvGrpSpPr>
-        <p:cNvPr id="1" name=""/>
-        <p:cNvGrpSpPr/>
-        <p:nvPr/>
-      </p:nvGrpSpPr>
-      <p:grpSpPr>
-        <a:xfrm>
-          <a:off x="0" y="0"/>
-          <a:ext cx="0" cy="0"/>
-          <a:chOff x="0" y="0"/>
-          <a:chExt cx="0" cy="0"/>
-        </a:xfrm>
-      </p:grpSpPr>
-      <p:sp>
-        <p:nvSpPr>
-          <p:cNvPr id="4" name="Rectangle 3"/>
-          <p:cNvSpPr/>
-          <p:nvPr/>
-        </p:nvSpPr>
-        <p:spPr>
-          <a:xfrm>
-            <a:off x="0" y="0"/>
-            <a:ext cx="12192000" cy="6858000"/>
-          </a:xfrm>
-          <a:prstGeom prst="rect">
-            <a:avLst/>
-          </a:prstGeom>
-          <a:solidFill>
-            <a:srgbClr val="CF3338"/>
-          </a:solidFill>
-        </p:spPr>
-        <p:style>
-          <a:lnRef idx="2">
-            <a:schemeClr val="accent1">
-              <a:shade val="50000"/>
-            </a:schemeClr>
-          </a:lnRef>
-          <a:fillRef idx="1">
-            <a:schemeClr val="accent1"/>
-          </a:fillRef>
-          <a:effectRef idx="0">
-            <a:schemeClr val="accent1"/>
-          </a:effectRef>
-          <a:fontRef idx="minor">
-            <a:schemeClr val="lt1"/>
-          </a:fontRef>
-        </p:style>
-        <p:txBody>
-          <a:bodyPr rtlCol="0" anchor="ctr"/>
-          <a:lstStyle/>
-          <a:p>
-            <a:pPr algn="ctr"/>
-            <a:endParaRPr lang="en-US"/>
-          </a:p>
-        </p:txBody>
-      </p:sp>
-      <p:sp>
-        <p:nvSpPr>
-          <p:cNvPr id="5" name="TextBox 4"/>
-          <p:cNvSpPr txBox="1"/>
-          <p:nvPr/>
-        </p:nvSpPr>
-        <p:spPr>
-          <a:xfrm>
-            <a:off x="520861" y="393539"/>
-            <a:ext cx="10324617" cy="2123658"/>
-          </a:xfrm>
-          <a:prstGeom prst="rect">
-            <a:avLst/>
-          </a:prstGeom>
-          <a:noFill/>
-        </p:spPr>
-        <p:txBody>
-          <a:bodyPr wrap="square" rtlCol="0">
-            <a:spAutoFit/>
-          </a:bodyPr>
-          <a:lstStyle/>
-          <a:p>
-            <a:r>
-              <a:rPr lang="en-US" sz="6600" b="1" dirty="0">
-                <a:solidFill>
-                  <a:schemeClr val="bg1"/>
-                </a:solidFill>
-                <a:latin typeface="Pragmatica" pitchFamily="2" charset="0"/>
-              </a:rPr>
-              <a:t>The data world is your oyster shell</a:t>
-            </a:r>
-          </a:p>
-        </p:txBody>
-      </p:sp>
-    </p:spTree>
-    <p:extLst>
-      <p:ext uri="{BB962C8B-B14F-4D97-AF65-F5344CB8AC3E}">
-        <p14:creationId xmlns:p14="http://schemas.microsoft.com/office/powerpoint/2010/main" val="2372967872"/>
-      </p:ext>
-    </p:extLst>
-  </p:cSld>
-  <p:clrMapOvr>
-    <a:masterClrMapping/>
-  </p:clrMapOvr>
-</p:sld>
-</file>
-
-<file path=ppt/slides/slide29.xml><?xml version="1.0" encoding="utf-8"?>
-<p:sld xmlns:a="http://schemas.openxmlformats.org/drawingml/2006/main" xmlns:r="http://schemas.openxmlformats.org/officeDocument/2006/relationships" xmlns:p="http://schemas.openxmlformats.org/presentationml/2006/main" show="0">
-  <p:cSld>
-    <p:spTree>
-      <p:nvGrpSpPr>
-        <p:cNvPr id="1" name=""/>
-        <p:cNvGrpSpPr/>
-        <p:nvPr/>
-      </p:nvGrpSpPr>
-      <p:grpSpPr>
-        <a:xfrm>
-          <a:off x="0" y="0"/>
-          <a:ext cx="0" cy="0"/>
-          <a:chOff x="0" y="0"/>
-          <a:chExt cx="0" cy="0"/>
-        </a:xfrm>
-      </p:grpSpPr>
-      <p:sp>
-        <p:nvSpPr>
-          <p:cNvPr id="4" name="Rectangle 3"/>
-          <p:cNvSpPr/>
-          <p:nvPr/>
-        </p:nvSpPr>
-        <p:spPr>
-          <a:xfrm>
-            <a:off x="6574420" y="0"/>
-            <a:ext cx="5617580" cy="6858000"/>
-          </a:xfrm>
-          <a:prstGeom prst="rect">
-            <a:avLst/>
-          </a:prstGeom>
-          <a:solidFill>
-            <a:srgbClr val="CF3338"/>
-          </a:solidFill>
-        </p:spPr>
-        <p:style>
-          <a:lnRef idx="2">
-            <a:schemeClr val="accent1">
-              <a:shade val="50000"/>
-            </a:schemeClr>
-          </a:lnRef>
-          <a:fillRef idx="1">
-            <a:schemeClr val="accent1"/>
-          </a:fillRef>
-          <a:effectRef idx="0">
-            <a:schemeClr val="accent1"/>
-          </a:effectRef>
-          <a:fontRef idx="minor">
-            <a:schemeClr val="lt1"/>
-          </a:fontRef>
-        </p:style>
-        <p:txBody>
-          <a:bodyPr rtlCol="0" anchor="ctr"/>
-          <a:lstStyle/>
-          <a:p>
-            <a:pPr algn="ctr"/>
-            <a:endParaRPr lang="en-US"/>
-          </a:p>
-        </p:txBody>
-      </p:sp>
-      <p:sp>
-        <p:nvSpPr>
-          <p:cNvPr id="5" name="TextBox 4"/>
-          <p:cNvSpPr txBox="1"/>
-          <p:nvPr/>
-        </p:nvSpPr>
-        <p:spPr>
-          <a:xfrm>
-            <a:off x="6817489" y="0"/>
-            <a:ext cx="4120587" cy="1446550"/>
-          </a:xfrm>
-          <a:prstGeom prst="rect">
-            <a:avLst/>
-          </a:prstGeom>
-          <a:noFill/>
-        </p:spPr>
-        <p:txBody>
-          <a:bodyPr wrap="square" rtlCol="0">
-            <a:spAutoFit/>
-          </a:bodyPr>
-          <a:lstStyle/>
-          <a:p>
-            <a:r>
-              <a:rPr lang="en-US" sz="8800" dirty="0">
-                <a:solidFill>
-                  <a:schemeClr val="bg1"/>
-                </a:solidFill>
-                <a:latin typeface="Aliens &amp; cows" panose="00000500000000000000" pitchFamily="2" charset="0"/>
-              </a:rPr>
-              <a:t>Demo</a:t>
-            </a:r>
-          </a:p>
-        </p:txBody>
-      </p:sp>
-      <p:pic>
-        <p:nvPicPr>
-          <p:cNvPr id="2" name="Picture 1"/>
-          <p:cNvPicPr>
-            <a:picLocks noChangeAspect="1"/>
-          </p:cNvPicPr>
-          <p:nvPr/>
-        </p:nvPicPr>
-        <p:blipFill rotWithShape="1">
-          <a:blip r:embed="rId2">
-            <a:extLst>
-              <a:ext uri="{28A0092B-C50C-407E-A947-70E740481C1C}">
-                <a14:useLocalDpi xmlns:a14="http://schemas.microsoft.com/office/drawing/2010/main" val="0"/>
-              </a:ext>
-            </a:extLst>
-          </a:blip>
-          <a:srcRect l="69227" t="33418" r="20112" b="50548"/>
-          <a:stretch/>
-        </p:blipFill>
-        <p:spPr>
-          <a:xfrm>
-            <a:off x="10386349" y="5029795"/>
-            <a:ext cx="1805651" cy="1991719"/>
-          </a:xfrm>
-          <a:prstGeom prst="rect">
-            <a:avLst/>
-          </a:prstGeom>
-        </p:spPr>
-      </p:pic>
-      <p:sp>
-        <p:nvSpPr>
-          <p:cNvPr id="3" name="TextBox 2"/>
-          <p:cNvSpPr txBox="1"/>
-          <p:nvPr/>
-        </p:nvSpPr>
-        <p:spPr>
-          <a:xfrm>
-            <a:off x="173620" y="219919"/>
-            <a:ext cx="5937813" cy="3539430"/>
-          </a:xfrm>
-          <a:prstGeom prst="rect">
-            <a:avLst/>
-          </a:prstGeom>
-          <a:noFill/>
-        </p:spPr>
-        <p:txBody>
-          <a:bodyPr wrap="square" rtlCol="0">
-            <a:spAutoFit/>
-          </a:bodyPr>
-          <a:lstStyle/>
-          <a:p>
-            <a:r>
-              <a:rPr lang="en-US" sz="2800" b="1" dirty="0">
-                <a:solidFill>
-                  <a:srgbClr val="CF3338"/>
-                </a:solidFill>
-                <a:latin typeface="Pragmatica" pitchFamily="2" charset="0"/>
-              </a:rPr>
-              <a:t>Export an R regression to Excel</a:t>
-            </a:r>
-          </a:p>
-          <a:p>
-            <a:endParaRPr lang="en-US" sz="2800" b="1" dirty="0">
-              <a:solidFill>
-                <a:srgbClr val="CF3338"/>
-              </a:solidFill>
-              <a:latin typeface="Pragmatica" pitchFamily="2" charset="0"/>
-            </a:endParaRPr>
-          </a:p>
-          <a:p>
-            <a:pPr marL="514350" indent="-514350">
-              <a:buFont typeface="+mj-lt"/>
-              <a:buAutoNum type="arabicPeriod"/>
-            </a:pPr>
-            <a:r>
-              <a:rPr lang="en-US" sz="2800" b="1" dirty="0">
-                <a:solidFill>
-                  <a:srgbClr val="CF3338"/>
-                </a:solidFill>
-                <a:latin typeface="Pragmatica" pitchFamily="2" charset="0"/>
-              </a:rPr>
-              <a:t>Decoupling of platforms and applications</a:t>
-            </a:r>
-          </a:p>
-          <a:p>
-            <a:pPr marL="514350" indent="-514350">
-              <a:buFont typeface="+mj-lt"/>
-              <a:buAutoNum type="arabicPeriod"/>
-            </a:pPr>
-            <a:r>
-              <a:rPr lang="en-US" sz="2800" b="1" dirty="0">
-                <a:solidFill>
-                  <a:srgbClr val="CF3338"/>
-                </a:solidFill>
-                <a:latin typeface="Pragmatica" pitchFamily="2" charset="0"/>
-              </a:rPr>
-              <a:t>The magic of </a:t>
-            </a:r>
-            <a:r>
-              <a:rPr lang="en-US" sz="2800" b="1" dirty="0">
-                <a:solidFill>
-                  <a:srgbClr val="CF3338"/>
-                </a:solidFill>
-                <a:latin typeface="Consolas" panose="020B0609020204030204" pitchFamily="49" charset="0"/>
-              </a:rPr>
-              <a:t>ggplot2</a:t>
-            </a:r>
-            <a:r>
-              <a:rPr lang="en-US" sz="2800" b="1" dirty="0">
-                <a:solidFill>
-                  <a:srgbClr val="CF3338"/>
-                </a:solidFill>
-                <a:latin typeface="Pragmatica" pitchFamily="2" charset="0"/>
-              </a:rPr>
-              <a:t> visualizations</a:t>
-            </a:r>
-          </a:p>
-          <a:p>
-            <a:pPr marL="514350" indent="-514350">
-              <a:buFont typeface="+mj-lt"/>
-              <a:buAutoNum type="arabicPeriod"/>
-            </a:pPr>
-            <a:endParaRPr lang="en-US" sz="2800" b="1" dirty="0">
-              <a:solidFill>
-                <a:srgbClr val="CF3338"/>
-              </a:solidFill>
-              <a:latin typeface="Pragmatica" pitchFamily="2" charset="0"/>
-            </a:endParaRPr>
-          </a:p>
-          <a:p>
-            <a:r>
-              <a:rPr lang="en-US" sz="2800" b="1" dirty="0">
-                <a:solidFill>
-                  <a:srgbClr val="CF3338"/>
-                </a:solidFill>
-                <a:latin typeface="Pragmatica" pitchFamily="2" charset="0"/>
-              </a:rPr>
-              <a:t>File: </a:t>
-            </a:r>
-            <a:r>
-              <a:rPr lang="en-US" sz="2800" b="1" dirty="0">
-                <a:solidFill>
-                  <a:srgbClr val="CF3338"/>
-                </a:solidFill>
-                <a:latin typeface="Consolas" panose="020B0609020204030204" pitchFamily="49" charset="0"/>
-              </a:rPr>
-              <a:t>r-powered-</a:t>
-            </a:r>
-            <a:r>
-              <a:rPr lang="en-US" sz="2800" b="1" dirty="0" err="1">
-                <a:solidFill>
-                  <a:srgbClr val="CF3338"/>
-                </a:solidFill>
-                <a:latin typeface="Consolas" panose="020B0609020204030204" pitchFamily="49" charset="0"/>
-              </a:rPr>
-              <a:t>excel.ipynb</a:t>
-            </a:r>
-            <a:endParaRPr lang="en-US" sz="2800" b="1" dirty="0">
-              <a:solidFill>
-                <a:srgbClr val="CF3338"/>
-              </a:solidFill>
-              <a:latin typeface="Consolas" panose="020B0609020204030204" pitchFamily="49" charset="0"/>
-            </a:endParaRPr>
-          </a:p>
-        </p:txBody>
-      </p:sp>
-    </p:spTree>
-    <p:extLst>
-      <p:ext uri="{BB962C8B-B14F-4D97-AF65-F5344CB8AC3E}">
-        <p14:creationId xmlns:p14="http://schemas.microsoft.com/office/powerpoint/2010/main" val="3258214077"/>
       </p:ext>
     </p:extLst>
   </p:cSld>
@@ -11944,6 +12073,386 @@
 </p:sld>
 </file>
 
+<file path=ppt/slides/slide30.xml><?xml version="1.0" encoding="utf-8"?>
+<p:sld xmlns:a="http://schemas.openxmlformats.org/drawingml/2006/main" xmlns:r="http://schemas.openxmlformats.org/officeDocument/2006/relationships" xmlns:p="http://schemas.openxmlformats.org/presentationml/2006/main" show="0">
+  <p:cSld>
+    <p:spTree>
+      <p:nvGrpSpPr>
+        <p:cNvPr id="1" name=""/>
+        <p:cNvGrpSpPr/>
+        <p:nvPr/>
+      </p:nvGrpSpPr>
+      <p:grpSpPr>
+        <a:xfrm>
+          <a:off x="0" y="0"/>
+          <a:ext cx="0" cy="0"/>
+          <a:chOff x="0" y="0"/>
+          <a:chExt cx="0" cy="0"/>
+        </a:xfrm>
+      </p:grpSpPr>
+      <p:sp>
+        <p:nvSpPr>
+          <p:cNvPr id="4" name="Rectangle 3"/>
+          <p:cNvSpPr/>
+          <p:nvPr/>
+        </p:nvSpPr>
+        <p:spPr>
+          <a:xfrm>
+            <a:off x="0" y="0"/>
+            <a:ext cx="12192000" cy="6858000"/>
+          </a:xfrm>
+          <a:prstGeom prst="rect">
+            <a:avLst/>
+          </a:prstGeom>
+          <a:solidFill>
+            <a:srgbClr val="CF3338"/>
+          </a:solidFill>
+        </p:spPr>
+        <p:style>
+          <a:lnRef idx="2">
+            <a:schemeClr val="accent1">
+              <a:shade val="50000"/>
+            </a:schemeClr>
+          </a:lnRef>
+          <a:fillRef idx="1">
+            <a:schemeClr val="accent1"/>
+          </a:fillRef>
+          <a:effectRef idx="0">
+            <a:schemeClr val="accent1"/>
+          </a:effectRef>
+          <a:fontRef idx="minor">
+            <a:schemeClr val="lt1"/>
+          </a:fontRef>
+        </p:style>
+        <p:txBody>
+          <a:bodyPr rtlCol="0" anchor="ctr"/>
+          <a:lstStyle/>
+          <a:p>
+            <a:pPr algn="ctr"/>
+            <a:endParaRPr lang="en-US"/>
+          </a:p>
+        </p:txBody>
+      </p:sp>
+      <p:sp>
+        <p:nvSpPr>
+          <p:cNvPr id="5" name="TextBox 4"/>
+          <p:cNvSpPr txBox="1"/>
+          <p:nvPr/>
+        </p:nvSpPr>
+        <p:spPr>
+          <a:xfrm>
+            <a:off x="520861" y="393539"/>
+            <a:ext cx="10324617" cy="2123658"/>
+          </a:xfrm>
+          <a:prstGeom prst="rect">
+            <a:avLst/>
+          </a:prstGeom>
+          <a:noFill/>
+        </p:spPr>
+        <p:txBody>
+          <a:bodyPr wrap="square" rtlCol="0">
+            <a:spAutoFit/>
+          </a:bodyPr>
+          <a:lstStyle/>
+          <a:p>
+            <a:r>
+              <a:rPr lang="en-US" sz="6600" b="1" dirty="0">
+                <a:solidFill>
+                  <a:schemeClr val="bg1"/>
+                </a:solidFill>
+                <a:latin typeface="Pragmatica" pitchFamily="2" charset="0"/>
+              </a:rPr>
+              <a:t>The data world is your oyster shell</a:t>
+            </a:r>
+          </a:p>
+        </p:txBody>
+      </p:sp>
+    </p:spTree>
+    <p:extLst>
+      <p:ext uri="{BB962C8B-B14F-4D97-AF65-F5344CB8AC3E}">
+        <p14:creationId xmlns:p14="http://schemas.microsoft.com/office/powerpoint/2010/main" val="2372967872"/>
+      </p:ext>
+    </p:extLst>
+  </p:cSld>
+  <p:clrMapOvr>
+    <a:masterClrMapping/>
+  </p:clrMapOvr>
+</p:sld>
+</file>
+
+<file path=ppt/slides/slide31.xml><?xml version="1.0" encoding="utf-8"?>
+<p:sld xmlns:a="http://schemas.openxmlformats.org/drawingml/2006/main" xmlns:r="http://schemas.openxmlformats.org/officeDocument/2006/relationships" xmlns:p="http://schemas.openxmlformats.org/presentationml/2006/main" show="0">
+  <p:cSld>
+    <p:spTree>
+      <p:nvGrpSpPr>
+        <p:cNvPr id="1" name=""/>
+        <p:cNvGrpSpPr/>
+        <p:nvPr/>
+      </p:nvGrpSpPr>
+      <p:grpSpPr>
+        <a:xfrm>
+          <a:off x="0" y="0"/>
+          <a:ext cx="0" cy="0"/>
+          <a:chOff x="0" y="0"/>
+          <a:chExt cx="0" cy="0"/>
+        </a:xfrm>
+      </p:grpSpPr>
+      <p:sp>
+        <p:nvSpPr>
+          <p:cNvPr id="4" name="Rectangle 3"/>
+          <p:cNvSpPr/>
+          <p:nvPr/>
+        </p:nvSpPr>
+        <p:spPr>
+          <a:xfrm>
+            <a:off x="6574420" y="0"/>
+            <a:ext cx="5617580" cy="6858000"/>
+          </a:xfrm>
+          <a:prstGeom prst="rect">
+            <a:avLst/>
+          </a:prstGeom>
+          <a:solidFill>
+            <a:srgbClr val="CF3338"/>
+          </a:solidFill>
+        </p:spPr>
+        <p:style>
+          <a:lnRef idx="2">
+            <a:schemeClr val="accent1">
+              <a:shade val="50000"/>
+            </a:schemeClr>
+          </a:lnRef>
+          <a:fillRef idx="1">
+            <a:schemeClr val="accent1"/>
+          </a:fillRef>
+          <a:effectRef idx="0">
+            <a:schemeClr val="accent1"/>
+          </a:effectRef>
+          <a:fontRef idx="minor">
+            <a:schemeClr val="lt1"/>
+          </a:fontRef>
+        </p:style>
+        <p:txBody>
+          <a:bodyPr rtlCol="0" anchor="ctr"/>
+          <a:lstStyle/>
+          <a:p>
+            <a:pPr algn="ctr"/>
+            <a:endParaRPr lang="en-US"/>
+          </a:p>
+        </p:txBody>
+      </p:sp>
+      <p:sp>
+        <p:nvSpPr>
+          <p:cNvPr id="5" name="TextBox 4"/>
+          <p:cNvSpPr txBox="1"/>
+          <p:nvPr/>
+        </p:nvSpPr>
+        <p:spPr>
+          <a:xfrm>
+            <a:off x="6817489" y="0"/>
+            <a:ext cx="4120587" cy="1446550"/>
+          </a:xfrm>
+          <a:prstGeom prst="rect">
+            <a:avLst/>
+          </a:prstGeom>
+          <a:noFill/>
+        </p:spPr>
+        <p:txBody>
+          <a:bodyPr wrap="square" rtlCol="0">
+            <a:spAutoFit/>
+          </a:bodyPr>
+          <a:lstStyle/>
+          <a:p>
+            <a:r>
+              <a:rPr lang="en-US" sz="8800" dirty="0">
+                <a:solidFill>
+                  <a:schemeClr val="bg1"/>
+                </a:solidFill>
+                <a:latin typeface="Aliens &amp; cows" panose="00000500000000000000" pitchFamily="2" charset="0"/>
+              </a:rPr>
+              <a:t>Demo</a:t>
+            </a:r>
+          </a:p>
+        </p:txBody>
+      </p:sp>
+      <p:pic>
+        <p:nvPicPr>
+          <p:cNvPr id="2" name="Picture 1"/>
+          <p:cNvPicPr>
+            <a:picLocks noChangeAspect="1"/>
+          </p:cNvPicPr>
+          <p:nvPr/>
+        </p:nvPicPr>
+        <p:blipFill rotWithShape="1">
+          <a:blip r:embed="rId2">
+            <a:extLst>
+              <a:ext uri="{28A0092B-C50C-407E-A947-70E740481C1C}">
+                <a14:useLocalDpi xmlns:a14="http://schemas.microsoft.com/office/drawing/2010/main" val="0"/>
+              </a:ext>
+            </a:extLst>
+          </a:blip>
+          <a:srcRect l="69227" t="33418" r="20112" b="50548"/>
+          <a:stretch/>
+        </p:blipFill>
+        <p:spPr>
+          <a:xfrm>
+            <a:off x="10386349" y="5029795"/>
+            <a:ext cx="1805651" cy="1991719"/>
+          </a:xfrm>
+          <a:prstGeom prst="rect">
+            <a:avLst/>
+          </a:prstGeom>
+        </p:spPr>
+      </p:pic>
+      <p:sp>
+        <p:nvSpPr>
+          <p:cNvPr id="3" name="TextBox 2"/>
+          <p:cNvSpPr txBox="1"/>
+          <p:nvPr/>
+        </p:nvSpPr>
+        <p:spPr>
+          <a:xfrm>
+            <a:off x="173620" y="219919"/>
+            <a:ext cx="5937813" cy="3539430"/>
+          </a:xfrm>
+          <a:prstGeom prst="rect">
+            <a:avLst/>
+          </a:prstGeom>
+          <a:noFill/>
+        </p:spPr>
+        <p:txBody>
+          <a:bodyPr wrap="square" rtlCol="0">
+            <a:spAutoFit/>
+          </a:bodyPr>
+          <a:lstStyle/>
+          <a:p>
+            <a:r>
+              <a:rPr lang="en-US" sz="2800" b="1" dirty="0">
+                <a:solidFill>
+                  <a:srgbClr val="CF3338"/>
+                </a:solidFill>
+                <a:latin typeface="Pragmatica" pitchFamily="2" charset="0"/>
+              </a:rPr>
+              <a:t>Export an R regression to Excel</a:t>
+            </a:r>
+          </a:p>
+          <a:p>
+            <a:endParaRPr lang="en-US" sz="2800" b="1" dirty="0">
+              <a:solidFill>
+                <a:srgbClr val="CF3338"/>
+              </a:solidFill>
+              <a:latin typeface="Pragmatica" pitchFamily="2" charset="0"/>
+            </a:endParaRPr>
+          </a:p>
+          <a:p>
+            <a:pPr marL="514350" indent="-514350">
+              <a:buFont typeface="+mj-lt"/>
+              <a:buAutoNum type="arabicPeriod"/>
+            </a:pPr>
+            <a:r>
+              <a:rPr lang="en-US" sz="2800" b="1" dirty="0">
+                <a:solidFill>
+                  <a:srgbClr val="CF3338"/>
+                </a:solidFill>
+                <a:latin typeface="Pragmatica" pitchFamily="2" charset="0"/>
+              </a:rPr>
+              <a:t>Decoupling of platforms and applications</a:t>
+            </a:r>
+          </a:p>
+          <a:p>
+            <a:pPr marL="514350" indent="-514350">
+              <a:buFont typeface="+mj-lt"/>
+              <a:buAutoNum type="arabicPeriod"/>
+            </a:pPr>
+            <a:r>
+              <a:rPr lang="en-US" sz="2800" b="1" dirty="0">
+                <a:solidFill>
+                  <a:srgbClr val="CF3338"/>
+                </a:solidFill>
+                <a:latin typeface="Pragmatica" pitchFamily="2" charset="0"/>
+              </a:rPr>
+              <a:t>The magic of </a:t>
+            </a:r>
+            <a:r>
+              <a:rPr lang="en-US" sz="2800" b="1" dirty="0">
+                <a:solidFill>
+                  <a:srgbClr val="CF3338"/>
+                </a:solidFill>
+                <a:latin typeface="Consolas" panose="020B0609020204030204" pitchFamily="49" charset="0"/>
+              </a:rPr>
+              <a:t>ggplot2</a:t>
+            </a:r>
+            <a:r>
+              <a:rPr lang="en-US" sz="2800" b="1" dirty="0">
+                <a:solidFill>
+                  <a:srgbClr val="CF3338"/>
+                </a:solidFill>
+                <a:latin typeface="Pragmatica" pitchFamily="2" charset="0"/>
+              </a:rPr>
+              <a:t> visualizations</a:t>
+            </a:r>
+          </a:p>
+          <a:p>
+            <a:pPr marL="514350" indent="-514350">
+              <a:buFont typeface="+mj-lt"/>
+              <a:buAutoNum type="arabicPeriod"/>
+            </a:pPr>
+            <a:endParaRPr lang="en-US" sz="2800" b="1" dirty="0">
+              <a:solidFill>
+                <a:srgbClr val="CF3338"/>
+              </a:solidFill>
+              <a:latin typeface="Pragmatica" pitchFamily="2" charset="0"/>
+            </a:endParaRPr>
+          </a:p>
+          <a:p>
+            <a:r>
+              <a:rPr lang="en-US" sz="2800" b="1" dirty="0">
+                <a:solidFill>
+                  <a:srgbClr val="CF3338"/>
+                </a:solidFill>
+                <a:latin typeface="Pragmatica" pitchFamily="2" charset="0"/>
+              </a:rPr>
+              <a:t>File: </a:t>
+            </a:r>
+            <a:r>
+              <a:rPr lang="en-US" sz="2800" b="1" dirty="0">
+                <a:solidFill>
+                  <a:srgbClr val="CF3338"/>
+                </a:solidFill>
+                <a:latin typeface="Consolas" panose="020B0609020204030204" pitchFamily="49" charset="0"/>
+              </a:rPr>
+              <a:t>r-powered-</a:t>
+            </a:r>
+            <a:r>
+              <a:rPr lang="en-US" sz="2800" b="1" dirty="0" err="1">
+                <a:solidFill>
+                  <a:srgbClr val="CF3338"/>
+                </a:solidFill>
+                <a:latin typeface="Consolas" panose="020B0609020204030204" pitchFamily="49" charset="0"/>
+              </a:rPr>
+              <a:t>excel.ipynb</a:t>
+            </a:r>
+            <a:endParaRPr lang="en-US" sz="2800" b="1" dirty="0">
+              <a:solidFill>
+                <a:srgbClr val="CF3338"/>
+              </a:solidFill>
+              <a:latin typeface="Consolas" panose="020B0609020204030204" pitchFamily="49" charset="0"/>
+            </a:endParaRPr>
+          </a:p>
+        </p:txBody>
+      </p:sp>
+    </p:spTree>
+    <p:extLst>
+      <p:ext uri="{BB962C8B-B14F-4D97-AF65-F5344CB8AC3E}">
+        <p14:creationId xmlns:p14="http://schemas.microsoft.com/office/powerpoint/2010/main" val="3258214077"/>
+      </p:ext>
+    </p:extLst>
+  </p:cSld>
+  <p:clrMapOvr>
+    <a:masterClrMapping/>
+  </p:clrMapOvr>
+</p:sld>
+</file>
+
 <file path=ppt/slides/slide4.xml><?xml version="1.0" encoding="utf-8"?>
 <p:sld xmlns:a="http://schemas.openxmlformats.org/drawingml/2006/main" xmlns:r="http://schemas.openxmlformats.org/officeDocument/2006/relationships" xmlns:p="http://schemas.openxmlformats.org/presentationml/2006/main">
   <p:cSld>
@@ -12101,59 +12610,45 @@
           <a:chExt cx="0" cy="0"/>
         </a:xfrm>
       </p:grpSpPr>
-      <p:sp>
-        <p:nvSpPr>
-          <p:cNvPr id="4" name="Rectangle 3"/>
-          <p:cNvSpPr/>
+      <p:pic>
+        <p:nvPicPr>
+          <p:cNvPr id="10" name="Picture 9"/>
+          <p:cNvPicPr>
+            <a:picLocks noChangeAspect="1"/>
+          </p:cNvPicPr>
           <p:nvPr/>
-        </p:nvSpPr>
-        <p:spPr>
-          <a:xfrm>
-            <a:off x="0" y="0"/>
-            <a:ext cx="12192000" cy="6858000"/>
-          </a:xfrm>
-          <a:prstGeom prst="rect">
-            <a:avLst/>
-          </a:prstGeom>
-          <a:solidFill>
-            <a:srgbClr val="CF3338"/>
-          </a:solidFill>
-        </p:spPr>
-        <p:style>
-          <a:lnRef idx="2">
-            <a:schemeClr val="accent1">
-              <a:shade val="50000"/>
-            </a:schemeClr>
-          </a:lnRef>
-          <a:fillRef idx="1">
-            <a:schemeClr val="accent1"/>
-          </a:fillRef>
-          <a:effectRef idx="0">
-            <a:schemeClr val="accent1"/>
-          </a:effectRef>
-          <a:fontRef idx="minor">
-            <a:schemeClr val="lt1"/>
-          </a:fontRef>
-        </p:style>
-        <p:txBody>
-          <a:bodyPr rtlCol="0" anchor="ctr"/>
-          <a:lstStyle/>
-          <a:p>
-            <a:pPr algn="ctr"/>
-            <a:endParaRPr lang="en-US"/>
-          </a:p>
-        </p:txBody>
-      </p:sp>
-      <p:sp>
-        <p:nvSpPr>
-          <p:cNvPr id="5" name="TextBox 4"/>
+        </p:nvPicPr>
+        <p:blipFill rotWithShape="1">
+          <a:blip r:embed="rId2">
+            <a:extLst>
+              <a:ext uri="{28A0092B-C50C-407E-A947-70E740481C1C}">
+                <a14:useLocalDpi xmlns:a14="http://schemas.microsoft.com/office/drawing/2010/main" val="0"/>
+              </a:ext>
+            </a:extLst>
+          </a:blip>
+          <a:srcRect l="50728" t="56371"/>
+          <a:stretch/>
+        </p:blipFill>
+        <p:spPr>
+          <a:xfrm>
+            <a:off x="10894024" y="5370653"/>
+            <a:ext cx="1297975" cy="1487348"/>
+          </a:xfrm>
+          <a:prstGeom prst="rect">
+            <a:avLst/>
+          </a:prstGeom>
+        </p:spPr>
+      </p:pic>
+      <p:sp>
+        <p:nvSpPr>
+          <p:cNvPr id="11" name="TextBox 10"/>
           <p:cNvSpPr txBox="1"/>
           <p:nvPr/>
         </p:nvSpPr>
         <p:spPr>
           <a:xfrm>
-            <a:off x="520861" y="393539"/>
-            <a:ext cx="10324617" cy="2123658"/>
+            <a:off x="347240" y="113388"/>
+            <a:ext cx="9799937" cy="1015663"/>
           </a:xfrm>
           <a:prstGeom prst="rect">
             <a:avLst/>
@@ -12167,21 +12662,133 @@
           <a:lstStyle/>
           <a:p>
             <a:r>
-              <a:rPr lang="en-US" sz="6600" b="1" dirty="0">
-                <a:solidFill>
-                  <a:schemeClr val="bg1"/>
-                </a:solidFill>
-                <a:latin typeface="Pragmatica" pitchFamily="2" charset="0"/>
-              </a:rPr>
-              <a:t>What is the data analytics stack?</a:t>
-            </a:r>
-          </a:p>
-        </p:txBody>
-      </p:sp>
+              <a:rPr lang="en-US" sz="6000" dirty="0">
+                <a:latin typeface="Aliens &amp; cows" panose="00000500000000000000" pitchFamily="2" charset="0"/>
+              </a:rPr>
+              <a:t>For a book… </a:t>
+            </a:r>
+          </a:p>
+        </p:txBody>
+      </p:sp>
+      <p:sp>
+        <p:nvSpPr>
+          <p:cNvPr id="3" name="TextBox 2"/>
+          <p:cNvSpPr txBox="1"/>
+          <p:nvPr/>
+        </p:nvSpPr>
+        <p:spPr>
+          <a:xfrm>
+            <a:off x="462987" y="1365813"/>
+            <a:ext cx="9595413" cy="523220"/>
+          </a:xfrm>
+          <a:prstGeom prst="rect">
+            <a:avLst/>
+          </a:prstGeom>
+          <a:noFill/>
+        </p:spPr>
+        <p:txBody>
+          <a:bodyPr wrap="square" rtlCol="0">
+            <a:spAutoFit/>
+          </a:bodyPr>
+          <a:lstStyle/>
+          <a:p>
+            <a:r>
+              <a:rPr lang="en-US" sz="2800" dirty="0">
+                <a:solidFill>
+                  <a:srgbClr val="707070"/>
+                </a:solidFill>
+                <a:latin typeface="Pragmatica" panose="020B0403040502020204" pitchFamily="34" charset="0"/>
+              </a:rPr>
+              <a:t>Name another city in Ohio</a:t>
+            </a:r>
+          </a:p>
+        </p:txBody>
+      </p:sp>
+      <p:sp>
+        <p:nvSpPr>
+          <p:cNvPr id="2" name="Rectangle 1">
+            <a:extLst>
+              <a:ext uri="{FF2B5EF4-FFF2-40B4-BE49-F238E27FC236}">
+                <a16:creationId xmlns:a16="http://schemas.microsoft.com/office/drawing/2014/main" id="{29914723-7292-44D5-827E-205A9D38F32F}"/>
+              </a:ext>
+            </a:extLst>
+          </p:cNvPr>
+          <p:cNvSpPr/>
+          <p:nvPr/>
+        </p:nvSpPr>
+        <p:spPr>
+          <a:xfrm>
+            <a:off x="0" y="6488668"/>
+            <a:ext cx="5786777" cy="369332"/>
+          </a:xfrm>
+          <a:prstGeom prst="rect">
+            <a:avLst/>
+          </a:prstGeom>
+        </p:spPr>
+        <p:txBody>
+          <a:bodyPr wrap="none">
+            <a:spAutoFit/>
+          </a:bodyPr>
+          <a:lstStyle/>
+          <a:p>
+            <a:r>
+              <a:rPr lang="en-US" dirty="0"/>
+              <a:t>https://kids.britannica.com/students/assembly/view/54743</a:t>
+            </a:r>
+          </a:p>
+        </p:txBody>
+      </p:sp>
+      <p:pic>
+        <p:nvPicPr>
+          <p:cNvPr id="1026" name="Picture 2" descr="Cleveland: location">
+            <a:extLst>
+              <a:ext uri="{FF2B5EF4-FFF2-40B4-BE49-F238E27FC236}">
+                <a16:creationId xmlns:a16="http://schemas.microsoft.com/office/drawing/2014/main" id="{FDA13857-889C-4F31-BC78-35F70F80F7A8}"/>
+              </a:ext>
+            </a:extLst>
+          </p:cNvPr>
+          <p:cNvPicPr>
+            <a:picLocks noChangeAspect="1" noChangeArrowheads="1"/>
+          </p:cNvPicPr>
+          <p:nvPr/>
+        </p:nvPicPr>
+        <p:blipFill>
+          <a:blip r:embed="rId3">
+            <a:extLst>
+              <a:ext uri="{28A0092B-C50C-407E-A947-70E740481C1C}">
+                <a14:useLocalDpi xmlns:a14="http://schemas.microsoft.com/office/drawing/2010/main" val="0"/>
+              </a:ext>
+            </a:extLst>
+          </a:blip>
+          <a:srcRect/>
+          <a:stretch>
+            <a:fillRect/>
+          </a:stretch>
+        </p:blipFill>
+        <p:spPr bwMode="auto">
+          <a:xfrm>
+            <a:off x="5581089" y="1011331"/>
+            <a:ext cx="6381750" cy="5238750"/>
+          </a:xfrm>
+          <a:prstGeom prst="rect">
+            <a:avLst/>
+          </a:prstGeom>
+          <a:noFill/>
+          <a:extLst>
+            <a:ext uri="{909E8E84-426E-40DD-AFC4-6F175D3DCCD1}">
+              <a14:hiddenFill xmlns:a14="http://schemas.microsoft.com/office/drawing/2010/main">
+                <a:solidFill>
+                  <a:srgbClr val="FFFFFF"/>
+                </a:solidFill>
+              </a14:hiddenFill>
+            </a:ext>
+          </a:extLst>
+        </p:spPr>
+      </p:pic>
     </p:spTree>
     <p:extLst>
       <p:ext uri="{BB962C8B-B14F-4D97-AF65-F5344CB8AC3E}">
-        <p14:creationId xmlns:p14="http://schemas.microsoft.com/office/powerpoint/2010/main" val="2967702006"/>
+        <p14:creationId xmlns:p14="http://schemas.microsoft.com/office/powerpoint/2010/main" val="866473016"/>
       </p:ext>
     </p:extLst>
   </p:cSld>
@@ -12217,7 +12824,7 @@
           <p:nvPr/>
         </p:nvPicPr>
         <p:blipFill rotWithShape="1">
-          <a:blip r:embed="rId3">
+          <a:blip r:embed="rId2">
             <a:extLst>
               <a:ext uri="{28A0092B-C50C-407E-A947-70E740481C1C}">
                 <a14:useLocalDpi xmlns:a14="http://schemas.microsoft.com/office/drawing/2010/main" val="0"/>
@@ -12263,63 +12870,21 @@
               <a:rPr lang="en-US" sz="6000" dirty="0">
                 <a:latin typeface="Aliens &amp; cows" panose="00000500000000000000" pitchFamily="2" charset="0"/>
               </a:rPr>
-              <a:t>Spare no tools… </a:t>
-            </a:r>
-          </a:p>
-        </p:txBody>
-      </p:sp>
-      <p:pic>
-        <p:nvPicPr>
-          <p:cNvPr id="4" name="Picture 3" descr="Diagram, text&#10;&#10;Description automatically generated">
-            <a:extLst>
-              <a:ext uri="{FF2B5EF4-FFF2-40B4-BE49-F238E27FC236}">
-                <a16:creationId xmlns:a16="http://schemas.microsoft.com/office/drawing/2014/main" id="{69888AE4-E6A5-42EE-8C41-9647CFF76E35}"/>
-              </a:ext>
-            </a:extLst>
-          </p:cNvPr>
-          <p:cNvPicPr>
-            <a:picLocks noChangeAspect="1"/>
-          </p:cNvPicPr>
-          <p:nvPr/>
-        </p:nvPicPr>
-        <p:blipFill>
-          <a:blip r:embed="rId4">
-            <a:extLst>
-              <a:ext uri="{28A0092B-C50C-407E-A947-70E740481C1C}">
-                <a14:useLocalDpi xmlns:a14="http://schemas.microsoft.com/office/drawing/2010/main" val="0"/>
-              </a:ext>
-            </a:extLst>
-          </a:blip>
-          <a:stretch>
-            <a:fillRect/>
-          </a:stretch>
-        </p:blipFill>
-        <p:spPr>
-          <a:xfrm>
-            <a:off x="1929935" y="1777154"/>
-            <a:ext cx="8555449" cy="4024138"/>
-          </a:xfrm>
-          <a:prstGeom prst="rect">
-            <a:avLst/>
-          </a:prstGeom>
-        </p:spPr>
-      </p:pic>
-      <p:sp>
-        <p:nvSpPr>
-          <p:cNvPr id="7" name="TextBox 6">
-            <a:extLst>
-              <a:ext uri="{FF2B5EF4-FFF2-40B4-BE49-F238E27FC236}">
-                <a16:creationId xmlns:a16="http://schemas.microsoft.com/office/drawing/2014/main" id="{CFAB272F-EC83-45BA-935F-DFBF5407D2B6}"/>
-              </a:ext>
-            </a:extLst>
-          </p:cNvPr>
+              <a:t>Preferred topics? (Vote here)</a:t>
+            </a:r>
+          </a:p>
+        </p:txBody>
+      </p:sp>
+      <p:sp>
+        <p:nvSpPr>
+          <p:cNvPr id="3" name="TextBox 2"/>
           <p:cNvSpPr txBox="1"/>
           <p:nvPr/>
         </p:nvSpPr>
         <p:spPr>
           <a:xfrm>
-            <a:off x="261704" y="6114327"/>
-            <a:ext cx="9493446" cy="369332"/>
+            <a:off x="462987" y="1365813"/>
+            <a:ext cx="9595413" cy="1815882"/>
           </a:xfrm>
           <a:prstGeom prst="rect">
             <a:avLst/>
@@ -12332,46 +12897,60 @@
           </a:bodyPr>
           <a:lstStyle/>
           <a:p>
-            <a:r>
-              <a:rPr lang="en-US" dirty="0">
-                <a:solidFill>
-                  <a:schemeClr val="bg1">
-                    <a:lumMod val="50000"/>
-                  </a:schemeClr>
-                </a:solidFill>
-                <a:latin typeface="Pragmatica" pitchFamily="2" charset="0"/>
-              </a:rPr>
-              <a:t>Mount, George. </a:t>
-            </a:r>
-            <a:r>
-              <a:rPr lang="en-US" i="1" dirty="0">
-                <a:solidFill>
-                  <a:schemeClr val="bg1">
-                    <a:lumMod val="50000"/>
-                  </a:schemeClr>
-                </a:solidFill>
-                <a:latin typeface="Pragmatica" pitchFamily="2" charset="0"/>
-              </a:rPr>
-              <a:t>Advancing into Analytics: From Excel to Python and R</a:t>
-            </a:r>
-            <a:r>
-              <a:rPr lang="en-US" dirty="0">
-                <a:solidFill>
-                  <a:schemeClr val="bg1">
-                    <a:lumMod val="50000"/>
-                  </a:schemeClr>
-                </a:solidFill>
-                <a:latin typeface="Pragmatica" pitchFamily="2" charset="0"/>
-              </a:rPr>
-              <a:t>. O’Reilly Media, 2021</a:t>
-            </a:r>
-            <a:endParaRPr lang="en-US" i="1" dirty="0">
+            <a:pPr marL="457200" indent="-457200">
+              <a:buFont typeface="Arial" panose="020B0604020202020204" pitchFamily="34" charset="0"/>
+              <a:buChar char="•"/>
+            </a:pPr>
+            <a:r>
+              <a:rPr lang="en-US" sz="2800" dirty="0">
+                <a:solidFill>
+                  <a:srgbClr val="707070"/>
+                </a:solidFill>
+                <a:latin typeface="Pragmatica" panose="020B0403040502020204" pitchFamily="34" charset="0"/>
+              </a:rPr>
+              <a:t>Foundations of Analytics in Excel</a:t>
+            </a:r>
+          </a:p>
+          <a:p>
+            <a:pPr marL="457200" indent="-457200">
+              <a:buFont typeface="Arial" panose="020B0604020202020204" pitchFamily="34" charset="0"/>
+              <a:buChar char="•"/>
+            </a:pPr>
+            <a:r>
+              <a:rPr lang="en-US" sz="2800" dirty="0">
+                <a:solidFill>
+                  <a:srgbClr val="707070"/>
+                </a:solidFill>
+                <a:latin typeface="Pragmatica" panose="020B0403040502020204" pitchFamily="34" charset="0"/>
+              </a:rPr>
+              <a:t>From Excel to R</a:t>
+            </a:r>
+          </a:p>
+          <a:p>
+            <a:pPr marL="457200" indent="-457200">
+              <a:buFont typeface="Arial" panose="020B0604020202020204" pitchFamily="34" charset="0"/>
+              <a:buChar char="•"/>
+            </a:pPr>
+            <a:r>
+              <a:rPr lang="en-US" sz="2800" dirty="0">
+                <a:solidFill>
+                  <a:srgbClr val="707070"/>
+                </a:solidFill>
+                <a:latin typeface="Pragmatica" panose="020B0403040502020204" pitchFamily="34" charset="0"/>
+              </a:rPr>
+              <a:t>From Excel to Python</a:t>
+            </a:r>
+          </a:p>
+          <a:p>
+            <a:pPr marL="285750" indent="-285750">
+              <a:buFont typeface="Arial" panose="020B0604020202020204" pitchFamily="34" charset="0"/>
+              <a:buChar char="•"/>
+            </a:pPr>
+            <a:endParaRPr lang="en-US" sz="2800" dirty="0">
               <a:solidFill>
-                <a:schemeClr val="bg1">
-                  <a:lumMod val="50000"/>
-                </a:schemeClr>
+                <a:srgbClr val="707070"/>
               </a:solidFill>
-              <a:latin typeface="Pragmatica" pitchFamily="2" charset="0"/>
+              <a:latin typeface="Pragmatica" panose="020B0403040502020204" pitchFamily="34" charset="0"/>
             </a:endParaRPr>
           </a:p>
         </p:txBody>
@@ -12379,7 +12958,7 @@
     </p:spTree>
     <p:extLst>
       <p:ext uri="{BB962C8B-B14F-4D97-AF65-F5344CB8AC3E}">
-        <p14:creationId xmlns:p14="http://schemas.microsoft.com/office/powerpoint/2010/main" val="3729633991"/>
+        <p14:creationId xmlns:p14="http://schemas.microsoft.com/office/powerpoint/2010/main" val="2320200950"/>
       </p:ext>
     </p:extLst>
   </p:cSld>
@@ -12406,341 +12985,23 @@
           <a:chExt cx="0" cy="0"/>
         </a:xfrm>
       </p:grpSpPr>
-      <p:pic>
-        <p:nvPicPr>
-          <p:cNvPr id="10" name="Picture 9"/>
-          <p:cNvPicPr>
-            <a:picLocks noChangeAspect="1"/>
-          </p:cNvPicPr>
-          <p:nvPr/>
-        </p:nvPicPr>
-        <p:blipFill rotWithShape="1">
-          <a:blip r:embed="rId3">
-            <a:extLst>
-              <a:ext uri="{28A0092B-C50C-407E-A947-70E740481C1C}">
-                <a14:useLocalDpi xmlns:a14="http://schemas.microsoft.com/office/drawing/2010/main" val="0"/>
-              </a:ext>
-            </a:extLst>
-          </a:blip>
-          <a:srcRect l="50728" t="56371"/>
-          <a:stretch/>
-        </p:blipFill>
-        <p:spPr>
-          <a:xfrm>
-            <a:off x="10894024" y="5370653"/>
-            <a:ext cx="1297975" cy="1487348"/>
-          </a:xfrm>
-          <a:prstGeom prst="rect">
-            <a:avLst/>
-          </a:prstGeom>
-        </p:spPr>
-      </p:pic>
-      <p:sp>
-        <p:nvSpPr>
-          <p:cNvPr id="11" name="TextBox 10"/>
-          <p:cNvSpPr txBox="1"/>
-          <p:nvPr/>
-        </p:nvSpPr>
-        <p:spPr>
-          <a:xfrm>
-            <a:off x="347240" y="113388"/>
-            <a:ext cx="11447363" cy="923330"/>
-          </a:xfrm>
-          <a:prstGeom prst="rect">
-            <a:avLst/>
-          </a:prstGeom>
-          <a:noFill/>
-        </p:spPr>
-        <p:txBody>
-          <a:bodyPr wrap="square" rtlCol="0">
-            <a:spAutoFit/>
-          </a:bodyPr>
-          <a:lstStyle/>
-          <a:p>
-            <a:r>
-              <a:rPr lang="en-US" sz="5400" dirty="0">
-                <a:latin typeface="Aliens &amp; cows" panose="00000500000000000000" pitchFamily="2" charset="0"/>
-              </a:rPr>
-              <a:t>Don’t take my word for it… </a:t>
-            </a:r>
-          </a:p>
-        </p:txBody>
-      </p:sp>
-      <p:pic>
-        <p:nvPicPr>
-          <p:cNvPr id="1026" name="Picture 2" descr="microsoft-loves-open-source">
-            <a:extLst>
-              <a:ext uri="{FF2B5EF4-FFF2-40B4-BE49-F238E27FC236}">
-                <a16:creationId xmlns:a16="http://schemas.microsoft.com/office/drawing/2014/main" id="{A931006F-21EE-492D-84E9-846695305C53}"/>
-              </a:ext>
-            </a:extLst>
-          </p:cNvPr>
-          <p:cNvPicPr>
-            <a:picLocks noChangeAspect="1" noChangeArrowheads="1"/>
-          </p:cNvPicPr>
-          <p:nvPr/>
-        </p:nvPicPr>
-        <p:blipFill>
-          <a:blip r:embed="rId4">
-            <a:extLst>
-              <a:ext uri="{28A0092B-C50C-407E-A947-70E740481C1C}">
-                <a14:useLocalDpi xmlns:a14="http://schemas.microsoft.com/office/drawing/2010/main" val="0"/>
-              </a:ext>
-            </a:extLst>
-          </a:blip>
-          <a:srcRect/>
-          <a:stretch>
-            <a:fillRect/>
-          </a:stretch>
-        </p:blipFill>
-        <p:spPr bwMode="auto">
-          <a:xfrm>
-            <a:off x="684888" y="1312010"/>
-            <a:ext cx="5074015" cy="947149"/>
-          </a:xfrm>
-          <a:prstGeom prst="rect">
-            <a:avLst/>
-          </a:prstGeom>
-          <a:noFill/>
-          <a:extLst>
-            <a:ext uri="{909E8E84-426E-40DD-AFC4-6F175D3DCCD1}">
-              <a14:hiddenFill xmlns:a14="http://schemas.microsoft.com/office/drawing/2010/main">
-                <a:solidFill>
-                  <a:srgbClr val="FFFFFF"/>
-                </a:solidFill>
-              </a14:hiddenFill>
-            </a:ext>
-          </a:extLst>
-        </p:spPr>
-      </p:pic>
-      <p:sp>
-        <p:nvSpPr>
-          <p:cNvPr id="3" name="TextBox 2">
-            <a:extLst>
-              <a:ext uri="{FF2B5EF4-FFF2-40B4-BE49-F238E27FC236}">
-                <a16:creationId xmlns:a16="http://schemas.microsoft.com/office/drawing/2014/main" id="{BA82E761-61F9-49F1-A2FF-47B99AA5E20E}"/>
-              </a:ext>
-            </a:extLst>
-          </p:cNvPr>
-          <p:cNvSpPr txBox="1"/>
-          <p:nvPr/>
-        </p:nvSpPr>
-        <p:spPr>
-          <a:xfrm>
-            <a:off x="347240" y="6098281"/>
-            <a:ext cx="9493446" cy="646331"/>
-          </a:xfrm>
-          <a:prstGeom prst="rect">
-            <a:avLst/>
-          </a:prstGeom>
-          <a:noFill/>
-        </p:spPr>
-        <p:txBody>
-          <a:bodyPr wrap="square" rtlCol="0">
-            <a:spAutoFit/>
-          </a:bodyPr>
-          <a:lstStyle/>
-          <a:p>
-            <a:r>
-              <a:rPr lang="en-US" dirty="0">
-                <a:solidFill>
-                  <a:schemeClr val="bg1">
-                    <a:lumMod val="50000"/>
-                  </a:schemeClr>
-                </a:solidFill>
-                <a:latin typeface="Pragmatica" pitchFamily="2" charset="0"/>
-              </a:rPr>
-              <a:t>https://docs.microsoft.com/en-us/archive/blogs/wikininjas/tnwiki-article-spotlight-consuming-azure-storages-python-sdk-using-ptvs</a:t>
-            </a:r>
-          </a:p>
-        </p:txBody>
-      </p:sp>
-      <p:sp>
-        <p:nvSpPr>
-          <p:cNvPr id="2" name="TextBox 1">
-            <a:extLst>
-              <a:ext uri="{FF2B5EF4-FFF2-40B4-BE49-F238E27FC236}">
-                <a16:creationId xmlns:a16="http://schemas.microsoft.com/office/drawing/2014/main" id="{F3C27099-A60E-45D4-A935-9582286243BF}"/>
-              </a:ext>
-            </a:extLst>
-          </p:cNvPr>
-          <p:cNvSpPr txBox="1"/>
-          <p:nvPr/>
-        </p:nvSpPr>
-        <p:spPr>
-          <a:xfrm>
-            <a:off x="8723136" y="827998"/>
-            <a:ext cx="3121624" cy="2862322"/>
-          </a:xfrm>
-          <a:prstGeom prst="rect">
-            <a:avLst/>
-          </a:prstGeom>
-          <a:noFill/>
-        </p:spPr>
-        <p:txBody>
-          <a:bodyPr wrap="square" rtlCol="0">
-            <a:spAutoFit/>
-          </a:bodyPr>
-          <a:lstStyle/>
-          <a:p>
-            <a:r>
-              <a:rPr lang="en-US" sz="3600" dirty="0">
-                <a:solidFill>
-                  <a:srgbClr val="707070"/>
-                </a:solidFill>
-                <a:latin typeface="Pragmatica" panose="020B7200000000000000" pitchFamily="34" charset="0"/>
-              </a:rPr>
-              <a:t>Free to</a:t>
-            </a:r>
-          </a:p>
-          <a:p>
-            <a:pPr marL="285750" indent="-285750">
-              <a:buFontTx/>
-              <a:buChar char="-"/>
-            </a:pPr>
-            <a:r>
-              <a:rPr lang="en-US" sz="3600" dirty="0">
-                <a:solidFill>
-                  <a:srgbClr val="707070"/>
-                </a:solidFill>
-                <a:latin typeface="Pragmatica" panose="020B7200000000000000" pitchFamily="34" charset="0"/>
-              </a:rPr>
-              <a:t>Use</a:t>
-            </a:r>
-          </a:p>
-          <a:p>
-            <a:pPr marL="285750" indent="-285750">
-              <a:buFontTx/>
-              <a:buChar char="-"/>
-            </a:pPr>
-            <a:r>
-              <a:rPr lang="en-US" sz="3600" dirty="0">
-                <a:solidFill>
-                  <a:srgbClr val="707070"/>
-                </a:solidFill>
-                <a:latin typeface="Pragmatica" panose="020B7200000000000000" pitchFamily="34" charset="0"/>
-              </a:rPr>
-              <a:t>Build on</a:t>
-            </a:r>
-          </a:p>
-          <a:p>
-            <a:pPr marL="285750" indent="-285750">
-              <a:buFontTx/>
-              <a:buChar char="-"/>
-            </a:pPr>
-            <a:r>
-              <a:rPr lang="en-US" sz="3600" dirty="0">
-                <a:solidFill>
-                  <a:srgbClr val="707070"/>
-                </a:solidFill>
-                <a:latin typeface="Pragmatica" panose="020B7200000000000000" pitchFamily="34" charset="0"/>
-              </a:rPr>
-              <a:t>Repurpose</a:t>
-            </a:r>
-          </a:p>
-          <a:p>
-            <a:pPr marL="285750" indent="-285750">
-              <a:buFontTx/>
-              <a:buChar char="-"/>
-            </a:pPr>
-            <a:r>
-              <a:rPr lang="en-US" sz="3600" dirty="0">
-                <a:solidFill>
-                  <a:srgbClr val="707070"/>
-                </a:solidFill>
-                <a:latin typeface="Pragmatica" panose="020B7200000000000000" pitchFamily="34" charset="0"/>
-              </a:rPr>
-              <a:t>Redistribute</a:t>
-            </a:r>
-          </a:p>
-        </p:txBody>
-      </p:sp>
-      <p:pic>
-        <p:nvPicPr>
-          <p:cNvPr id="7" name="Picture 6">
-            <a:extLst>
-              <a:ext uri="{FF2B5EF4-FFF2-40B4-BE49-F238E27FC236}">
-                <a16:creationId xmlns:a16="http://schemas.microsoft.com/office/drawing/2014/main" id="{4920552E-A6F1-442A-80A4-B59141A0871E}"/>
-              </a:ext>
-            </a:extLst>
-          </p:cNvPr>
-          <p:cNvPicPr>
-            <a:picLocks noChangeAspect="1"/>
-          </p:cNvPicPr>
-          <p:nvPr/>
-        </p:nvPicPr>
-        <p:blipFill>
-          <a:blip r:embed="rId5"/>
-          <a:stretch>
-            <a:fillRect/>
-          </a:stretch>
-        </p:blipFill>
-        <p:spPr>
-          <a:xfrm>
-            <a:off x="274588" y="2775420"/>
-            <a:ext cx="4991792" cy="2806600"/>
-          </a:xfrm>
-          <a:prstGeom prst="rect">
-            <a:avLst/>
-          </a:prstGeom>
-        </p:spPr>
-      </p:pic>
-      <p:pic>
-        <p:nvPicPr>
-          <p:cNvPr id="8" name="Picture 7">
-            <a:extLst>
-              <a:ext uri="{FF2B5EF4-FFF2-40B4-BE49-F238E27FC236}">
-                <a16:creationId xmlns:a16="http://schemas.microsoft.com/office/drawing/2014/main" id="{F7E2D9E8-C60B-45C7-983F-680E54250661}"/>
-              </a:ext>
-            </a:extLst>
-          </p:cNvPr>
-          <p:cNvPicPr>
-            <a:picLocks noChangeAspect="1"/>
-          </p:cNvPicPr>
-          <p:nvPr/>
-        </p:nvPicPr>
-        <p:blipFill>
-          <a:blip r:embed="rId6"/>
-          <a:stretch>
-            <a:fillRect/>
-          </a:stretch>
-        </p:blipFill>
-        <p:spPr>
-          <a:xfrm>
-            <a:off x="5842689" y="3807803"/>
-            <a:ext cx="3997997" cy="2136073"/>
-          </a:xfrm>
-          <a:prstGeom prst="rect">
-            <a:avLst/>
-          </a:prstGeom>
-        </p:spPr>
-      </p:pic>
-      <p:sp>
-        <p:nvSpPr>
-          <p:cNvPr id="4" name="Rectangle 3">
-            <a:extLst>
-              <a:ext uri="{FF2B5EF4-FFF2-40B4-BE49-F238E27FC236}">
-                <a16:creationId xmlns:a16="http://schemas.microsoft.com/office/drawing/2014/main" id="{59889E5F-8C2F-4391-A49E-D05F27FB4984}"/>
-              </a:ext>
-            </a:extLst>
-          </p:cNvPr>
+      <p:sp>
+        <p:nvSpPr>
+          <p:cNvPr id="4" name="Rectangle 3"/>
           <p:cNvSpPr/>
           <p:nvPr/>
         </p:nvSpPr>
         <p:spPr>
           <a:xfrm>
-            <a:off x="5909301" y="5582020"/>
-            <a:ext cx="923455" cy="302677"/>
-          </a:xfrm>
-          <a:prstGeom prst="rect">
-            <a:avLst/>
-          </a:prstGeom>
-          <a:noFill/>
-          <a:ln w="28575">
-            <a:solidFill>
-              <a:srgbClr val="CF3338"/>
-            </a:solidFill>
-          </a:ln>
+            <a:off x="0" y="0"/>
+            <a:ext cx="12192000" cy="6858000"/>
+          </a:xfrm>
+          <a:prstGeom prst="rect">
+            <a:avLst/>
+          </a:prstGeom>
+          <a:solidFill>
+            <a:srgbClr val="CF3338"/>
+          </a:solidFill>
         </p:spPr>
         <p:style>
           <a:lnRef idx="2">
@@ -12767,10 +13028,44 @@
           </a:p>
         </p:txBody>
       </p:sp>
+      <p:sp>
+        <p:nvSpPr>
+          <p:cNvPr id="5" name="TextBox 4"/>
+          <p:cNvSpPr txBox="1"/>
+          <p:nvPr/>
+        </p:nvSpPr>
+        <p:spPr>
+          <a:xfrm>
+            <a:off x="520861" y="393539"/>
+            <a:ext cx="10324617" cy="2123658"/>
+          </a:xfrm>
+          <a:prstGeom prst="rect">
+            <a:avLst/>
+          </a:prstGeom>
+          <a:noFill/>
+        </p:spPr>
+        <p:txBody>
+          <a:bodyPr wrap="square" rtlCol="0">
+            <a:spAutoFit/>
+          </a:bodyPr>
+          <a:lstStyle/>
+          <a:p>
+            <a:r>
+              <a:rPr lang="en-US" sz="6600" b="1" dirty="0">
+                <a:solidFill>
+                  <a:schemeClr val="bg1"/>
+                </a:solidFill>
+                <a:latin typeface="Pragmatica" pitchFamily="2" charset="0"/>
+              </a:rPr>
+              <a:t>What is the data analytics stack?</a:t>
+            </a:r>
+          </a:p>
+        </p:txBody>
+      </p:sp>
     </p:spTree>
     <p:extLst>
       <p:ext uri="{BB962C8B-B14F-4D97-AF65-F5344CB8AC3E}">
-        <p14:creationId xmlns:p14="http://schemas.microsoft.com/office/powerpoint/2010/main" val="1483565379"/>
+        <p14:creationId xmlns:p14="http://schemas.microsoft.com/office/powerpoint/2010/main" val="2967702006"/>
       </p:ext>
     </p:extLst>
   </p:cSld>
@@ -12852,21 +13147,63 @@
               <a:rPr lang="en-US" sz="6000" dirty="0">
                 <a:latin typeface="Aliens &amp; cows" panose="00000500000000000000" pitchFamily="2" charset="0"/>
               </a:rPr>
-              <a:t>The dialects of data</a:t>
-            </a:r>
-          </a:p>
-        </p:txBody>
-      </p:sp>
-      <p:sp>
-        <p:nvSpPr>
-          <p:cNvPr id="3" name="TextBox 2"/>
+              <a:t>Spare no tools… </a:t>
+            </a:r>
+          </a:p>
+        </p:txBody>
+      </p:sp>
+      <p:pic>
+        <p:nvPicPr>
+          <p:cNvPr id="4" name="Picture 3" descr="Diagram, text&#10;&#10;Description automatically generated">
+            <a:extLst>
+              <a:ext uri="{FF2B5EF4-FFF2-40B4-BE49-F238E27FC236}">
+                <a16:creationId xmlns:a16="http://schemas.microsoft.com/office/drawing/2014/main" id="{69888AE4-E6A5-42EE-8C41-9647CFF76E35}"/>
+              </a:ext>
+            </a:extLst>
+          </p:cNvPr>
+          <p:cNvPicPr>
+            <a:picLocks noChangeAspect="1"/>
+          </p:cNvPicPr>
+          <p:nvPr/>
+        </p:nvPicPr>
+        <p:blipFill>
+          <a:blip r:embed="rId4">
+            <a:extLst>
+              <a:ext uri="{28A0092B-C50C-407E-A947-70E740481C1C}">
+                <a14:useLocalDpi xmlns:a14="http://schemas.microsoft.com/office/drawing/2010/main" val="0"/>
+              </a:ext>
+            </a:extLst>
+          </a:blip>
+          <a:stretch>
+            <a:fillRect/>
+          </a:stretch>
+        </p:blipFill>
+        <p:spPr>
+          <a:xfrm>
+            <a:off x="1929935" y="1777154"/>
+            <a:ext cx="8555449" cy="4024138"/>
+          </a:xfrm>
+          <a:prstGeom prst="rect">
+            <a:avLst/>
+          </a:prstGeom>
+        </p:spPr>
+      </p:pic>
+      <p:sp>
+        <p:nvSpPr>
+          <p:cNvPr id="7" name="TextBox 6">
+            <a:extLst>
+              <a:ext uri="{FF2B5EF4-FFF2-40B4-BE49-F238E27FC236}">
+                <a16:creationId xmlns:a16="http://schemas.microsoft.com/office/drawing/2014/main" id="{CFAB272F-EC83-45BA-935F-DFBF5407D2B6}"/>
+              </a:ext>
+            </a:extLst>
+          </p:cNvPr>
           <p:cNvSpPr txBox="1"/>
           <p:nvPr/>
         </p:nvSpPr>
         <p:spPr>
           <a:xfrm>
-            <a:off x="449501" y="1377924"/>
-            <a:ext cx="9595413" cy="2677656"/>
+            <a:off x="261704" y="6114327"/>
+            <a:ext cx="9493446" cy="369332"/>
           </a:xfrm>
           <a:prstGeom prst="rect">
             <a:avLst/>
@@ -12879,90 +13216,46 @@
           </a:bodyPr>
           <a:lstStyle/>
           <a:p>
-            <a:pPr marL="457200" indent="-457200">
-              <a:buFont typeface="Arial" panose="020B0604020202020204" pitchFamily="34" charset="0"/>
-              <a:buChar char="•"/>
-            </a:pPr>
-            <a:r>
-              <a:rPr lang="en-US" sz="2800" dirty="0">
-                <a:solidFill>
-                  <a:srgbClr val="707070"/>
-                </a:solidFill>
-                <a:latin typeface="Pragmatica" panose="020B0403040502020204" pitchFamily="34" charset="0"/>
-              </a:rPr>
-              <a:t>Column-wise operations (Adding, dropping, calculating fields)</a:t>
-            </a:r>
-          </a:p>
-          <a:p>
-            <a:pPr marL="457200" indent="-457200">
-              <a:buFont typeface="Arial" panose="020B0604020202020204" pitchFamily="34" charset="0"/>
-              <a:buChar char="•"/>
-            </a:pPr>
-            <a:r>
-              <a:rPr lang="en-US" sz="2800" dirty="0">
-                <a:solidFill>
-                  <a:srgbClr val="707070"/>
-                </a:solidFill>
-                <a:latin typeface="Pragmatica" panose="020B0403040502020204" pitchFamily="34" charset="0"/>
-              </a:rPr>
-              <a:t>Row-wise operations (Sorting, filtering)</a:t>
-            </a:r>
-          </a:p>
-          <a:p>
-            <a:pPr marL="457200" indent="-457200">
-              <a:buFont typeface="Arial" panose="020B0604020202020204" pitchFamily="34" charset="0"/>
-              <a:buChar char="•"/>
-            </a:pPr>
-            <a:r>
-              <a:rPr lang="en-US" sz="2800" dirty="0">
-                <a:solidFill>
-                  <a:srgbClr val="707070"/>
-                </a:solidFill>
-                <a:latin typeface="Pragmatica" panose="020B0403040502020204" pitchFamily="34" charset="0"/>
-              </a:rPr>
-              <a:t>Aggregations (Grouping by, summarizing by)</a:t>
-            </a:r>
-          </a:p>
-          <a:p>
-            <a:pPr marL="457200" indent="-457200">
-              <a:buFont typeface="Arial" panose="020B0604020202020204" pitchFamily="34" charset="0"/>
-              <a:buChar char="•"/>
-            </a:pPr>
-            <a:r>
-              <a:rPr lang="en-US" sz="2800" dirty="0">
-                <a:solidFill>
-                  <a:srgbClr val="707070"/>
-                </a:solidFill>
-                <a:latin typeface="Pragmatica" panose="020B0403040502020204" pitchFamily="34" charset="0"/>
-              </a:rPr>
-              <a:t>Joining and merging</a:t>
-            </a:r>
-          </a:p>
-          <a:p>
-            <a:pPr marL="457200" indent="-457200">
-              <a:buFont typeface="Arial" panose="020B0604020202020204" pitchFamily="34" charset="0"/>
-              <a:buChar char="•"/>
-            </a:pPr>
-            <a:r>
-              <a:rPr lang="en-US" sz="2800" dirty="0">
-                <a:solidFill>
-                  <a:srgbClr val="707070"/>
-                </a:solidFill>
-                <a:latin typeface="Pragmatica" panose="020B0403040502020204" pitchFamily="34" charset="0"/>
-              </a:rPr>
-              <a:t>Re-shaping (pivoting and unpivoting)  </a:t>
-            </a:r>
-          </a:p>
-          <a:p>
-            <a:pPr marL="457200" indent="-457200">
-              <a:buFont typeface="Arial" panose="020B0604020202020204" pitchFamily="34" charset="0"/>
-              <a:buChar char="•"/>
-            </a:pPr>
-            <a:endParaRPr lang="en-US" sz="2800" dirty="0">
+            <a:r>
+              <a:rPr lang="en-US" dirty="0">
+                <a:solidFill>
+                  <a:schemeClr val="bg1">
+                    <a:lumMod val="50000"/>
+                  </a:schemeClr>
+                </a:solidFill>
+                <a:latin typeface="Pragmatica" pitchFamily="2" charset="0"/>
+              </a:rPr>
+              <a:t>Mount, George. </a:t>
+            </a:r>
+            <a:r>
+              <a:rPr lang="en-US" i="1" dirty="0">
+                <a:solidFill>
+                  <a:schemeClr val="bg1">
+                    <a:lumMod val="50000"/>
+                  </a:schemeClr>
+                </a:solidFill>
+                <a:latin typeface="Pragmatica" pitchFamily="2" charset="0"/>
+              </a:rPr>
+              <a:t>Advancing into Analytics: From Excel to Python and R</a:t>
+            </a:r>
+            <a:r>
+              <a:rPr lang="en-US" dirty="0">
+                <a:solidFill>
+                  <a:schemeClr val="bg1">
+                    <a:lumMod val="50000"/>
+                  </a:schemeClr>
+                </a:solidFill>
+                <a:latin typeface="Pragmatica" pitchFamily="2" charset="0"/>
+              </a:rPr>
+              <a:t>. O’Reilly Media, 2021</a:t>
+            </a:r>
+            <a:endParaRPr lang="en-US" i="1" dirty="0">
               <a:solidFill>
-                <a:srgbClr val="707070"/>
+                <a:schemeClr val="bg1">
+                  <a:lumMod val="50000"/>
+                </a:schemeClr>
               </a:solidFill>
-              <a:latin typeface="Pragmatica" panose="020B0403040502020204" pitchFamily="34" charset="0"/>
+              <a:latin typeface="Pragmatica" pitchFamily="2" charset="0"/>
             </a:endParaRPr>
           </a:p>
         </p:txBody>
@@ -12970,7 +13263,7 @@
     </p:spTree>
     <p:extLst>
       <p:ext uri="{BB962C8B-B14F-4D97-AF65-F5344CB8AC3E}">
-        <p14:creationId xmlns:p14="http://schemas.microsoft.com/office/powerpoint/2010/main" val="3641797094"/>
+        <p14:creationId xmlns:p14="http://schemas.microsoft.com/office/powerpoint/2010/main" val="3729633991"/>
       </p:ext>
     </p:extLst>
   </p:cSld>
@@ -12997,23 +13290,341 @@
           <a:chExt cx="0" cy="0"/>
         </a:xfrm>
       </p:grpSpPr>
-      <p:sp>
-        <p:nvSpPr>
-          <p:cNvPr id="4" name="Rectangle 3"/>
+      <p:pic>
+        <p:nvPicPr>
+          <p:cNvPr id="10" name="Picture 9"/>
+          <p:cNvPicPr>
+            <a:picLocks noChangeAspect="1"/>
+          </p:cNvPicPr>
+          <p:nvPr/>
+        </p:nvPicPr>
+        <p:blipFill rotWithShape="1">
+          <a:blip r:embed="rId3">
+            <a:extLst>
+              <a:ext uri="{28A0092B-C50C-407E-A947-70E740481C1C}">
+                <a14:useLocalDpi xmlns:a14="http://schemas.microsoft.com/office/drawing/2010/main" val="0"/>
+              </a:ext>
+            </a:extLst>
+          </a:blip>
+          <a:srcRect l="50728" t="56371"/>
+          <a:stretch/>
+        </p:blipFill>
+        <p:spPr>
+          <a:xfrm>
+            <a:off x="10894024" y="5370653"/>
+            <a:ext cx="1297975" cy="1487348"/>
+          </a:xfrm>
+          <a:prstGeom prst="rect">
+            <a:avLst/>
+          </a:prstGeom>
+        </p:spPr>
+      </p:pic>
+      <p:sp>
+        <p:nvSpPr>
+          <p:cNvPr id="11" name="TextBox 10"/>
+          <p:cNvSpPr txBox="1"/>
+          <p:nvPr/>
+        </p:nvSpPr>
+        <p:spPr>
+          <a:xfrm>
+            <a:off x="347240" y="113388"/>
+            <a:ext cx="11447363" cy="923330"/>
+          </a:xfrm>
+          <a:prstGeom prst="rect">
+            <a:avLst/>
+          </a:prstGeom>
+          <a:noFill/>
+        </p:spPr>
+        <p:txBody>
+          <a:bodyPr wrap="square" rtlCol="0">
+            <a:spAutoFit/>
+          </a:bodyPr>
+          <a:lstStyle/>
+          <a:p>
+            <a:r>
+              <a:rPr lang="en-US" sz="5400" dirty="0">
+                <a:latin typeface="Aliens &amp; cows" panose="00000500000000000000" pitchFamily="2" charset="0"/>
+              </a:rPr>
+              <a:t>Don’t take my word for it… </a:t>
+            </a:r>
+          </a:p>
+        </p:txBody>
+      </p:sp>
+      <p:pic>
+        <p:nvPicPr>
+          <p:cNvPr id="1026" name="Picture 2" descr="microsoft-loves-open-source">
+            <a:extLst>
+              <a:ext uri="{FF2B5EF4-FFF2-40B4-BE49-F238E27FC236}">
+                <a16:creationId xmlns:a16="http://schemas.microsoft.com/office/drawing/2014/main" id="{A931006F-21EE-492D-84E9-846695305C53}"/>
+              </a:ext>
+            </a:extLst>
+          </p:cNvPr>
+          <p:cNvPicPr>
+            <a:picLocks noChangeAspect="1" noChangeArrowheads="1"/>
+          </p:cNvPicPr>
+          <p:nvPr/>
+        </p:nvPicPr>
+        <p:blipFill>
+          <a:blip r:embed="rId4">
+            <a:extLst>
+              <a:ext uri="{28A0092B-C50C-407E-A947-70E740481C1C}">
+                <a14:useLocalDpi xmlns:a14="http://schemas.microsoft.com/office/drawing/2010/main" val="0"/>
+              </a:ext>
+            </a:extLst>
+          </a:blip>
+          <a:srcRect/>
+          <a:stretch>
+            <a:fillRect/>
+          </a:stretch>
+        </p:blipFill>
+        <p:spPr bwMode="auto">
+          <a:xfrm>
+            <a:off x="684888" y="1312010"/>
+            <a:ext cx="5074015" cy="947149"/>
+          </a:xfrm>
+          <a:prstGeom prst="rect">
+            <a:avLst/>
+          </a:prstGeom>
+          <a:noFill/>
+          <a:extLst>
+            <a:ext uri="{909E8E84-426E-40DD-AFC4-6F175D3DCCD1}">
+              <a14:hiddenFill xmlns:a14="http://schemas.microsoft.com/office/drawing/2010/main">
+                <a:solidFill>
+                  <a:srgbClr val="FFFFFF"/>
+                </a:solidFill>
+              </a14:hiddenFill>
+            </a:ext>
+          </a:extLst>
+        </p:spPr>
+      </p:pic>
+      <p:sp>
+        <p:nvSpPr>
+          <p:cNvPr id="3" name="TextBox 2">
+            <a:extLst>
+              <a:ext uri="{FF2B5EF4-FFF2-40B4-BE49-F238E27FC236}">
+                <a16:creationId xmlns:a16="http://schemas.microsoft.com/office/drawing/2014/main" id="{BA82E761-61F9-49F1-A2FF-47B99AA5E20E}"/>
+              </a:ext>
+            </a:extLst>
+          </p:cNvPr>
+          <p:cNvSpPr txBox="1"/>
+          <p:nvPr/>
+        </p:nvSpPr>
+        <p:spPr>
+          <a:xfrm>
+            <a:off x="347240" y="6098281"/>
+            <a:ext cx="9493446" cy="646331"/>
+          </a:xfrm>
+          <a:prstGeom prst="rect">
+            <a:avLst/>
+          </a:prstGeom>
+          <a:noFill/>
+        </p:spPr>
+        <p:txBody>
+          <a:bodyPr wrap="square" rtlCol="0">
+            <a:spAutoFit/>
+          </a:bodyPr>
+          <a:lstStyle/>
+          <a:p>
+            <a:r>
+              <a:rPr lang="en-US" dirty="0">
+                <a:solidFill>
+                  <a:schemeClr val="bg1">
+                    <a:lumMod val="50000"/>
+                  </a:schemeClr>
+                </a:solidFill>
+                <a:latin typeface="Pragmatica" pitchFamily="2" charset="0"/>
+              </a:rPr>
+              <a:t>https://docs.microsoft.com/en-us/archive/blogs/wikininjas/tnwiki-article-spotlight-consuming-azure-storages-python-sdk-using-ptvs</a:t>
+            </a:r>
+          </a:p>
+        </p:txBody>
+      </p:sp>
+      <p:sp>
+        <p:nvSpPr>
+          <p:cNvPr id="2" name="TextBox 1">
+            <a:extLst>
+              <a:ext uri="{FF2B5EF4-FFF2-40B4-BE49-F238E27FC236}">
+                <a16:creationId xmlns:a16="http://schemas.microsoft.com/office/drawing/2014/main" id="{F3C27099-A60E-45D4-A935-9582286243BF}"/>
+              </a:ext>
+            </a:extLst>
+          </p:cNvPr>
+          <p:cNvSpPr txBox="1"/>
+          <p:nvPr/>
+        </p:nvSpPr>
+        <p:spPr>
+          <a:xfrm>
+            <a:off x="8723136" y="827998"/>
+            <a:ext cx="3121624" cy="2862322"/>
+          </a:xfrm>
+          <a:prstGeom prst="rect">
+            <a:avLst/>
+          </a:prstGeom>
+          <a:noFill/>
+        </p:spPr>
+        <p:txBody>
+          <a:bodyPr wrap="square" rtlCol="0">
+            <a:spAutoFit/>
+          </a:bodyPr>
+          <a:lstStyle/>
+          <a:p>
+            <a:r>
+              <a:rPr lang="en-US" sz="3600" dirty="0">
+                <a:solidFill>
+                  <a:srgbClr val="707070"/>
+                </a:solidFill>
+                <a:latin typeface="Pragmatica" panose="020B7200000000000000" pitchFamily="34" charset="0"/>
+              </a:rPr>
+              <a:t>Free to</a:t>
+            </a:r>
+          </a:p>
+          <a:p>
+            <a:pPr marL="285750" indent="-285750">
+              <a:buFontTx/>
+              <a:buChar char="-"/>
+            </a:pPr>
+            <a:r>
+              <a:rPr lang="en-US" sz="3600" dirty="0">
+                <a:solidFill>
+                  <a:srgbClr val="707070"/>
+                </a:solidFill>
+                <a:latin typeface="Pragmatica" panose="020B7200000000000000" pitchFamily="34" charset="0"/>
+              </a:rPr>
+              <a:t>Use</a:t>
+            </a:r>
+          </a:p>
+          <a:p>
+            <a:pPr marL="285750" indent="-285750">
+              <a:buFontTx/>
+              <a:buChar char="-"/>
+            </a:pPr>
+            <a:r>
+              <a:rPr lang="en-US" sz="3600" dirty="0">
+                <a:solidFill>
+                  <a:srgbClr val="707070"/>
+                </a:solidFill>
+                <a:latin typeface="Pragmatica" panose="020B7200000000000000" pitchFamily="34" charset="0"/>
+              </a:rPr>
+              <a:t>Build on</a:t>
+            </a:r>
+          </a:p>
+          <a:p>
+            <a:pPr marL="285750" indent="-285750">
+              <a:buFontTx/>
+              <a:buChar char="-"/>
+            </a:pPr>
+            <a:r>
+              <a:rPr lang="en-US" sz="3600" dirty="0">
+                <a:solidFill>
+                  <a:srgbClr val="707070"/>
+                </a:solidFill>
+                <a:latin typeface="Pragmatica" panose="020B7200000000000000" pitchFamily="34" charset="0"/>
+              </a:rPr>
+              <a:t>Repurpose</a:t>
+            </a:r>
+          </a:p>
+          <a:p>
+            <a:pPr marL="285750" indent="-285750">
+              <a:buFontTx/>
+              <a:buChar char="-"/>
+            </a:pPr>
+            <a:r>
+              <a:rPr lang="en-US" sz="3600" dirty="0">
+                <a:solidFill>
+                  <a:srgbClr val="707070"/>
+                </a:solidFill>
+                <a:latin typeface="Pragmatica" panose="020B7200000000000000" pitchFamily="34" charset="0"/>
+              </a:rPr>
+              <a:t>Redistribute</a:t>
+            </a:r>
+          </a:p>
+        </p:txBody>
+      </p:sp>
+      <p:pic>
+        <p:nvPicPr>
+          <p:cNvPr id="7" name="Picture 6">
+            <a:extLst>
+              <a:ext uri="{FF2B5EF4-FFF2-40B4-BE49-F238E27FC236}">
+                <a16:creationId xmlns:a16="http://schemas.microsoft.com/office/drawing/2014/main" id="{4920552E-A6F1-442A-80A4-B59141A0871E}"/>
+              </a:ext>
+            </a:extLst>
+          </p:cNvPr>
+          <p:cNvPicPr>
+            <a:picLocks noChangeAspect="1"/>
+          </p:cNvPicPr>
+          <p:nvPr/>
+        </p:nvPicPr>
+        <p:blipFill>
+          <a:blip r:embed="rId5"/>
+          <a:stretch>
+            <a:fillRect/>
+          </a:stretch>
+        </p:blipFill>
+        <p:spPr>
+          <a:xfrm>
+            <a:off x="274588" y="2775420"/>
+            <a:ext cx="4991792" cy="2806600"/>
+          </a:xfrm>
+          <a:prstGeom prst="rect">
+            <a:avLst/>
+          </a:prstGeom>
+        </p:spPr>
+      </p:pic>
+      <p:pic>
+        <p:nvPicPr>
+          <p:cNvPr id="8" name="Picture 7">
+            <a:extLst>
+              <a:ext uri="{FF2B5EF4-FFF2-40B4-BE49-F238E27FC236}">
+                <a16:creationId xmlns:a16="http://schemas.microsoft.com/office/drawing/2014/main" id="{F7E2D9E8-C60B-45C7-983F-680E54250661}"/>
+              </a:ext>
+            </a:extLst>
+          </p:cNvPr>
+          <p:cNvPicPr>
+            <a:picLocks noChangeAspect="1"/>
+          </p:cNvPicPr>
+          <p:nvPr/>
+        </p:nvPicPr>
+        <p:blipFill>
+          <a:blip r:embed="rId6"/>
+          <a:stretch>
+            <a:fillRect/>
+          </a:stretch>
+        </p:blipFill>
+        <p:spPr>
+          <a:xfrm>
+            <a:off x="5842689" y="3807803"/>
+            <a:ext cx="3997997" cy="2136073"/>
+          </a:xfrm>
+          <a:prstGeom prst="rect">
+            <a:avLst/>
+          </a:prstGeom>
+        </p:spPr>
+      </p:pic>
+      <p:sp>
+        <p:nvSpPr>
+          <p:cNvPr id="4" name="Rectangle 3">
+            <a:extLst>
+              <a:ext uri="{FF2B5EF4-FFF2-40B4-BE49-F238E27FC236}">
+                <a16:creationId xmlns:a16="http://schemas.microsoft.com/office/drawing/2014/main" id="{59889E5F-8C2F-4391-A49E-D05F27FB4984}"/>
+              </a:ext>
+            </a:extLst>
+          </p:cNvPr>
           <p:cNvSpPr/>
           <p:nvPr/>
         </p:nvSpPr>
         <p:spPr>
           <a:xfrm>
-            <a:off x="6574420" y="0"/>
-            <a:ext cx="5617580" cy="6858000"/>
-          </a:xfrm>
-          <a:prstGeom prst="rect">
-            <a:avLst/>
-          </a:prstGeom>
-          <a:solidFill>
-            <a:srgbClr val="CF3338"/>
-          </a:solidFill>
+            <a:off x="5909301" y="5582020"/>
+            <a:ext cx="923455" cy="302677"/>
+          </a:xfrm>
+          <a:prstGeom prst="rect">
+            <a:avLst/>
+          </a:prstGeom>
+          <a:noFill/>
+          <a:ln w="28575">
+            <a:solidFill>
+              <a:srgbClr val="CF3338"/>
+            </a:solidFill>
+          </a:ln>
         </p:spPr>
         <p:style>
           <a:lnRef idx="2">
@@ -13040,244 +13651,10 @@
           </a:p>
         </p:txBody>
       </p:sp>
-      <p:sp>
-        <p:nvSpPr>
-          <p:cNvPr id="5" name="TextBox 4"/>
-          <p:cNvSpPr txBox="1"/>
-          <p:nvPr/>
-        </p:nvSpPr>
-        <p:spPr>
-          <a:xfrm>
-            <a:off x="6817489" y="0"/>
-            <a:ext cx="4120587" cy="1446550"/>
-          </a:xfrm>
-          <a:prstGeom prst="rect">
-            <a:avLst/>
-          </a:prstGeom>
-          <a:noFill/>
-        </p:spPr>
-        <p:txBody>
-          <a:bodyPr wrap="square" rtlCol="0">
-            <a:spAutoFit/>
-          </a:bodyPr>
-          <a:lstStyle/>
-          <a:p>
-            <a:r>
-              <a:rPr lang="en-US" sz="8800" dirty="0">
-                <a:solidFill>
-                  <a:schemeClr val="bg1"/>
-                </a:solidFill>
-                <a:latin typeface="Aliens &amp; cows" panose="00000500000000000000" pitchFamily="2" charset="0"/>
-              </a:rPr>
-              <a:t>Demo</a:t>
-            </a:r>
-          </a:p>
-        </p:txBody>
-      </p:sp>
-      <p:pic>
-        <p:nvPicPr>
-          <p:cNvPr id="2" name="Picture 1"/>
-          <p:cNvPicPr>
-            <a:picLocks noChangeAspect="1"/>
-          </p:cNvPicPr>
-          <p:nvPr/>
-        </p:nvPicPr>
-        <p:blipFill rotWithShape="1">
-          <a:blip r:embed="rId2">
-            <a:extLst>
-              <a:ext uri="{28A0092B-C50C-407E-A947-70E740481C1C}">
-                <a14:useLocalDpi xmlns:a14="http://schemas.microsoft.com/office/drawing/2010/main" val="0"/>
-              </a:ext>
-            </a:extLst>
-          </a:blip>
-          <a:srcRect l="69227" t="33418" r="20112" b="50548"/>
-          <a:stretch/>
-        </p:blipFill>
-        <p:spPr>
-          <a:xfrm>
-            <a:off x="10386349" y="5029795"/>
-            <a:ext cx="1805651" cy="1991719"/>
-          </a:xfrm>
-          <a:prstGeom prst="rect">
-            <a:avLst/>
-          </a:prstGeom>
-        </p:spPr>
-      </p:pic>
-      <p:sp>
-        <p:nvSpPr>
-          <p:cNvPr id="3" name="TextBox 2"/>
-          <p:cNvSpPr txBox="1"/>
-          <p:nvPr/>
-        </p:nvSpPr>
-        <p:spPr>
-          <a:xfrm>
-            <a:off x="173620" y="219919"/>
-            <a:ext cx="5937813" cy="3970318"/>
-          </a:xfrm>
-          <a:prstGeom prst="rect">
-            <a:avLst/>
-          </a:prstGeom>
-          <a:noFill/>
-        </p:spPr>
-        <p:txBody>
-          <a:bodyPr wrap="square" rtlCol="0">
-            <a:spAutoFit/>
-          </a:bodyPr>
-          <a:lstStyle/>
-          <a:p>
-            <a:r>
-              <a:rPr lang="en-US" sz="2800" b="1" dirty="0">
-                <a:solidFill>
-                  <a:srgbClr val="CF3338"/>
-                </a:solidFill>
-                <a:latin typeface="Pragmatica" pitchFamily="2" charset="0"/>
-              </a:rPr>
-              <a:t>File: </a:t>
-            </a:r>
-            <a:r>
-              <a:rPr lang="en-US" sz="2800" b="1" dirty="0">
-                <a:solidFill>
-                  <a:srgbClr val="CF3338"/>
-                </a:solidFill>
-                <a:latin typeface="Consolas" panose="020B0609020204030204" pitchFamily="49" charset="0"/>
-              </a:rPr>
-              <a:t>monty-hall.xlsx</a:t>
-            </a:r>
-          </a:p>
-          <a:p>
-            <a:endParaRPr lang="en-US" sz="2800" b="1" dirty="0">
-              <a:solidFill>
-                <a:srgbClr val="CF3338"/>
-              </a:solidFill>
-              <a:latin typeface="Pragmatica" pitchFamily="2" charset="0"/>
-            </a:endParaRPr>
-          </a:p>
-          <a:p>
-            <a:pPr marL="514350" indent="-514350">
-              <a:buFont typeface="Arial" panose="020B0604020202020204" pitchFamily="34" charset="0"/>
-              <a:buChar char="•"/>
-            </a:pPr>
-            <a:r>
-              <a:rPr lang="en-US" sz="2800" b="1" dirty="0">
-                <a:solidFill>
-                  <a:srgbClr val="CF3338"/>
-                </a:solidFill>
-                <a:latin typeface="Pragmatica" pitchFamily="2" charset="0"/>
-              </a:rPr>
-              <a:t>Three doors: one car, two goats</a:t>
-            </a:r>
-          </a:p>
-          <a:p>
-            <a:pPr marL="514350" indent="-514350">
-              <a:buFont typeface="Arial" panose="020B0604020202020204" pitchFamily="34" charset="0"/>
-              <a:buChar char="•"/>
-            </a:pPr>
-            <a:r>
-              <a:rPr lang="en-US" sz="2800" b="1" dirty="0">
-                <a:solidFill>
-                  <a:srgbClr val="CF3338"/>
-                </a:solidFill>
-                <a:latin typeface="Pragmatica" pitchFamily="2" charset="0"/>
-              </a:rPr>
-              <a:t>You pick a door</a:t>
-            </a:r>
-          </a:p>
-          <a:p>
-            <a:pPr marL="514350" indent="-514350">
-              <a:buFont typeface="Arial" panose="020B0604020202020204" pitchFamily="34" charset="0"/>
-              <a:buChar char="•"/>
-            </a:pPr>
-            <a:r>
-              <a:rPr lang="en-US" sz="2800" b="1" dirty="0">
-                <a:solidFill>
-                  <a:srgbClr val="CF3338"/>
-                </a:solidFill>
-                <a:latin typeface="Pragmatica" pitchFamily="2" charset="0"/>
-              </a:rPr>
-              <a:t>Monty opens another door: it has a goat</a:t>
-            </a:r>
-          </a:p>
-          <a:p>
-            <a:pPr marL="514350" indent="-514350">
-              <a:buFont typeface="Arial" panose="020B0604020202020204" pitchFamily="34" charset="0"/>
-              <a:buChar char="•"/>
-            </a:pPr>
-            <a:r>
-              <a:rPr lang="en-US" sz="2800" b="1" dirty="0">
-                <a:solidFill>
-                  <a:srgbClr val="CF3338"/>
-                </a:solidFill>
-                <a:latin typeface="Pragmatica" pitchFamily="2" charset="0"/>
-              </a:rPr>
-              <a:t>Do you stick to your door, or switch doors? Does it matter? </a:t>
-            </a:r>
-          </a:p>
-          <a:p>
-            <a:pPr marL="514350" indent="-514350">
-              <a:buFont typeface="+mj-lt"/>
-              <a:buAutoNum type="arabicPeriod"/>
-            </a:pPr>
-            <a:endParaRPr lang="en-US" sz="2800" b="1" dirty="0">
-              <a:solidFill>
-                <a:srgbClr val="CF3338"/>
-              </a:solidFill>
-              <a:latin typeface="Pragmatica" pitchFamily="2" charset="0"/>
-            </a:endParaRPr>
-          </a:p>
-        </p:txBody>
-      </p:sp>
-      <p:sp>
-        <p:nvSpPr>
-          <p:cNvPr id="7" name="Rectangle 6">
-            <a:extLst>
-              <a:ext uri="{FF2B5EF4-FFF2-40B4-BE49-F238E27FC236}">
-                <a16:creationId xmlns:a16="http://schemas.microsoft.com/office/drawing/2014/main" id="{77BBEC85-7633-435D-A5B3-FFD4CC6C299B}"/>
-              </a:ext>
-            </a:extLst>
-          </p:cNvPr>
-          <p:cNvSpPr/>
-          <p:nvPr/>
-        </p:nvSpPr>
-        <p:spPr>
-          <a:xfrm>
-            <a:off x="6941527" y="4919008"/>
-            <a:ext cx="4120586" cy="1938992"/>
-          </a:xfrm>
-          <a:prstGeom prst="rect">
-            <a:avLst/>
-          </a:prstGeom>
-        </p:spPr>
-        <p:txBody>
-          <a:bodyPr wrap="square">
-            <a:spAutoFit/>
-          </a:bodyPr>
-          <a:lstStyle/>
-          <a:p>
-            <a:r>
-              <a:rPr lang="en-US" sz="6000" dirty="0">
-                <a:solidFill>
-                  <a:schemeClr val="bg1"/>
-                </a:solidFill>
-              </a:rPr>
-              <a:t>🚪🚪🚪</a:t>
-            </a:r>
-          </a:p>
-          <a:p>
-            <a:r>
-              <a:rPr lang="en-US" sz="6000" dirty="0">
-                <a:solidFill>
-                  <a:schemeClr val="bg1"/>
-                </a:solidFill>
-              </a:rPr>
-              <a:t>🐐🚗🐐 </a:t>
-            </a:r>
-          </a:p>
-        </p:txBody>
-      </p:sp>
     </p:spTree>
     <p:extLst>
       <p:ext uri="{BB962C8B-B14F-4D97-AF65-F5344CB8AC3E}">
-        <p14:creationId xmlns:p14="http://schemas.microsoft.com/office/powerpoint/2010/main" val="1541719548"/>
+        <p14:creationId xmlns:p14="http://schemas.microsoft.com/office/powerpoint/2010/main" val="1483565379"/>
       </p:ext>
     </p:extLst>
   </p:cSld>

--- a/advancing-into-analytics-lagos.pptx
+++ b/advancing-into-analytics-lagos.pptx
@@ -1857,7 +1857,7 @@
           <a:p>
             <a:fld id="{503F064B-41F2-4661-BDF0-BFD135E9A557}" type="datetimeFigureOut">
               <a:rPr lang="en-US" smtClean="0"/>
-              <a:t>7/5/2021</a:t>
+              <a:t>7/10/2021</a:t>
             </a:fld>
             <a:endParaRPr lang="en-US"/>
           </a:p>
@@ -3891,7 +3891,7 @@
           <a:p>
             <a:fld id="{0138B082-EFC2-46C1-B47C-51736C670379}" type="datetimeFigureOut">
               <a:rPr lang="en-US" smtClean="0"/>
-              <a:t>7/5/2021</a:t>
+              <a:t>7/10/2021</a:t>
             </a:fld>
             <a:endParaRPr lang="en-US"/>
           </a:p>
@@ -4059,7 +4059,7 @@
           <a:p>
             <a:fld id="{0138B082-EFC2-46C1-B47C-51736C670379}" type="datetimeFigureOut">
               <a:rPr lang="en-US" smtClean="0"/>
-              <a:t>7/5/2021</a:t>
+              <a:t>7/10/2021</a:t>
             </a:fld>
             <a:endParaRPr lang="en-US"/>
           </a:p>
@@ -4237,7 +4237,7 @@
           <a:p>
             <a:fld id="{0138B082-EFC2-46C1-B47C-51736C670379}" type="datetimeFigureOut">
               <a:rPr lang="en-US" smtClean="0"/>
-              <a:t>7/5/2021</a:t>
+              <a:t>7/10/2021</a:t>
             </a:fld>
             <a:endParaRPr lang="en-US"/>
           </a:p>
@@ -4405,7 +4405,7 @@
           <a:p>
             <a:fld id="{0138B082-EFC2-46C1-B47C-51736C670379}" type="datetimeFigureOut">
               <a:rPr lang="en-US" smtClean="0"/>
-              <a:t>7/5/2021</a:t>
+              <a:t>7/10/2021</a:t>
             </a:fld>
             <a:endParaRPr lang="en-US"/>
           </a:p>
@@ -4650,7 +4650,7 @@
           <a:p>
             <a:fld id="{0138B082-EFC2-46C1-B47C-51736C670379}" type="datetimeFigureOut">
               <a:rPr lang="en-US" smtClean="0"/>
-              <a:t>7/5/2021</a:t>
+              <a:t>7/10/2021</a:t>
             </a:fld>
             <a:endParaRPr lang="en-US"/>
           </a:p>
@@ -4879,7 +4879,7 @@
           <a:p>
             <a:fld id="{0138B082-EFC2-46C1-B47C-51736C670379}" type="datetimeFigureOut">
               <a:rPr lang="en-US" smtClean="0"/>
-              <a:t>7/5/2021</a:t>
+              <a:t>7/10/2021</a:t>
             </a:fld>
             <a:endParaRPr lang="en-US"/>
           </a:p>
@@ -5243,7 +5243,7 @@
           <a:p>
             <a:fld id="{0138B082-EFC2-46C1-B47C-51736C670379}" type="datetimeFigureOut">
               <a:rPr lang="en-US" smtClean="0"/>
-              <a:t>7/5/2021</a:t>
+              <a:t>7/10/2021</a:t>
             </a:fld>
             <a:endParaRPr lang="en-US"/>
           </a:p>
@@ -5360,7 +5360,7 @@
           <a:p>
             <a:fld id="{0138B082-EFC2-46C1-B47C-51736C670379}" type="datetimeFigureOut">
               <a:rPr lang="en-US" smtClean="0"/>
-              <a:t>7/5/2021</a:t>
+              <a:t>7/10/2021</a:t>
             </a:fld>
             <a:endParaRPr lang="en-US"/>
           </a:p>
@@ -5455,7 +5455,7 @@
           <a:p>
             <a:fld id="{0138B082-EFC2-46C1-B47C-51736C670379}" type="datetimeFigureOut">
               <a:rPr lang="en-US" smtClean="0"/>
-              <a:t>7/5/2021</a:t>
+              <a:t>7/10/2021</a:t>
             </a:fld>
             <a:endParaRPr lang="en-US"/>
           </a:p>
@@ -5730,7 +5730,7 @@
           <a:p>
             <a:fld id="{0138B082-EFC2-46C1-B47C-51736C670379}" type="datetimeFigureOut">
               <a:rPr lang="en-US" smtClean="0"/>
-              <a:t>7/5/2021</a:t>
+              <a:t>7/10/2021</a:t>
             </a:fld>
             <a:endParaRPr lang="en-US"/>
           </a:p>
@@ -5982,7 +5982,7 @@
           <a:p>
             <a:fld id="{0138B082-EFC2-46C1-B47C-51736C670379}" type="datetimeFigureOut">
               <a:rPr lang="en-US" smtClean="0"/>
-              <a:t>7/5/2021</a:t>
+              <a:t>7/10/2021</a:t>
             </a:fld>
             <a:endParaRPr lang="en-US"/>
           </a:p>
@@ -6193,7 +6193,7 @@
           <a:p>
             <a:fld id="{0138B082-EFC2-46C1-B47C-51736C670379}" type="datetimeFigureOut">
               <a:rPr lang="en-US" smtClean="0"/>
-              <a:t>7/5/2021</a:t>
+              <a:t>7/10/2021</a:t>
             </a:fld>
             <a:endParaRPr lang="en-US"/>
           </a:p>
@@ -11342,7 +11342,7 @@
                 <a:latin typeface="Pragmatica" panose="020B0403040502020204" pitchFamily="34" charset="0"/>
                 <a:hlinkClick r:id="rId4"/>
               </a:rPr>
-              <a:t>georgejmount.com/book</a:t>
+              <a:t>stringfestanalytics.com/book</a:t>
             </a:r>
             <a:r>
               <a:rPr lang="en-US" sz="2800" dirty="0">
@@ -11864,7 +11864,7 @@
                 </a:solidFill>
                 <a:latin typeface="Pragmatica" panose="020B0403040502020204" pitchFamily="34" charset="0"/>
               </a:rPr>
-              <a:t>george@stringfestanalytics.com</a:t>
+              <a:t>linkedin.com/in/gjmount </a:t>
             </a:r>
           </a:p>
           <a:p>
@@ -11882,17 +11882,17 @@
                 </a:solidFill>
                 <a:latin typeface="Pragmatica" panose="020B0403040502020204" pitchFamily="34" charset="0"/>
               </a:rPr>
-              <a:t>stringfestanalytics.com/book</a:t>
-            </a:r>
-          </a:p>
-          <a:p>
-            <a:pPr marL="514350" indent="-514350">
-              <a:buClr>
-                <a:srgbClr val="CF3338"/>
-              </a:buClr>
-              <a:buFont typeface="Arial" panose="020B0604020202020204" pitchFamily="34" charset="0"/>
-              <a:buChar char="•"/>
-            </a:pPr>
+              <a:t>stringfestanalytics.com (</a:t>
+            </a:r>
+            <a:r>
+              <a:rPr lang="en-US" sz="2800" i="1" dirty="0">
+                <a:solidFill>
+                  <a:srgbClr val="707070"/>
+                </a:solidFill>
+                <a:latin typeface="Pragmatica" panose="020B0403040502020204" pitchFamily="34" charset="0"/>
+              </a:rPr>
+              <a:t>Subscribe for 30 Days to Data Analyst</a:t>
+            </a:r>
             <a:r>
               <a:rPr lang="en-US" sz="2800" dirty="0">
                 <a:solidFill>
@@ -11900,11 +11900,41 @@
                 </a:solidFill>
                 <a:latin typeface="Pragmatica" panose="020B0403040502020204" pitchFamily="34" charset="0"/>
               </a:rPr>
-              <a:t>linkedin.com/in/gjmount  </a:t>
-            </a:r>
-          </a:p>
-        </p:txBody>
-      </p:sp>
+              <a:t>) </a:t>
+            </a:r>
+          </a:p>
+        </p:txBody>
+      </p:sp>
+      <p:pic>
+        <p:nvPicPr>
+          <p:cNvPr id="2" name="Picture 1">
+            <a:extLst>
+              <a:ext uri="{FF2B5EF4-FFF2-40B4-BE49-F238E27FC236}">
+                <a16:creationId xmlns:a16="http://schemas.microsoft.com/office/drawing/2014/main" id="{912357C0-05AF-4794-9E55-C81A142CEB3E}"/>
+              </a:ext>
+            </a:extLst>
+          </p:cNvPr>
+          <p:cNvPicPr>
+            <a:picLocks noChangeAspect="1"/>
+          </p:cNvPicPr>
+          <p:nvPr/>
+        </p:nvPicPr>
+        <p:blipFill>
+          <a:blip r:embed="rId3"/>
+          <a:stretch>
+            <a:fillRect/>
+          </a:stretch>
+        </p:blipFill>
+        <p:spPr>
+          <a:xfrm>
+            <a:off x="5276759" y="2643569"/>
+            <a:ext cx="5932015" cy="3583366"/>
+          </a:xfrm>
+          <a:prstGeom prst="rect">
+            <a:avLst/>
+          </a:prstGeom>
+        </p:spPr>
+      </p:pic>
     </p:spTree>
     <p:extLst>
       <p:ext uri="{BB962C8B-B14F-4D97-AF65-F5344CB8AC3E}">

--- a/advancing-into-analytics-lagos.pptx
+++ b/advancing-into-analytics-lagos.pptx
@@ -1857,7 +1857,7 @@
           <a:p>
             <a:fld id="{503F064B-41F2-4661-BDF0-BFD135E9A557}" type="datetimeFigureOut">
               <a:rPr lang="en-US" smtClean="0"/>
-              <a:t>7/10/2021</a:t>
+              <a:t>7/11/2021</a:t>
             </a:fld>
             <a:endParaRPr lang="en-US"/>
           </a:p>
@@ -3891,7 +3891,7 @@
           <a:p>
             <a:fld id="{0138B082-EFC2-46C1-B47C-51736C670379}" type="datetimeFigureOut">
               <a:rPr lang="en-US" smtClean="0"/>
-              <a:t>7/10/2021</a:t>
+              <a:t>7/11/2021</a:t>
             </a:fld>
             <a:endParaRPr lang="en-US"/>
           </a:p>
@@ -4059,7 +4059,7 @@
           <a:p>
             <a:fld id="{0138B082-EFC2-46C1-B47C-51736C670379}" type="datetimeFigureOut">
               <a:rPr lang="en-US" smtClean="0"/>
-              <a:t>7/10/2021</a:t>
+              <a:t>7/11/2021</a:t>
             </a:fld>
             <a:endParaRPr lang="en-US"/>
           </a:p>
@@ -4237,7 +4237,7 @@
           <a:p>
             <a:fld id="{0138B082-EFC2-46C1-B47C-51736C670379}" type="datetimeFigureOut">
               <a:rPr lang="en-US" smtClean="0"/>
-              <a:t>7/10/2021</a:t>
+              <a:t>7/11/2021</a:t>
             </a:fld>
             <a:endParaRPr lang="en-US"/>
           </a:p>
@@ -4405,7 +4405,7 @@
           <a:p>
             <a:fld id="{0138B082-EFC2-46C1-B47C-51736C670379}" type="datetimeFigureOut">
               <a:rPr lang="en-US" smtClean="0"/>
-              <a:t>7/10/2021</a:t>
+              <a:t>7/11/2021</a:t>
             </a:fld>
             <a:endParaRPr lang="en-US"/>
           </a:p>
@@ -4650,7 +4650,7 @@
           <a:p>
             <a:fld id="{0138B082-EFC2-46C1-B47C-51736C670379}" type="datetimeFigureOut">
               <a:rPr lang="en-US" smtClean="0"/>
-              <a:t>7/10/2021</a:t>
+              <a:t>7/11/2021</a:t>
             </a:fld>
             <a:endParaRPr lang="en-US"/>
           </a:p>
@@ -4879,7 +4879,7 @@
           <a:p>
             <a:fld id="{0138B082-EFC2-46C1-B47C-51736C670379}" type="datetimeFigureOut">
               <a:rPr lang="en-US" smtClean="0"/>
-              <a:t>7/10/2021</a:t>
+              <a:t>7/11/2021</a:t>
             </a:fld>
             <a:endParaRPr lang="en-US"/>
           </a:p>
@@ -5243,7 +5243,7 @@
           <a:p>
             <a:fld id="{0138B082-EFC2-46C1-B47C-51736C670379}" type="datetimeFigureOut">
               <a:rPr lang="en-US" smtClean="0"/>
-              <a:t>7/10/2021</a:t>
+              <a:t>7/11/2021</a:t>
             </a:fld>
             <a:endParaRPr lang="en-US"/>
           </a:p>
@@ -5360,7 +5360,7 @@
           <a:p>
             <a:fld id="{0138B082-EFC2-46C1-B47C-51736C670379}" type="datetimeFigureOut">
               <a:rPr lang="en-US" smtClean="0"/>
-              <a:t>7/10/2021</a:t>
+              <a:t>7/11/2021</a:t>
             </a:fld>
             <a:endParaRPr lang="en-US"/>
           </a:p>
@@ -5455,7 +5455,7 @@
           <a:p>
             <a:fld id="{0138B082-EFC2-46C1-B47C-51736C670379}" type="datetimeFigureOut">
               <a:rPr lang="en-US" smtClean="0"/>
-              <a:t>7/10/2021</a:t>
+              <a:t>7/11/2021</a:t>
             </a:fld>
             <a:endParaRPr lang="en-US"/>
           </a:p>
@@ -5730,7 +5730,7 @@
           <a:p>
             <a:fld id="{0138B082-EFC2-46C1-B47C-51736C670379}" type="datetimeFigureOut">
               <a:rPr lang="en-US" smtClean="0"/>
-              <a:t>7/10/2021</a:t>
+              <a:t>7/11/2021</a:t>
             </a:fld>
             <a:endParaRPr lang="en-US"/>
           </a:p>
@@ -5982,7 +5982,7 @@
           <a:p>
             <a:fld id="{0138B082-EFC2-46C1-B47C-51736C670379}" type="datetimeFigureOut">
               <a:rPr lang="en-US" smtClean="0"/>
-              <a:t>7/10/2021</a:t>
+              <a:t>7/11/2021</a:t>
             </a:fld>
             <a:endParaRPr lang="en-US"/>
           </a:p>
@@ -6193,7 +6193,7 @@
           <a:p>
             <a:fld id="{0138B082-EFC2-46C1-B47C-51736C670379}" type="datetimeFigureOut">
               <a:rPr lang="en-US" smtClean="0"/>
-              <a:t>7/10/2021</a:t>
+              <a:t>7/11/2021</a:t>
             </a:fld>
             <a:endParaRPr lang="en-US"/>
           </a:p>
@@ -9261,7 +9261,7 @@
         </p:blipFill>
         <p:spPr>
           <a:xfrm>
-            <a:off x="1487239" y="3741832"/>
+            <a:off x="1539993" y="2910959"/>
             <a:ext cx="5780952" cy="1685714"/>
           </a:xfrm>
           <a:prstGeom prst="rect">
@@ -11053,7 +11053,7 @@
         <p:spPr>
           <a:xfrm>
             <a:off x="324091" y="1687545"/>
-            <a:ext cx="7986531" cy="523220"/>
+            <a:ext cx="7986531" cy="1384995"/>
           </a:xfrm>
           <a:prstGeom prst="rect">
             <a:avLst/>
@@ -11074,6 +11074,25 @@
                 <a:latin typeface="Pragmatica" panose="020B0403040502020204" pitchFamily="34" charset="0"/>
               </a:rPr>
               <a:t>Questions?</a:t>
+            </a:r>
+          </a:p>
+          <a:p>
+            <a:endParaRPr lang="en-US" sz="2800" b="1" dirty="0">
+              <a:solidFill>
+                <a:srgbClr val="707070"/>
+              </a:solidFill>
+              <a:latin typeface="Pragmatica" panose="020B0403040502020204" pitchFamily="34" charset="0"/>
+            </a:endParaRPr>
+          </a:p>
+          <a:p>
+            <a:r>
+              <a:rPr lang="en-US" sz="2800" b="1" i="1" dirty="0">
+                <a:solidFill>
+                  <a:srgbClr val="707070"/>
+                </a:solidFill>
+                <a:latin typeface="Pragmatica" panose="020B0403040502020204" pitchFamily="34" charset="0"/>
+              </a:rPr>
+              <a:t>Who wants to win a book?</a:t>
             </a:r>
           </a:p>
         </p:txBody>
@@ -12569,7 +12588,7 @@
         <p:spPr>
           <a:xfrm>
             <a:off x="462987" y="1365813"/>
-            <a:ext cx="9595413" cy="954107"/>
+            <a:ext cx="9595413" cy="1384995"/>
           </a:xfrm>
           <a:prstGeom prst="rect">
             <a:avLst/>
@@ -12594,6 +12613,21 @@
                 <a:latin typeface="Pragmatica" panose="020B0403040502020204" pitchFamily="34" charset="0"/>
               </a:rPr>
               <a:t>Having fun with data &amp; computers</a:t>
+            </a:r>
+          </a:p>
+          <a:p>
+            <a:pPr marL="285750" indent="-285750">
+              <a:buFont typeface="Arial" panose="020B0604020202020204" pitchFamily="34" charset="0"/>
+              <a:buChar char="•"/>
+            </a:pPr>
+            <a:r>
+              <a:rPr lang="en-US" sz="2800" dirty="0">
+                <a:solidFill>
+                  <a:srgbClr val="707070"/>
+                </a:solidFill>
+                <a:latin typeface="Pragmatica" panose="020B0403040502020204" pitchFamily="34" charset="0"/>
+              </a:rPr>
+              <a:t>Maybe win a book?</a:t>
             </a:r>
           </a:p>
           <a:p>
